--- a/Presentations/Meeting 24_07_2021 Presentation.pptx
+++ b/Presentations/Meeting 24_07_2021 Presentation.pptx
@@ -8,8 +8,9 @@
     <p:sldId id="256" r:id="rId2"/>
     <p:sldId id="257" r:id="rId3"/>
     <p:sldId id="260" r:id="rId4"/>
-    <p:sldId id="258" r:id="rId5"/>
-    <p:sldId id="259" r:id="rId6"/>
+    <p:sldId id="261" r:id="rId5"/>
+    <p:sldId id="258" r:id="rId6"/>
+    <p:sldId id="259" r:id="rId7"/>
   </p:sldIdLst>
   <p:sldSz cx="12192000" cy="6858000"/>
   <p:notesSz cx="6858000" cy="9144000"/>
@@ -128,6 +129,935 @@
 </file>
 
 <file path=ppt/diagrams/colors1.xml><?xml version="1.0" encoding="utf-8"?>
+<dgm:colorsDef xmlns:dgm="http://schemas.openxmlformats.org/drawingml/2006/diagram" xmlns:a="http://schemas.openxmlformats.org/drawingml/2006/main" uniqueId="urn:microsoft.com/office/officeart/2018/5/colors/Iconchunking_coloredtext_colorful1">
+  <dgm:title val=""/>
+  <dgm:desc val=""/>
+  <dgm:catLst>
+    <dgm:cat type="colorful" pri="10100"/>
+  </dgm:catLst>
+  <dgm:styleLbl name="node0">
+    <dgm:fillClrLst meth="repeat">
+      <a:schemeClr val="accent1"/>
+    </dgm:fillClrLst>
+    <dgm:linClrLst meth="repeat">
+      <a:schemeClr val="lt1"/>
+    </dgm:linClrLst>
+    <dgm:effectClrLst/>
+    <dgm:txLinClrLst/>
+    <dgm:txFillClrLst/>
+    <dgm:txEffectClrLst/>
+  </dgm:styleLbl>
+  <dgm:styleLbl name="node1">
+    <dgm:fillClrLst meth="repeat">
+      <a:schemeClr val="bg1"/>
+    </dgm:fillClrLst>
+    <dgm:linClrLst meth="repeat">
+      <a:schemeClr val="lt1">
+        <a:alpha val="0"/>
+      </a:schemeClr>
+    </dgm:linClrLst>
+    <dgm:effectClrLst/>
+    <dgm:txLinClrLst/>
+    <dgm:txFillClrLst meth="repeat">
+      <a:schemeClr val="dk1"/>
+    </dgm:txFillClrLst>
+    <dgm:txEffectClrLst/>
+  </dgm:styleLbl>
+  <dgm:styleLbl name="alignNode1">
+    <dgm:fillClrLst meth="repeat">
+      <a:schemeClr val="accent2"/>
+      <a:schemeClr val="accent3"/>
+      <a:schemeClr val="accent4"/>
+      <a:schemeClr val="accent5"/>
+      <a:schemeClr val="accent6"/>
+    </dgm:fillClrLst>
+    <dgm:linClrLst meth="repeat">
+      <a:schemeClr val="accent2"/>
+      <a:schemeClr val="accent3"/>
+      <a:schemeClr val="accent4"/>
+      <a:schemeClr val="accent5"/>
+      <a:schemeClr val="accent6"/>
+    </dgm:linClrLst>
+    <dgm:effectClrLst/>
+    <dgm:txLinClrLst/>
+    <dgm:txFillClrLst/>
+    <dgm:txEffectClrLst/>
+  </dgm:styleLbl>
+  <dgm:styleLbl name="lnNode1">
+    <dgm:fillClrLst meth="repeat">
+      <a:schemeClr val="accent2"/>
+      <a:schemeClr val="accent3"/>
+      <a:schemeClr val="accent4"/>
+      <a:schemeClr val="accent5"/>
+      <a:schemeClr val="accent6"/>
+    </dgm:fillClrLst>
+    <dgm:linClrLst meth="repeat">
+      <a:schemeClr val="lt1"/>
+    </dgm:linClrLst>
+    <dgm:effectClrLst/>
+    <dgm:txLinClrLst/>
+    <dgm:txFillClrLst/>
+    <dgm:txEffectClrLst/>
+  </dgm:styleLbl>
+  <dgm:styleLbl name="vennNode1">
+    <dgm:fillClrLst meth="repeat">
+      <a:schemeClr val="accent2">
+        <a:alpha val="50000"/>
+      </a:schemeClr>
+      <a:schemeClr val="accent3">
+        <a:alpha val="50000"/>
+      </a:schemeClr>
+      <a:schemeClr val="accent4">
+        <a:alpha val="50000"/>
+      </a:schemeClr>
+      <a:schemeClr val="accent5">
+        <a:alpha val="50000"/>
+      </a:schemeClr>
+      <a:schemeClr val="accent6">
+        <a:alpha val="50000"/>
+      </a:schemeClr>
+    </dgm:fillClrLst>
+    <dgm:linClrLst meth="repeat">
+      <a:schemeClr val="lt1"/>
+    </dgm:linClrLst>
+    <dgm:effectClrLst/>
+    <dgm:txLinClrLst/>
+    <dgm:txFillClrLst/>
+    <dgm:txEffectClrLst/>
+  </dgm:styleLbl>
+  <dgm:styleLbl name="node2">
+    <dgm:fillClrLst>
+      <a:schemeClr val="accent2"/>
+    </dgm:fillClrLst>
+    <dgm:linClrLst meth="repeat">
+      <a:schemeClr val="lt1"/>
+    </dgm:linClrLst>
+    <dgm:effectClrLst/>
+    <dgm:txLinClrLst/>
+    <dgm:txFillClrLst/>
+    <dgm:txEffectClrLst/>
+  </dgm:styleLbl>
+  <dgm:styleLbl name="node3">
+    <dgm:fillClrLst>
+      <a:schemeClr val="accent3"/>
+    </dgm:fillClrLst>
+    <dgm:linClrLst meth="repeat">
+      <a:schemeClr val="lt1"/>
+    </dgm:linClrLst>
+    <dgm:effectClrLst/>
+    <dgm:txLinClrLst/>
+    <dgm:txFillClrLst/>
+    <dgm:txEffectClrLst/>
+  </dgm:styleLbl>
+  <dgm:styleLbl name="node4">
+    <dgm:fillClrLst>
+      <a:schemeClr val="accent4"/>
+    </dgm:fillClrLst>
+    <dgm:linClrLst meth="repeat">
+      <a:schemeClr val="lt1"/>
+    </dgm:linClrLst>
+    <dgm:effectClrLst/>
+    <dgm:txLinClrLst/>
+    <dgm:txFillClrLst/>
+    <dgm:txEffectClrLst/>
+  </dgm:styleLbl>
+  <dgm:styleLbl name="fgImgPlace1">
+    <dgm:fillClrLst meth="repeat">
+      <a:schemeClr val="accent2">
+        <a:tint val="50000"/>
+      </a:schemeClr>
+      <a:schemeClr val="accent3">
+        <a:tint val="50000"/>
+      </a:schemeClr>
+      <a:schemeClr val="accent4">
+        <a:tint val="50000"/>
+      </a:schemeClr>
+      <a:schemeClr val="accent5">
+        <a:tint val="50000"/>
+      </a:schemeClr>
+      <a:schemeClr val="accent6">
+        <a:tint val="50000"/>
+      </a:schemeClr>
+    </dgm:fillClrLst>
+    <dgm:linClrLst meth="repeat">
+      <a:schemeClr val="lt1"/>
+    </dgm:linClrLst>
+    <dgm:effectClrLst/>
+    <dgm:txLinClrLst/>
+    <dgm:txFillClrLst meth="repeat">
+      <a:schemeClr val="lt1"/>
+    </dgm:txFillClrLst>
+    <dgm:txEffectClrLst/>
+  </dgm:styleLbl>
+  <dgm:styleLbl name="alignImgPlace1">
+    <dgm:fillClrLst>
+      <a:schemeClr val="accent1">
+        <a:tint val="50000"/>
+      </a:schemeClr>
+      <a:schemeClr val="accent2">
+        <a:tint val="20000"/>
+      </a:schemeClr>
+    </dgm:fillClrLst>
+    <dgm:linClrLst meth="repeat">
+      <a:schemeClr val="lt1"/>
+    </dgm:linClrLst>
+    <dgm:effectClrLst/>
+    <dgm:txLinClrLst/>
+    <dgm:txFillClrLst meth="repeat">
+      <a:schemeClr val="lt1"/>
+    </dgm:txFillClrLst>
+    <dgm:txEffectClrLst/>
+  </dgm:styleLbl>
+  <dgm:styleLbl name="bgImgPlace1">
+    <dgm:fillClrLst>
+      <a:schemeClr val="accent1">
+        <a:tint val="50000"/>
+      </a:schemeClr>
+      <a:schemeClr val="accent2">
+        <a:tint val="20000"/>
+      </a:schemeClr>
+    </dgm:fillClrLst>
+    <dgm:linClrLst meth="repeat">
+      <a:schemeClr val="lt1"/>
+    </dgm:linClrLst>
+    <dgm:effectClrLst/>
+    <dgm:txLinClrLst/>
+    <dgm:txFillClrLst meth="repeat">
+      <a:schemeClr val="lt1"/>
+    </dgm:txFillClrLst>
+    <dgm:txEffectClrLst/>
+  </dgm:styleLbl>
+  <dgm:styleLbl name="sibTrans2D1">
+    <dgm:fillClrLst meth="repeat">
+      <a:schemeClr val="accent2"/>
+      <a:schemeClr val="accent3"/>
+      <a:schemeClr val="accent4"/>
+      <a:schemeClr val="accent5"/>
+      <a:schemeClr val="accent6"/>
+    </dgm:fillClrLst>
+    <dgm:linClrLst meth="cycle">
+      <a:schemeClr val="lt1"/>
+    </dgm:linClrLst>
+    <dgm:effectClrLst/>
+    <dgm:txLinClrLst/>
+    <dgm:txFillClrLst/>
+    <dgm:txEffectClrLst/>
+  </dgm:styleLbl>
+  <dgm:styleLbl name="fgSibTrans2D1">
+    <dgm:fillClrLst meth="repeat">
+      <a:schemeClr val="accent2"/>
+      <a:schemeClr val="accent3"/>
+      <a:schemeClr val="accent4"/>
+      <a:schemeClr val="accent5"/>
+      <a:schemeClr val="accent6"/>
+    </dgm:fillClrLst>
+    <dgm:linClrLst meth="cycle">
+      <a:schemeClr val="lt1"/>
+    </dgm:linClrLst>
+    <dgm:effectClrLst/>
+    <dgm:txLinClrLst/>
+    <dgm:txFillClrLst meth="repeat">
+      <a:schemeClr val="lt1"/>
+    </dgm:txFillClrLst>
+    <dgm:txEffectClrLst/>
+  </dgm:styleLbl>
+  <dgm:styleLbl name="bgSibTrans2D1">
+    <dgm:fillClrLst meth="repeat">
+      <a:schemeClr val="accent2"/>
+      <a:schemeClr val="accent3"/>
+      <a:schemeClr val="accent4"/>
+      <a:schemeClr val="accent5"/>
+      <a:schemeClr val="accent6"/>
+    </dgm:fillClrLst>
+    <dgm:linClrLst meth="cycle">
+      <a:schemeClr val="lt1"/>
+    </dgm:linClrLst>
+    <dgm:effectClrLst/>
+    <dgm:txLinClrLst/>
+    <dgm:txFillClrLst meth="repeat">
+      <a:schemeClr val="lt1"/>
+    </dgm:txFillClrLst>
+    <dgm:txEffectClrLst/>
+  </dgm:styleLbl>
+  <dgm:styleLbl name="sibTrans1D1">
+    <dgm:fillClrLst meth="repeat">
+      <a:schemeClr val="accent2"/>
+      <a:schemeClr val="accent3"/>
+      <a:schemeClr val="accent4"/>
+      <a:schemeClr val="accent5"/>
+      <a:schemeClr val="accent6"/>
+    </dgm:fillClrLst>
+    <dgm:linClrLst meth="repeat">
+      <a:schemeClr val="accent2"/>
+      <a:schemeClr val="accent3"/>
+      <a:schemeClr val="accent4"/>
+      <a:schemeClr val="accent5"/>
+      <a:schemeClr val="accent6"/>
+    </dgm:linClrLst>
+    <dgm:effectClrLst/>
+    <dgm:txLinClrLst/>
+    <dgm:txFillClrLst meth="repeat">
+      <a:schemeClr val="tx1"/>
+    </dgm:txFillClrLst>
+    <dgm:txEffectClrLst/>
+  </dgm:styleLbl>
+  <dgm:styleLbl name="callout">
+    <dgm:fillClrLst meth="repeat">
+      <a:schemeClr val="accent2"/>
+    </dgm:fillClrLst>
+    <dgm:linClrLst meth="repeat">
+      <a:schemeClr val="accent2">
+        <a:tint val="50000"/>
+      </a:schemeClr>
+    </dgm:linClrLst>
+    <dgm:effectClrLst/>
+    <dgm:txLinClrLst/>
+    <dgm:txFillClrLst meth="repeat">
+      <a:schemeClr val="tx1"/>
+    </dgm:txFillClrLst>
+    <dgm:txEffectClrLst/>
+  </dgm:styleLbl>
+  <dgm:styleLbl name="asst0">
+    <dgm:fillClrLst meth="repeat">
+      <a:schemeClr val="accent1"/>
+    </dgm:fillClrLst>
+    <dgm:linClrLst meth="repeat">
+      <a:schemeClr val="lt1"/>
+    </dgm:linClrLst>
+    <dgm:effectClrLst/>
+    <dgm:txLinClrLst/>
+    <dgm:txFillClrLst/>
+    <dgm:txEffectClrLst/>
+  </dgm:styleLbl>
+  <dgm:styleLbl name="asst1">
+    <dgm:fillClrLst meth="repeat">
+      <a:schemeClr val="accent2"/>
+    </dgm:fillClrLst>
+    <dgm:linClrLst meth="repeat">
+      <a:schemeClr val="lt1"/>
+    </dgm:linClrLst>
+    <dgm:effectClrLst/>
+    <dgm:txLinClrLst/>
+    <dgm:txFillClrLst/>
+    <dgm:txEffectClrLst/>
+  </dgm:styleLbl>
+  <dgm:styleLbl name="asst2">
+    <dgm:fillClrLst>
+      <a:schemeClr val="accent3"/>
+    </dgm:fillClrLst>
+    <dgm:linClrLst meth="repeat">
+      <a:schemeClr val="lt1"/>
+    </dgm:linClrLst>
+    <dgm:effectClrLst/>
+    <dgm:txLinClrLst/>
+    <dgm:txFillClrLst/>
+    <dgm:txEffectClrLst/>
+  </dgm:styleLbl>
+  <dgm:styleLbl name="asst3">
+    <dgm:fillClrLst>
+      <a:schemeClr val="accent4"/>
+    </dgm:fillClrLst>
+    <dgm:linClrLst meth="repeat">
+      <a:schemeClr val="lt1"/>
+    </dgm:linClrLst>
+    <dgm:effectClrLst/>
+    <dgm:txLinClrLst/>
+    <dgm:txFillClrLst/>
+    <dgm:txEffectClrLst/>
+  </dgm:styleLbl>
+  <dgm:styleLbl name="asst4">
+    <dgm:fillClrLst>
+      <a:schemeClr val="accent5"/>
+    </dgm:fillClrLst>
+    <dgm:linClrLst meth="repeat">
+      <a:schemeClr val="lt1"/>
+    </dgm:linClrLst>
+    <dgm:effectClrLst/>
+    <dgm:txLinClrLst/>
+    <dgm:txFillClrLst/>
+    <dgm:txEffectClrLst/>
+  </dgm:styleLbl>
+  <dgm:styleLbl name="parChTrans2D1">
+    <dgm:fillClrLst meth="repeat">
+      <a:schemeClr val="accent2"/>
+    </dgm:fillClrLst>
+    <dgm:linClrLst meth="repeat">
+      <a:schemeClr val="lt1"/>
+    </dgm:linClrLst>
+    <dgm:effectClrLst/>
+    <dgm:txLinClrLst/>
+    <dgm:txFillClrLst meth="repeat">
+      <a:schemeClr val="lt1"/>
+    </dgm:txFillClrLst>
+    <dgm:txEffectClrLst/>
+  </dgm:styleLbl>
+  <dgm:styleLbl name="parChTrans2D2">
+    <dgm:fillClrLst meth="repeat">
+      <a:schemeClr val="accent3"/>
+    </dgm:fillClrLst>
+    <dgm:linClrLst meth="repeat">
+      <a:schemeClr val="lt1"/>
+    </dgm:linClrLst>
+    <dgm:effectClrLst/>
+    <dgm:txLinClrLst/>
+    <dgm:txFillClrLst/>
+    <dgm:txEffectClrLst/>
+  </dgm:styleLbl>
+  <dgm:styleLbl name="parChTrans2D3">
+    <dgm:fillClrLst meth="repeat">
+      <a:schemeClr val="accent4"/>
+    </dgm:fillClrLst>
+    <dgm:linClrLst meth="repeat">
+      <a:schemeClr val="lt1"/>
+    </dgm:linClrLst>
+    <dgm:effectClrLst/>
+    <dgm:txLinClrLst/>
+    <dgm:txFillClrLst/>
+    <dgm:txEffectClrLst/>
+  </dgm:styleLbl>
+  <dgm:styleLbl name="parChTrans2D4">
+    <dgm:fillClrLst meth="repeat">
+      <a:schemeClr val="accent5"/>
+    </dgm:fillClrLst>
+    <dgm:linClrLst meth="repeat">
+      <a:schemeClr val="lt1"/>
+    </dgm:linClrLst>
+    <dgm:effectClrLst/>
+    <dgm:txLinClrLst/>
+    <dgm:txFillClrLst meth="repeat">
+      <a:schemeClr val="lt1"/>
+    </dgm:txFillClrLst>
+    <dgm:txEffectClrLst/>
+  </dgm:styleLbl>
+  <dgm:styleLbl name="parChTrans1D1">
+    <dgm:fillClrLst meth="repeat">
+      <a:schemeClr val="accent2"/>
+    </dgm:fillClrLst>
+    <dgm:linClrLst meth="repeat">
+      <a:schemeClr val="accent1"/>
+    </dgm:linClrLst>
+    <dgm:effectClrLst/>
+    <dgm:txLinClrLst/>
+    <dgm:txFillClrLst meth="repeat">
+      <a:schemeClr val="tx1"/>
+    </dgm:txFillClrLst>
+    <dgm:txEffectClrLst/>
+  </dgm:styleLbl>
+  <dgm:styleLbl name="parChTrans1D2">
+    <dgm:fillClrLst meth="repeat">
+      <a:schemeClr val="accent3">
+        <a:tint val="90000"/>
+      </a:schemeClr>
+    </dgm:fillClrLst>
+    <dgm:linClrLst meth="repeat">
+      <a:schemeClr val="accent2"/>
+    </dgm:linClrLst>
+    <dgm:effectClrLst/>
+    <dgm:txLinClrLst/>
+    <dgm:txFillClrLst meth="repeat">
+      <a:schemeClr val="tx1"/>
+    </dgm:txFillClrLst>
+    <dgm:txEffectClrLst/>
+  </dgm:styleLbl>
+  <dgm:styleLbl name="parChTrans1D3">
+    <dgm:fillClrLst meth="repeat">
+      <a:schemeClr val="accent4">
+        <a:tint val="70000"/>
+      </a:schemeClr>
+    </dgm:fillClrLst>
+    <dgm:linClrLst meth="repeat">
+      <a:schemeClr val="accent3"/>
+    </dgm:linClrLst>
+    <dgm:effectClrLst/>
+    <dgm:txLinClrLst/>
+    <dgm:txFillClrLst meth="repeat">
+      <a:schemeClr val="tx1"/>
+    </dgm:txFillClrLst>
+    <dgm:txEffectClrLst/>
+  </dgm:styleLbl>
+  <dgm:styleLbl name="parChTrans1D4">
+    <dgm:fillClrLst meth="repeat">
+      <a:schemeClr val="accent5">
+        <a:tint val="50000"/>
+      </a:schemeClr>
+    </dgm:fillClrLst>
+    <dgm:linClrLst meth="repeat">
+      <a:schemeClr val="accent4"/>
+    </dgm:linClrLst>
+    <dgm:effectClrLst/>
+    <dgm:txLinClrLst/>
+    <dgm:txFillClrLst meth="repeat">
+      <a:schemeClr val="tx1"/>
+    </dgm:txFillClrLst>
+    <dgm:txEffectClrLst/>
+  </dgm:styleLbl>
+  <dgm:styleLbl name="fgAcc1">
+    <dgm:fillClrLst meth="repeat">
+      <a:schemeClr val="lt1">
+        <a:alpha val="90000"/>
+      </a:schemeClr>
+    </dgm:fillClrLst>
+    <dgm:linClrLst meth="repeat">
+      <a:schemeClr val="accent2"/>
+      <a:schemeClr val="accent3"/>
+      <a:schemeClr val="accent4"/>
+      <a:schemeClr val="accent5"/>
+      <a:schemeClr val="accent6"/>
+    </dgm:linClrLst>
+    <dgm:effectClrLst/>
+    <dgm:txLinClrLst/>
+    <dgm:txFillClrLst meth="repeat">
+      <a:schemeClr val="dk1"/>
+    </dgm:txFillClrLst>
+    <dgm:txEffectClrLst/>
+  </dgm:styleLbl>
+  <dgm:styleLbl name="conFgAcc1">
+    <dgm:fillClrLst meth="repeat">
+      <a:schemeClr val="lt1">
+        <a:alpha val="90000"/>
+      </a:schemeClr>
+    </dgm:fillClrLst>
+    <dgm:linClrLst meth="repeat">
+      <a:schemeClr val="accent2"/>
+      <a:schemeClr val="accent3"/>
+      <a:schemeClr val="accent4"/>
+      <a:schemeClr val="accent5"/>
+      <a:schemeClr val="accent6"/>
+    </dgm:linClrLst>
+    <dgm:effectClrLst/>
+    <dgm:txLinClrLst/>
+    <dgm:txFillClrLst meth="repeat">
+      <a:schemeClr val="dk1"/>
+    </dgm:txFillClrLst>
+    <dgm:txEffectClrLst/>
+  </dgm:styleLbl>
+  <dgm:styleLbl name="alignAcc1">
+    <dgm:fillClrLst meth="repeat">
+      <a:schemeClr val="lt1">
+        <a:alpha val="90000"/>
+      </a:schemeClr>
+    </dgm:fillClrLst>
+    <dgm:linClrLst meth="repeat">
+      <a:schemeClr val="accent2"/>
+      <a:schemeClr val="accent3"/>
+      <a:schemeClr val="accent4"/>
+      <a:schemeClr val="accent5"/>
+      <a:schemeClr val="accent6"/>
+    </dgm:linClrLst>
+    <dgm:effectClrLst/>
+    <dgm:txLinClrLst/>
+    <dgm:txFillClrLst meth="repeat">
+      <a:schemeClr val="dk1"/>
+    </dgm:txFillClrLst>
+    <dgm:txEffectClrLst/>
+  </dgm:styleLbl>
+  <dgm:styleLbl name="trAlignAcc1">
+    <dgm:fillClrLst meth="repeat">
+      <a:schemeClr val="lt1">
+        <a:alpha val="0"/>
+      </a:schemeClr>
+    </dgm:fillClrLst>
+    <dgm:linClrLst meth="repeat">
+      <a:schemeClr val="accent2"/>
+      <a:schemeClr val="accent3"/>
+      <a:schemeClr val="accent4"/>
+      <a:schemeClr val="accent5"/>
+      <a:schemeClr val="accent6"/>
+    </dgm:linClrLst>
+    <dgm:effectClrLst/>
+    <dgm:txLinClrLst/>
+    <dgm:txFillClrLst meth="repeat">
+      <a:schemeClr val="dk1"/>
+    </dgm:txFillClrLst>
+    <dgm:txEffectClrLst/>
+  </dgm:styleLbl>
+  <dgm:styleLbl name="bgAcc1">
+    <dgm:fillClrLst meth="repeat">
+      <a:schemeClr val="lt1">
+        <a:alpha val="90000"/>
+      </a:schemeClr>
+    </dgm:fillClrLst>
+    <dgm:linClrLst meth="repeat">
+      <a:schemeClr val="accent2"/>
+      <a:schemeClr val="accent3"/>
+      <a:schemeClr val="accent4"/>
+      <a:schemeClr val="accent5"/>
+      <a:schemeClr val="accent6"/>
+    </dgm:linClrLst>
+    <dgm:effectClrLst/>
+    <dgm:txLinClrLst/>
+    <dgm:txFillClrLst meth="repeat">
+      <a:schemeClr val="dk1"/>
+    </dgm:txFillClrLst>
+    <dgm:txEffectClrLst/>
+  </dgm:styleLbl>
+  <dgm:styleLbl name="solidFgAcc1">
+    <dgm:fillClrLst meth="repeat">
+      <a:schemeClr val="lt1"/>
+    </dgm:fillClrLst>
+    <dgm:linClrLst meth="repeat">
+      <a:schemeClr val="accent2"/>
+      <a:schemeClr val="accent3"/>
+      <a:schemeClr val="accent4"/>
+      <a:schemeClr val="accent5"/>
+      <a:schemeClr val="accent6"/>
+    </dgm:linClrLst>
+    <dgm:effectClrLst/>
+    <dgm:txLinClrLst/>
+    <dgm:txFillClrLst meth="repeat">
+      <a:schemeClr val="dk1"/>
+    </dgm:txFillClrLst>
+    <dgm:txEffectClrLst/>
+  </dgm:styleLbl>
+  <dgm:styleLbl name="solidAlignAcc1">
+    <dgm:fillClrLst meth="repeat">
+      <a:schemeClr val="lt1"/>
+    </dgm:fillClrLst>
+    <dgm:linClrLst meth="repeat">
+      <a:schemeClr val="accent2"/>
+      <a:schemeClr val="accent3"/>
+      <a:schemeClr val="accent4"/>
+      <a:schemeClr val="accent5"/>
+      <a:schemeClr val="accent6"/>
+    </dgm:linClrLst>
+    <dgm:effectClrLst/>
+    <dgm:txLinClrLst/>
+    <dgm:txFillClrLst meth="repeat">
+      <a:schemeClr val="dk1"/>
+    </dgm:txFillClrLst>
+    <dgm:txEffectClrLst/>
+  </dgm:styleLbl>
+  <dgm:styleLbl name="solidBgAcc1">
+    <dgm:fillClrLst meth="repeat">
+      <a:schemeClr val="lt1"/>
+    </dgm:fillClrLst>
+    <dgm:linClrLst meth="repeat">
+      <a:schemeClr val="accent2"/>
+      <a:schemeClr val="accent3"/>
+      <a:schemeClr val="accent4"/>
+      <a:schemeClr val="accent5"/>
+      <a:schemeClr val="accent6"/>
+    </dgm:linClrLst>
+    <dgm:effectClrLst/>
+    <dgm:txLinClrLst/>
+    <dgm:txFillClrLst meth="repeat">
+      <a:schemeClr val="dk1"/>
+    </dgm:txFillClrLst>
+    <dgm:txEffectClrLst/>
+  </dgm:styleLbl>
+  <dgm:styleLbl name="fgAccFollowNode1">
+    <dgm:fillClrLst meth="repeat">
+      <a:schemeClr val="accent2">
+        <a:tint val="40000"/>
+        <a:alpha val="90000"/>
+      </a:schemeClr>
+      <a:schemeClr val="accent3">
+        <a:tint val="40000"/>
+        <a:alpha val="90000"/>
+      </a:schemeClr>
+      <a:schemeClr val="accent4">
+        <a:tint val="40000"/>
+        <a:alpha val="90000"/>
+      </a:schemeClr>
+      <a:schemeClr val="accent5">
+        <a:tint val="40000"/>
+        <a:alpha val="90000"/>
+      </a:schemeClr>
+      <a:schemeClr val="accent6">
+        <a:tint val="40000"/>
+        <a:alpha val="90000"/>
+      </a:schemeClr>
+    </dgm:fillClrLst>
+    <dgm:linClrLst meth="repeat">
+      <a:schemeClr val="accent2">
+        <a:tint val="40000"/>
+        <a:alpha val="90000"/>
+      </a:schemeClr>
+      <a:schemeClr val="accent3">
+        <a:tint val="40000"/>
+        <a:alpha val="90000"/>
+      </a:schemeClr>
+      <a:schemeClr val="accent4">
+        <a:tint val="40000"/>
+        <a:alpha val="90000"/>
+      </a:schemeClr>
+      <a:schemeClr val="accent5">
+        <a:tint val="40000"/>
+        <a:alpha val="90000"/>
+      </a:schemeClr>
+      <a:schemeClr val="accent6">
+        <a:tint val="40000"/>
+        <a:alpha val="90000"/>
+      </a:schemeClr>
+    </dgm:linClrLst>
+    <dgm:effectClrLst/>
+    <dgm:txLinClrLst/>
+    <dgm:txFillClrLst meth="repeat">
+      <a:schemeClr val="dk1"/>
+    </dgm:txFillClrLst>
+    <dgm:txEffectClrLst/>
+  </dgm:styleLbl>
+  <dgm:styleLbl name="alignAccFollowNode1">
+    <dgm:fillClrLst meth="repeat">
+      <a:schemeClr val="accent2">
+        <a:tint val="40000"/>
+        <a:alpha val="90000"/>
+      </a:schemeClr>
+      <a:schemeClr val="accent3">
+        <a:tint val="40000"/>
+        <a:alpha val="90000"/>
+      </a:schemeClr>
+      <a:schemeClr val="accent4">
+        <a:tint val="40000"/>
+        <a:alpha val="90000"/>
+      </a:schemeClr>
+      <a:schemeClr val="accent5">
+        <a:tint val="40000"/>
+        <a:alpha val="90000"/>
+      </a:schemeClr>
+      <a:schemeClr val="accent6">
+        <a:tint val="40000"/>
+        <a:alpha val="90000"/>
+      </a:schemeClr>
+    </dgm:fillClrLst>
+    <dgm:linClrLst meth="repeat">
+      <a:schemeClr val="accent2">
+        <a:tint val="40000"/>
+        <a:alpha val="90000"/>
+      </a:schemeClr>
+      <a:schemeClr val="accent3">
+        <a:tint val="40000"/>
+        <a:alpha val="90000"/>
+      </a:schemeClr>
+      <a:schemeClr val="accent4">
+        <a:tint val="40000"/>
+        <a:alpha val="90000"/>
+      </a:schemeClr>
+      <a:schemeClr val="accent5">
+        <a:tint val="40000"/>
+        <a:alpha val="90000"/>
+      </a:schemeClr>
+      <a:schemeClr val="accent6">
+        <a:tint val="40000"/>
+        <a:alpha val="90000"/>
+      </a:schemeClr>
+    </dgm:linClrLst>
+    <dgm:effectClrLst/>
+    <dgm:txLinClrLst/>
+    <dgm:txFillClrLst meth="repeat">
+      <a:schemeClr val="dk1"/>
+    </dgm:txFillClrLst>
+    <dgm:txEffectClrLst/>
+  </dgm:styleLbl>
+  <dgm:styleLbl name="bgAccFollowNode1">
+    <dgm:fillClrLst meth="repeat">
+      <a:schemeClr val="accent2">
+        <a:tint val="40000"/>
+        <a:alpha val="90000"/>
+      </a:schemeClr>
+      <a:schemeClr val="accent3">
+        <a:tint val="40000"/>
+        <a:alpha val="90000"/>
+      </a:schemeClr>
+      <a:schemeClr val="accent4">
+        <a:tint val="40000"/>
+        <a:alpha val="90000"/>
+      </a:schemeClr>
+      <a:schemeClr val="accent5">
+        <a:tint val="40000"/>
+        <a:alpha val="90000"/>
+      </a:schemeClr>
+      <a:schemeClr val="accent6">
+        <a:tint val="40000"/>
+        <a:alpha val="90000"/>
+      </a:schemeClr>
+    </dgm:fillClrLst>
+    <dgm:linClrLst meth="repeat">
+      <a:schemeClr val="accent2">
+        <a:tint val="40000"/>
+        <a:alpha val="90000"/>
+      </a:schemeClr>
+      <a:schemeClr val="accent3">
+        <a:tint val="40000"/>
+        <a:alpha val="90000"/>
+      </a:schemeClr>
+      <a:schemeClr val="accent4">
+        <a:tint val="40000"/>
+        <a:alpha val="90000"/>
+      </a:schemeClr>
+      <a:schemeClr val="accent5">
+        <a:tint val="40000"/>
+        <a:alpha val="90000"/>
+      </a:schemeClr>
+      <a:schemeClr val="accent6">
+        <a:tint val="40000"/>
+        <a:alpha val="90000"/>
+      </a:schemeClr>
+    </dgm:linClrLst>
+    <dgm:effectClrLst/>
+    <dgm:txLinClrLst/>
+    <dgm:txFillClrLst meth="repeat">
+      <a:schemeClr val="dk1"/>
+    </dgm:txFillClrLst>
+    <dgm:txEffectClrLst/>
+  </dgm:styleLbl>
+  <dgm:styleLbl name="fgAcc0">
+    <dgm:fillClrLst meth="repeat">
+      <a:schemeClr val="lt1">
+        <a:alpha val="90000"/>
+      </a:schemeClr>
+    </dgm:fillClrLst>
+    <dgm:linClrLst>
+      <a:schemeClr val="accent1"/>
+    </dgm:linClrLst>
+    <dgm:effectClrLst/>
+    <dgm:txLinClrLst/>
+    <dgm:txFillClrLst meth="repeat">
+      <a:schemeClr val="dk1"/>
+    </dgm:txFillClrLst>
+    <dgm:txEffectClrLst/>
+  </dgm:styleLbl>
+  <dgm:styleLbl name="fgAcc2">
+    <dgm:fillClrLst meth="repeat">
+      <a:schemeClr val="lt1">
+        <a:alpha val="90000"/>
+      </a:schemeClr>
+    </dgm:fillClrLst>
+    <dgm:linClrLst>
+      <a:schemeClr val="accent2"/>
+    </dgm:linClrLst>
+    <dgm:effectClrLst/>
+    <dgm:txLinClrLst/>
+    <dgm:txFillClrLst meth="repeat">
+      <a:schemeClr val="dk1"/>
+    </dgm:txFillClrLst>
+    <dgm:txEffectClrLst/>
+  </dgm:styleLbl>
+  <dgm:styleLbl name="fgAcc3">
+    <dgm:fillClrLst meth="repeat">
+      <a:schemeClr val="lt1">
+        <a:alpha val="90000"/>
+      </a:schemeClr>
+    </dgm:fillClrLst>
+    <dgm:linClrLst>
+      <a:schemeClr val="accent3"/>
+    </dgm:linClrLst>
+    <dgm:effectClrLst/>
+    <dgm:txLinClrLst/>
+    <dgm:txFillClrLst meth="repeat">
+      <a:schemeClr val="dk1"/>
+    </dgm:txFillClrLst>
+    <dgm:txEffectClrLst/>
+  </dgm:styleLbl>
+  <dgm:styleLbl name="fgAcc4">
+    <dgm:fillClrLst meth="repeat">
+      <a:schemeClr val="lt1">
+        <a:alpha val="90000"/>
+      </a:schemeClr>
+    </dgm:fillClrLst>
+    <dgm:linClrLst>
+      <a:schemeClr val="accent4"/>
+    </dgm:linClrLst>
+    <dgm:effectClrLst/>
+    <dgm:txLinClrLst/>
+    <dgm:txFillClrLst meth="repeat">
+      <a:schemeClr val="dk1"/>
+    </dgm:txFillClrLst>
+    <dgm:txEffectClrLst/>
+  </dgm:styleLbl>
+  <dgm:styleLbl name="bgShp">
+    <dgm:fillClrLst meth="repeat">
+      <a:schemeClr val="accent2"/>
+      <a:schemeClr val="accent3"/>
+      <a:schemeClr val="accent4"/>
+      <a:schemeClr val="accent5"/>
+      <a:schemeClr val="accent6"/>
+    </dgm:fillClrLst>
+    <dgm:linClrLst meth="repeat">
+      <a:schemeClr val="lt1">
+        <a:alpha val="0"/>
+      </a:schemeClr>
+    </dgm:linClrLst>
+    <dgm:effectClrLst/>
+    <dgm:txLinClrLst/>
+    <dgm:txFillClrLst/>
+    <dgm:txEffectClrLst/>
+  </dgm:styleLbl>
+  <dgm:styleLbl name="dkBgShp">
+    <dgm:fillClrLst meth="repeat">
+      <a:schemeClr val="accent2">
+        <a:shade val="90000"/>
+      </a:schemeClr>
+    </dgm:fillClrLst>
+    <dgm:linClrLst meth="repeat">
+      <a:schemeClr val="dk1"/>
+    </dgm:linClrLst>
+    <dgm:effectClrLst/>
+    <dgm:txLinClrLst/>
+    <dgm:txFillClrLst meth="repeat">
+      <a:schemeClr val="lt1"/>
+    </dgm:txFillClrLst>
+    <dgm:txEffectClrLst/>
+  </dgm:styleLbl>
+  <dgm:styleLbl name="trBgShp">
+    <dgm:fillClrLst meth="repeat">
+      <a:schemeClr val="accent1">
+        <a:tint val="50000"/>
+        <a:alpha val="40000"/>
+      </a:schemeClr>
+    </dgm:fillClrLst>
+    <dgm:linClrLst meth="repeat">
+      <a:schemeClr val="accent2"/>
+    </dgm:linClrLst>
+    <dgm:effectClrLst/>
+    <dgm:txLinClrLst/>
+    <dgm:txFillClrLst meth="repeat">
+      <a:schemeClr val="lt1"/>
+    </dgm:txFillClrLst>
+    <dgm:txEffectClrLst/>
+  </dgm:styleLbl>
+  <dgm:styleLbl name="fgShp">
+    <dgm:fillClrLst meth="repeat">
+      <a:schemeClr val="accent2">
+        <a:tint val="40000"/>
+      </a:schemeClr>
+    </dgm:fillClrLst>
+    <dgm:linClrLst meth="repeat">
+      <a:schemeClr val="lt1"/>
+    </dgm:linClrLst>
+    <dgm:effectClrLst/>
+    <dgm:txLinClrLst/>
+    <dgm:txFillClrLst meth="repeat">
+      <a:schemeClr val="dk1"/>
+    </dgm:txFillClrLst>
+    <dgm:txEffectClrLst/>
+  </dgm:styleLbl>
+  <dgm:styleLbl name="revTx">
+    <dgm:fillClrLst meth="repeat">
+      <a:schemeClr val="accent2">
+        <a:alpha val="0"/>
+      </a:schemeClr>
+    </dgm:fillClrLst>
+    <dgm:linClrLst meth="repeat">
+      <a:schemeClr val="accent2">
+        <a:alpha val="0"/>
+      </a:schemeClr>
+    </dgm:linClrLst>
+    <dgm:effectClrLst/>
+    <dgm:txLinClrLst/>
+    <dgm:txFillClrLst meth="repeat">
+      <a:schemeClr val="accent2"/>
+      <a:schemeClr val="accent3"/>
+      <a:schemeClr val="accent4"/>
+      <a:schemeClr val="accent5"/>
+      <a:schemeClr val="accent6"/>
+    </dgm:txFillClrLst>
+    <dgm:txEffectClrLst/>
+  </dgm:styleLbl>
+</dgm:colorsDef>
+</file>
+
+<file path=ppt/diagrams/colors2.xml><?xml version="1.0" encoding="utf-8"?>
 <dgm:colorsDef xmlns:dgm="http://schemas.openxmlformats.org/drawingml/2006/diagram" xmlns:a="http://schemas.openxmlformats.org/drawingml/2006/main" uniqueId="urn:microsoft.com/office/officeart/2005/8/colors/accent1_2">
   <dgm:title val=""/>
   <dgm:desc val=""/>
@@ -875,6 +1805,287 @@
 </file>
 
 <file path=ppt/diagrams/data1.xml><?xml version="1.0" encoding="utf-8"?>
+<dgm:dataModel xmlns:dgm="http://schemas.openxmlformats.org/drawingml/2006/diagram" xmlns:a="http://schemas.openxmlformats.org/drawingml/2006/main">
+  <dgm:ptLst>
+    <dgm:pt modelId="{0929E7B8-F3D5-4871-B422-D44D42534CA2}" type="doc">
+      <dgm:prSet loTypeId="urn:microsoft.com/office/officeart/2018/2/layout/IconCircleList" loCatId="icon" qsTypeId="urn:microsoft.com/office/officeart/2005/8/quickstyle/simple1" qsCatId="simple" csTypeId="urn:microsoft.com/office/officeart/2018/5/colors/Iconchunking_coloredtext_colorful1" csCatId="colorful" phldr="1"/>
+      <dgm:spPr/>
+      <dgm:t>
+        <a:bodyPr/>
+        <a:lstStyle/>
+        <a:p>
+          <a:endParaRPr lang="en-US"/>
+        </a:p>
+      </dgm:t>
+    </dgm:pt>
+    <dgm:pt modelId="{074A3B9B-2B28-45F4-B487-A3F94E95B0AC}">
+      <dgm:prSet custT="1"/>
+      <dgm:spPr/>
+      <dgm:t>
+        <a:bodyPr/>
+        <a:lstStyle/>
+        <a:p>
+          <a:r>
+            <a:rPr lang="en-US" sz="1600" b="0" i="0" kern="1200" dirty="0">
+              <a:solidFill>
+                <a:srgbClr val="A5A5A5">
+                  <a:hueOff val="0"/>
+                  <a:satOff val="0"/>
+                  <a:lumOff val="0"/>
+                  <a:alphaOff val="0"/>
+                </a:srgbClr>
+              </a:solidFill>
+              <a:latin typeface="Calibri" panose="020F0502020204030204"/>
+              <a:ea typeface="+mn-ea"/>
+              <a:cs typeface="+mn-cs"/>
+            </a:rPr>
+            <a:t>The dataset is partially preprocessed (noise filters, fixed windows of 2.56 seconds (128 data points) with 50% overlap, splitting of accelerometer data into gravitational (total) and body motion components)</a:t>
+          </a:r>
+        </a:p>
+      </dgm:t>
+    </dgm:pt>
+    <dgm:pt modelId="{57AFFC91-B6B9-4555-A73D-D5F41FA511DA}" type="parTrans" cxnId="{C387C64E-0FD8-4362-9DE4-FBEF17087EA6}">
+      <dgm:prSet/>
+      <dgm:spPr/>
+      <dgm:t>
+        <a:bodyPr/>
+        <a:lstStyle/>
+        <a:p>
+          <a:endParaRPr lang="en-US"/>
+        </a:p>
+      </dgm:t>
+    </dgm:pt>
+    <dgm:pt modelId="{B350DCE3-784C-4208-A839-C4EB6BF50814}" type="sibTrans" cxnId="{C387C64E-0FD8-4362-9DE4-FBEF17087EA6}">
+      <dgm:prSet/>
+      <dgm:spPr/>
+      <dgm:t>
+        <a:bodyPr/>
+        <a:lstStyle/>
+        <a:p>
+          <a:endParaRPr lang="en-US"/>
+        </a:p>
+      </dgm:t>
+    </dgm:pt>
+    <dgm:pt modelId="{A9D51BC5-1D35-414F-A72A-A0FDD9BD904F}">
+      <dgm:prSet/>
+      <dgm:spPr/>
+      <dgm:t>
+        <a:bodyPr/>
+        <a:lstStyle/>
+        <a:p>
+          <a:r>
+            <a:rPr lang="en-US" b="0" i="0" dirty="0"/>
+            <a:t>Split into train (70%) and test (30%) </a:t>
+          </a:r>
+          <a:r>
+            <a:rPr lang="en-US" b="0" i="0" dirty="0">
+              <a:sym typeface="Wingdings" panose="05000000000000000000" pitchFamily="2" charset="2"/>
+            </a:rPr>
+            <a:t></a:t>
+          </a:r>
+          <a:r>
+            <a:rPr lang="en-US" b="0" i="0" dirty="0"/>
+            <a:t> 21 subjects for train and nine for test.</a:t>
+          </a:r>
+          <a:endParaRPr lang="en-US" dirty="0"/>
+        </a:p>
+      </dgm:t>
+    </dgm:pt>
+    <dgm:pt modelId="{A4040F28-5D20-4D25-A456-9C5120557F2D}" type="parTrans" cxnId="{B44E4B6B-CF26-472F-8EE2-FB93C84D37CE}">
+      <dgm:prSet/>
+      <dgm:spPr/>
+      <dgm:t>
+        <a:bodyPr/>
+        <a:lstStyle/>
+        <a:p>
+          <a:endParaRPr lang="en-US"/>
+        </a:p>
+      </dgm:t>
+    </dgm:pt>
+    <dgm:pt modelId="{2ADC7C53-826F-47E7-BBAA-62B07927493A}" type="sibTrans" cxnId="{B44E4B6B-CF26-472F-8EE2-FB93C84D37CE}">
+      <dgm:prSet/>
+      <dgm:spPr/>
+      <dgm:t>
+        <a:bodyPr/>
+        <a:lstStyle/>
+        <a:p>
+          <a:endParaRPr lang="en-US"/>
+        </a:p>
+      </dgm:t>
+    </dgm:pt>
+    <dgm:pt modelId="{D7F88A80-498E-4170-9CAF-9DBCD26A6CBF}" type="pres">
+      <dgm:prSet presAssocID="{0929E7B8-F3D5-4871-B422-D44D42534CA2}" presName="root" presStyleCnt="0">
+        <dgm:presLayoutVars>
+          <dgm:dir/>
+          <dgm:resizeHandles val="exact"/>
+        </dgm:presLayoutVars>
+      </dgm:prSet>
+      <dgm:spPr/>
+    </dgm:pt>
+    <dgm:pt modelId="{749BA81E-248A-42C7-BACB-4BD8DAB9CDAC}" type="pres">
+      <dgm:prSet presAssocID="{0929E7B8-F3D5-4871-B422-D44D42534CA2}" presName="container" presStyleCnt="0">
+        <dgm:presLayoutVars>
+          <dgm:dir/>
+          <dgm:resizeHandles val="exact"/>
+        </dgm:presLayoutVars>
+      </dgm:prSet>
+      <dgm:spPr/>
+    </dgm:pt>
+    <dgm:pt modelId="{C678EA4A-00E3-4F60-8FB9-7A4040A740DF}" type="pres">
+      <dgm:prSet presAssocID="{074A3B9B-2B28-45F4-B487-A3F94E95B0AC}" presName="compNode" presStyleCnt="0"/>
+      <dgm:spPr/>
+    </dgm:pt>
+    <dgm:pt modelId="{A8F31C2E-8B0E-43AF-8980-0585AF7C0BBA}" type="pres">
+      <dgm:prSet presAssocID="{074A3B9B-2B28-45F4-B487-A3F94E95B0AC}" presName="iconBgRect" presStyleLbl="bgShp" presStyleIdx="0" presStyleCnt="2"/>
+      <dgm:spPr>
+        <a:xfrm>
+          <a:off x="282221" y="1410409"/>
+          <a:ext cx="1371985" cy="1371985"/>
+        </a:xfrm>
+        <a:prstGeom prst="ellipse">
+          <a:avLst/>
+        </a:prstGeom>
+        <a:solidFill>
+          <a:srgbClr val="A5A5A5">
+            <a:hueOff val="0"/>
+            <a:satOff val="0"/>
+            <a:lumOff val="0"/>
+            <a:alphaOff val="0"/>
+          </a:srgbClr>
+        </a:solidFill>
+        <a:ln>
+          <a:noFill/>
+        </a:ln>
+        <a:effectLst/>
+      </dgm:spPr>
+    </dgm:pt>
+    <dgm:pt modelId="{802E20DD-BC7E-4C47-A1D6-21603B373B91}" type="pres">
+      <dgm:prSet presAssocID="{074A3B9B-2B28-45F4-B487-A3F94E95B0AC}" presName="iconRect" presStyleLbl="node1" presStyleIdx="0" presStyleCnt="2"/>
+      <dgm:spPr>
+        <a:blipFill>
+          <a:blip xmlns:r="http://schemas.openxmlformats.org/officeDocument/2006/relationships" r:embed="rId1">
+            <a:extLst>
+              <a:ext uri="{28A0092B-C50C-407E-A947-70E740481C1C}">
+                <a14:useLocalDpi xmlns:a14="http://schemas.microsoft.com/office/drawing/2010/main" val="0"/>
+              </a:ext>
+              <a:ext uri="{96DAC541-7B7A-43D3-8B79-37D633B846F1}">
+                <asvg:svgBlip xmlns:asvg="http://schemas.microsoft.com/office/drawing/2016/SVG/main" r:embed="rId2"/>
+              </a:ext>
+            </a:extLst>
+          </a:blip>
+          <a:stretch>
+            <a:fillRect/>
+          </a:stretch>
+        </a:blipFill>
+        <a:ln>
+          <a:noFill/>
+        </a:ln>
+      </dgm:spPr>
+      <dgm:extLst>
+        <a:ext uri="{E40237B7-FDA0-4F09-8148-C483321AD2D9}">
+          <dgm14:cNvPr xmlns:dgm14="http://schemas.microsoft.com/office/drawing/2010/diagram" id="0" name="" descr="Filter"/>
+        </a:ext>
+      </dgm:extLst>
+    </dgm:pt>
+    <dgm:pt modelId="{70DA78A1-DD87-4956-AA29-B003336D2368}" type="pres">
+      <dgm:prSet presAssocID="{074A3B9B-2B28-45F4-B487-A3F94E95B0AC}" presName="spaceRect" presStyleCnt="0"/>
+      <dgm:spPr/>
+    </dgm:pt>
+    <dgm:pt modelId="{55D9948E-B73F-4934-91EE-6FB0AB69135F}" type="pres">
+      <dgm:prSet presAssocID="{074A3B9B-2B28-45F4-B487-A3F94E95B0AC}" presName="textRect" presStyleLbl="revTx" presStyleIdx="0" presStyleCnt="2">
+        <dgm:presLayoutVars>
+          <dgm:chMax val="1"/>
+          <dgm:chPref val="1"/>
+        </dgm:presLayoutVars>
+      </dgm:prSet>
+      <dgm:spPr/>
+    </dgm:pt>
+    <dgm:pt modelId="{67E20A31-F95B-4E04-9934-2F4DD94DCA04}" type="pres">
+      <dgm:prSet presAssocID="{B350DCE3-784C-4208-A839-C4EB6BF50814}" presName="sibTrans" presStyleLbl="sibTrans2D1" presStyleIdx="0" presStyleCnt="0"/>
+      <dgm:spPr/>
+    </dgm:pt>
+    <dgm:pt modelId="{C351C1B4-52C1-408E-B02A-26504F44EF87}" type="pres">
+      <dgm:prSet presAssocID="{A9D51BC5-1D35-414F-A72A-A0FDD9BD904F}" presName="compNode" presStyleCnt="0"/>
+      <dgm:spPr/>
+    </dgm:pt>
+    <dgm:pt modelId="{264B9D38-D16F-447A-8CCD-45DBF71FB25D}" type="pres">
+      <dgm:prSet presAssocID="{A9D51BC5-1D35-414F-A72A-A0FDD9BD904F}" presName="iconBgRect" presStyleLbl="bgShp" presStyleIdx="1" presStyleCnt="2"/>
+      <dgm:spPr/>
+    </dgm:pt>
+    <dgm:pt modelId="{CF66061F-3BD5-40B7-BA55-3470C67C9F57}" type="pres">
+      <dgm:prSet presAssocID="{A9D51BC5-1D35-414F-A72A-A0FDD9BD904F}" presName="iconRect" presStyleLbl="node1" presStyleIdx="1" presStyleCnt="2"/>
+      <dgm:spPr>
+        <a:blipFill>
+          <a:blip xmlns:r="http://schemas.openxmlformats.org/officeDocument/2006/relationships" r:embed="rId3">
+            <a:extLst>
+              <a:ext uri="{28A0092B-C50C-407E-A947-70E740481C1C}">
+                <a14:useLocalDpi xmlns:a14="http://schemas.microsoft.com/office/drawing/2010/main" val="0"/>
+              </a:ext>
+              <a:ext uri="{96DAC541-7B7A-43D3-8B79-37D633B846F1}">
+                <asvg:svgBlip xmlns:asvg="http://schemas.microsoft.com/office/drawing/2016/SVG/main" r:embed="rId4"/>
+              </a:ext>
+            </a:extLst>
+          </a:blip>
+          <a:srcRect/>
+          <a:stretch>
+            <a:fillRect/>
+          </a:stretch>
+        </a:blipFill>
+        <a:ln>
+          <a:noFill/>
+        </a:ln>
+      </dgm:spPr>
+      <dgm:extLst>
+        <a:ext uri="{E40237B7-FDA0-4F09-8148-C483321AD2D9}">
+          <dgm14:cNvPr xmlns:dgm14="http://schemas.microsoft.com/office/drawing/2010/diagram" id="0" name="" descr="Netzwerk Silhouette"/>
+        </a:ext>
+      </dgm:extLst>
+    </dgm:pt>
+    <dgm:pt modelId="{4B991989-910B-43F9-885E-8E69C4165D40}" type="pres">
+      <dgm:prSet presAssocID="{A9D51BC5-1D35-414F-A72A-A0FDD9BD904F}" presName="spaceRect" presStyleCnt="0"/>
+      <dgm:spPr/>
+    </dgm:pt>
+    <dgm:pt modelId="{96F83A32-C0D8-4E51-A505-5BF230F23A01}" type="pres">
+      <dgm:prSet presAssocID="{A9D51BC5-1D35-414F-A72A-A0FDD9BD904F}" presName="textRect" presStyleLbl="revTx" presStyleIdx="1" presStyleCnt="2">
+        <dgm:presLayoutVars>
+          <dgm:chMax val="1"/>
+          <dgm:chPref val="1"/>
+        </dgm:presLayoutVars>
+      </dgm:prSet>
+      <dgm:spPr/>
+    </dgm:pt>
+  </dgm:ptLst>
+  <dgm:cxnLst>
+    <dgm:cxn modelId="{0FA03935-BC20-496D-BDB2-30E8213FB24E}" type="presOf" srcId="{0929E7B8-F3D5-4871-B422-D44D42534CA2}" destId="{D7F88A80-498E-4170-9CAF-9DBCD26A6CBF}" srcOrd="0" destOrd="0" presId="urn:microsoft.com/office/officeart/2018/2/layout/IconCircleList"/>
+    <dgm:cxn modelId="{C24A7E40-A3E1-4E5C-B5C0-1FA586E6B9E0}" type="presOf" srcId="{A9D51BC5-1D35-414F-A72A-A0FDD9BD904F}" destId="{96F83A32-C0D8-4E51-A505-5BF230F23A01}" srcOrd="0" destOrd="0" presId="urn:microsoft.com/office/officeart/2018/2/layout/IconCircleList"/>
+    <dgm:cxn modelId="{B44E4B6B-CF26-472F-8EE2-FB93C84D37CE}" srcId="{0929E7B8-F3D5-4871-B422-D44D42534CA2}" destId="{A9D51BC5-1D35-414F-A72A-A0FDD9BD904F}" srcOrd="1" destOrd="0" parTransId="{A4040F28-5D20-4D25-A456-9C5120557F2D}" sibTransId="{2ADC7C53-826F-47E7-BBAA-62B07927493A}"/>
+    <dgm:cxn modelId="{C387C64E-0FD8-4362-9DE4-FBEF17087EA6}" srcId="{0929E7B8-F3D5-4871-B422-D44D42534CA2}" destId="{074A3B9B-2B28-45F4-B487-A3F94E95B0AC}" srcOrd="0" destOrd="0" parTransId="{57AFFC91-B6B9-4555-A73D-D5F41FA511DA}" sibTransId="{B350DCE3-784C-4208-A839-C4EB6BF50814}"/>
+    <dgm:cxn modelId="{CD73CCA0-8B3F-4DD2-8952-CFEFBD1C3F3F}" type="presOf" srcId="{B350DCE3-784C-4208-A839-C4EB6BF50814}" destId="{67E20A31-F95B-4E04-9934-2F4DD94DCA04}" srcOrd="0" destOrd="0" presId="urn:microsoft.com/office/officeart/2018/2/layout/IconCircleList"/>
+    <dgm:cxn modelId="{2D3C79CF-BBDC-47AC-A3A8-4B48F7DD50DA}" type="presOf" srcId="{074A3B9B-2B28-45F4-B487-A3F94E95B0AC}" destId="{55D9948E-B73F-4934-91EE-6FB0AB69135F}" srcOrd="0" destOrd="0" presId="urn:microsoft.com/office/officeart/2018/2/layout/IconCircleList"/>
+    <dgm:cxn modelId="{21FB25CC-EE30-47D2-8403-CE79387200EB}" type="presParOf" srcId="{D7F88A80-498E-4170-9CAF-9DBCD26A6CBF}" destId="{749BA81E-248A-42C7-BACB-4BD8DAB9CDAC}" srcOrd="0" destOrd="0" presId="urn:microsoft.com/office/officeart/2018/2/layout/IconCircleList"/>
+    <dgm:cxn modelId="{62567566-17D7-451A-BC2C-C7D7E393A008}" type="presParOf" srcId="{749BA81E-248A-42C7-BACB-4BD8DAB9CDAC}" destId="{C678EA4A-00E3-4F60-8FB9-7A4040A740DF}" srcOrd="0" destOrd="0" presId="urn:microsoft.com/office/officeart/2018/2/layout/IconCircleList"/>
+    <dgm:cxn modelId="{D6A43BAE-F4CF-4BB4-A78B-F033F8DDA0EE}" type="presParOf" srcId="{C678EA4A-00E3-4F60-8FB9-7A4040A740DF}" destId="{A8F31C2E-8B0E-43AF-8980-0585AF7C0BBA}" srcOrd="0" destOrd="0" presId="urn:microsoft.com/office/officeart/2018/2/layout/IconCircleList"/>
+    <dgm:cxn modelId="{B94E9106-1612-42BC-83A8-E4D095BE7E26}" type="presParOf" srcId="{C678EA4A-00E3-4F60-8FB9-7A4040A740DF}" destId="{802E20DD-BC7E-4C47-A1D6-21603B373B91}" srcOrd="1" destOrd="0" presId="urn:microsoft.com/office/officeart/2018/2/layout/IconCircleList"/>
+    <dgm:cxn modelId="{2773B2D8-94A3-4674-BA16-9DDAE1A342AA}" type="presParOf" srcId="{C678EA4A-00E3-4F60-8FB9-7A4040A740DF}" destId="{70DA78A1-DD87-4956-AA29-B003336D2368}" srcOrd="2" destOrd="0" presId="urn:microsoft.com/office/officeart/2018/2/layout/IconCircleList"/>
+    <dgm:cxn modelId="{654BB6FF-522B-438F-AE0A-177B7BE899ED}" type="presParOf" srcId="{C678EA4A-00E3-4F60-8FB9-7A4040A740DF}" destId="{55D9948E-B73F-4934-91EE-6FB0AB69135F}" srcOrd="3" destOrd="0" presId="urn:microsoft.com/office/officeart/2018/2/layout/IconCircleList"/>
+    <dgm:cxn modelId="{A9888304-1EF4-4998-8DEC-68A21619EC6C}" type="presParOf" srcId="{749BA81E-248A-42C7-BACB-4BD8DAB9CDAC}" destId="{67E20A31-F95B-4E04-9934-2F4DD94DCA04}" srcOrd="1" destOrd="0" presId="urn:microsoft.com/office/officeart/2018/2/layout/IconCircleList"/>
+    <dgm:cxn modelId="{BB5D843F-7BAA-4161-8DA4-BEC84FD397B4}" type="presParOf" srcId="{749BA81E-248A-42C7-BACB-4BD8DAB9CDAC}" destId="{C351C1B4-52C1-408E-B02A-26504F44EF87}" srcOrd="2" destOrd="0" presId="urn:microsoft.com/office/officeart/2018/2/layout/IconCircleList"/>
+    <dgm:cxn modelId="{C7794A7D-618C-4E08-89DA-D00ACCDFBED2}" type="presParOf" srcId="{C351C1B4-52C1-408E-B02A-26504F44EF87}" destId="{264B9D38-D16F-447A-8CCD-45DBF71FB25D}" srcOrd="0" destOrd="0" presId="urn:microsoft.com/office/officeart/2018/2/layout/IconCircleList"/>
+    <dgm:cxn modelId="{6A86FD07-03E1-496D-9120-A0228835BC91}" type="presParOf" srcId="{C351C1B4-52C1-408E-B02A-26504F44EF87}" destId="{CF66061F-3BD5-40B7-BA55-3470C67C9F57}" srcOrd="1" destOrd="0" presId="urn:microsoft.com/office/officeart/2018/2/layout/IconCircleList"/>
+    <dgm:cxn modelId="{2EC9E151-BD3C-4988-984A-586CDA8BAAFB}" type="presParOf" srcId="{C351C1B4-52C1-408E-B02A-26504F44EF87}" destId="{4B991989-910B-43F9-885E-8E69C4165D40}" srcOrd="2" destOrd="0" presId="urn:microsoft.com/office/officeart/2018/2/layout/IconCircleList"/>
+    <dgm:cxn modelId="{DEA8E2C8-BE63-4E5A-8BF9-D703CF65E7FA}" type="presParOf" srcId="{C351C1B4-52C1-408E-B02A-26504F44EF87}" destId="{96F83A32-C0D8-4E51-A505-5BF230F23A01}" srcOrd="3" destOrd="0" presId="urn:microsoft.com/office/officeart/2018/2/layout/IconCircleList"/>
+  </dgm:cxnLst>
+  <dgm:bg/>
+  <dgm:whole/>
+  <dgm:extLst>
+    <a:ext uri="http://schemas.microsoft.com/office/drawing/2008/diagram">
+      <dsp:dataModelExt xmlns:dsp="http://schemas.microsoft.com/office/drawing/2008/diagram" relId="rId6" minVer="http://schemas.openxmlformats.org/drawingml/2006/diagram"/>
+    </a:ext>
+  </dgm:extLst>
+</dgm:dataModel>
+</file>
+
+<file path=ppt/diagrams/data2.xml><?xml version="1.0" encoding="utf-8"?>
 <dgm:dataModel xmlns:dgm="http://schemas.openxmlformats.org/drawingml/2006/diagram" xmlns:a="http://schemas.openxmlformats.org/drawingml/2006/main">
   <dgm:ptLst>
     <dgm:pt modelId="{52D92493-5A66-4227-B6EC-C76931D890FD}" type="doc">
@@ -895,18 +2106,6 @@
           <a:r>
             <a:rPr lang="de-DE" dirty="0" err="1"/>
             <a:t>Loading</a:t>
-          </a:r>
-          <a:r>
-            <a:rPr lang="de-DE" dirty="0"/>
-            <a:t> and </a:t>
-          </a:r>
-          <a:r>
-            <a:rPr lang="de-DE" dirty="0" err="1"/>
-            <a:t>further</a:t>
-          </a:r>
-          <a:r>
-            <a:rPr lang="de-DE" dirty="0"/>
-            <a:t> Processing</a:t>
           </a:r>
           <a:endParaRPr lang="en-DE" dirty="0"/>
         </a:p>
@@ -1012,6 +2211,43 @@
         </a:p>
       </dgm:t>
     </dgm:pt>
+    <dgm:pt modelId="{4A432EB8-DCCD-4094-A7FA-FB1D5499A486}">
+      <dgm:prSet phldrT="[Text]"/>
+      <dgm:spPr/>
+      <dgm:t>
+        <a:bodyPr/>
+        <a:lstStyle/>
+        <a:p>
+          <a:r>
+            <a:rPr lang="de-DE" dirty="0"/>
+            <a:t>Further Processing</a:t>
+          </a:r>
+          <a:endParaRPr lang="en-DE" dirty="0"/>
+        </a:p>
+      </dgm:t>
+    </dgm:pt>
+    <dgm:pt modelId="{05F0F414-3823-4AEE-A6AF-7E716E708861}" type="parTrans" cxnId="{37287861-990B-4E4F-AE82-CFDA1D8A3416}">
+      <dgm:prSet/>
+      <dgm:spPr/>
+      <dgm:t>
+        <a:bodyPr/>
+        <a:lstStyle/>
+        <a:p>
+          <a:endParaRPr lang="de-DE"/>
+        </a:p>
+      </dgm:t>
+    </dgm:pt>
+    <dgm:pt modelId="{8FC96389-43B4-473D-82FE-15CC5F3BB067}" type="sibTrans" cxnId="{37287861-990B-4E4F-AE82-CFDA1D8A3416}">
+      <dgm:prSet/>
+      <dgm:spPr/>
+      <dgm:t>
+        <a:bodyPr/>
+        <a:lstStyle/>
+        <a:p>
+          <a:endParaRPr lang="de-DE"/>
+        </a:p>
+      </dgm:t>
+    </dgm:pt>
     <dgm:pt modelId="{BA98CE0A-E0FC-4F0E-94C6-C0E7A63A76B2}" type="pres">
       <dgm:prSet presAssocID="{52D92493-5A66-4227-B6EC-C76931D890FD}" presName="Name0" presStyleCnt="0">
         <dgm:presLayoutVars>
@@ -1022,7 +2258,7 @@
       <dgm:spPr/>
     </dgm:pt>
     <dgm:pt modelId="{B8C07A98-8AA7-4EDA-94CB-5DBA86BC3982}" type="pres">
-      <dgm:prSet presAssocID="{C43C3E06-DD5A-40E2-97C7-51F64A4431E1}" presName="node" presStyleLbl="node1" presStyleIdx="0" presStyleCnt="3">
+      <dgm:prSet presAssocID="{C43C3E06-DD5A-40E2-97C7-51F64A4431E1}" presName="node" presStyleLbl="node1" presStyleIdx="0" presStyleCnt="4">
         <dgm:presLayoutVars>
           <dgm:bulletEnabled val="1"/>
         </dgm:presLayoutVars>
@@ -1030,15 +2266,31 @@
       <dgm:spPr/>
     </dgm:pt>
     <dgm:pt modelId="{881EF8A6-37A1-4A95-97D8-EC58536FFB09}" type="pres">
-      <dgm:prSet presAssocID="{F929B12D-B7C8-4123-A7A6-4FA1F3B778B2}" presName="sibTrans" presStyleLbl="sibTrans2D1" presStyleIdx="0" presStyleCnt="2"/>
+      <dgm:prSet presAssocID="{F929B12D-B7C8-4123-A7A6-4FA1F3B778B2}" presName="sibTrans" presStyleLbl="sibTrans2D1" presStyleIdx="0" presStyleCnt="3"/>
       <dgm:spPr/>
     </dgm:pt>
     <dgm:pt modelId="{40C1FDB6-C8A1-42CB-9CE5-94D270BE3575}" type="pres">
-      <dgm:prSet presAssocID="{F929B12D-B7C8-4123-A7A6-4FA1F3B778B2}" presName="connectorText" presStyleLbl="sibTrans2D1" presStyleIdx="0" presStyleCnt="2"/>
+      <dgm:prSet presAssocID="{F929B12D-B7C8-4123-A7A6-4FA1F3B778B2}" presName="connectorText" presStyleLbl="sibTrans2D1" presStyleIdx="0" presStyleCnt="3"/>
+      <dgm:spPr/>
+    </dgm:pt>
+    <dgm:pt modelId="{5CD4EDD7-BFC5-464E-9DDB-C2116C78300F}" type="pres">
+      <dgm:prSet presAssocID="{4A432EB8-DCCD-4094-A7FA-FB1D5499A486}" presName="node" presStyleLbl="node1" presStyleIdx="1" presStyleCnt="4">
+        <dgm:presLayoutVars>
+          <dgm:bulletEnabled val="1"/>
+        </dgm:presLayoutVars>
+      </dgm:prSet>
+      <dgm:spPr/>
+    </dgm:pt>
+    <dgm:pt modelId="{3BF82D0F-3F2D-4985-8C5E-9151EA7983B3}" type="pres">
+      <dgm:prSet presAssocID="{8FC96389-43B4-473D-82FE-15CC5F3BB067}" presName="sibTrans" presStyleLbl="sibTrans2D1" presStyleIdx="1" presStyleCnt="3"/>
+      <dgm:spPr/>
+    </dgm:pt>
+    <dgm:pt modelId="{35F5A997-8090-4159-9763-6D40BAE44856}" type="pres">
+      <dgm:prSet presAssocID="{8FC96389-43B4-473D-82FE-15CC5F3BB067}" presName="connectorText" presStyleLbl="sibTrans2D1" presStyleIdx="1" presStyleCnt="3"/>
       <dgm:spPr/>
     </dgm:pt>
     <dgm:pt modelId="{E3D3031B-BA2F-4403-A01C-2F7584D32950}" type="pres">
-      <dgm:prSet presAssocID="{EC31D9B2-8E0A-410C-AFDB-E9F01A1DA2DE}" presName="node" presStyleLbl="node1" presStyleIdx="1" presStyleCnt="3">
+      <dgm:prSet presAssocID="{EC31D9B2-8E0A-410C-AFDB-E9F01A1DA2DE}" presName="node" presStyleLbl="node1" presStyleIdx="2" presStyleCnt="4">
         <dgm:presLayoutVars>
           <dgm:bulletEnabled val="1"/>
         </dgm:presLayoutVars>
@@ -1046,15 +2298,15 @@
       <dgm:spPr/>
     </dgm:pt>
     <dgm:pt modelId="{5D6EBE89-F19D-4086-9F78-26AE80CFE80C}" type="pres">
-      <dgm:prSet presAssocID="{E59373FE-770F-4983-9D98-53E2FD307585}" presName="sibTrans" presStyleLbl="sibTrans2D1" presStyleIdx="1" presStyleCnt="2"/>
+      <dgm:prSet presAssocID="{E59373FE-770F-4983-9D98-53E2FD307585}" presName="sibTrans" presStyleLbl="sibTrans2D1" presStyleIdx="2" presStyleCnt="3"/>
       <dgm:spPr/>
     </dgm:pt>
     <dgm:pt modelId="{F787F62C-B245-4B9E-BC9B-74F25987B35E}" type="pres">
-      <dgm:prSet presAssocID="{E59373FE-770F-4983-9D98-53E2FD307585}" presName="connectorText" presStyleLbl="sibTrans2D1" presStyleIdx="1" presStyleCnt="2"/>
+      <dgm:prSet presAssocID="{E59373FE-770F-4983-9D98-53E2FD307585}" presName="connectorText" presStyleLbl="sibTrans2D1" presStyleIdx="2" presStyleCnt="3"/>
       <dgm:spPr/>
     </dgm:pt>
     <dgm:pt modelId="{70D5B9AA-1EE5-4D74-AA06-48BAEEFB03DC}" type="pres">
-      <dgm:prSet presAssocID="{C60B017A-F24C-4A36-BCE8-F36D98010CBA}" presName="node" presStyleLbl="node1" presStyleIdx="2" presStyleCnt="3">
+      <dgm:prSet presAssocID="{C60B017A-F24C-4A36-BCE8-F36D98010CBA}" presName="node" presStyleLbl="node1" presStyleIdx="3" presStyleCnt="4">
         <dgm:presLayoutVars>
           <dgm:bulletEnabled val="1"/>
         </dgm:presLayoutVars>
@@ -1063,13 +2315,17 @@
     </dgm:pt>
   </dgm:ptLst>
   <dgm:cxnLst>
+    <dgm:cxn modelId="{477F1C11-2E53-4660-B76D-B5EDDD1B057F}" type="presOf" srcId="{8FC96389-43B4-473D-82FE-15CC5F3BB067}" destId="{35F5A997-8090-4159-9763-6D40BAE44856}" srcOrd="1" destOrd="0" presId="urn:microsoft.com/office/officeart/2005/8/layout/process1"/>
+    <dgm:cxn modelId="{0463E239-3D25-4D26-9D34-E509914010C9}" type="presOf" srcId="{8FC96389-43B4-473D-82FE-15CC5F3BB067}" destId="{3BF82D0F-3F2D-4985-8C5E-9151EA7983B3}" srcOrd="0" destOrd="0" presId="urn:microsoft.com/office/officeart/2005/8/layout/process1"/>
     <dgm:cxn modelId="{7CE67E3A-4AA9-4E24-A700-C910C1BD69B9}" type="presOf" srcId="{C43C3E06-DD5A-40E2-97C7-51F64A4431E1}" destId="{B8C07A98-8AA7-4EDA-94CB-5DBA86BC3982}" srcOrd="0" destOrd="0" presId="urn:microsoft.com/office/officeart/2005/8/layout/process1"/>
+    <dgm:cxn modelId="{2931073F-3C76-4A6E-BCED-74B720D82626}" type="presOf" srcId="{4A432EB8-DCCD-4094-A7FA-FB1D5499A486}" destId="{5CD4EDD7-BFC5-464E-9DDB-C2116C78300F}" srcOrd="0" destOrd="0" presId="urn:microsoft.com/office/officeart/2005/8/layout/process1"/>
+    <dgm:cxn modelId="{37287861-990B-4E4F-AE82-CFDA1D8A3416}" srcId="{52D92493-5A66-4227-B6EC-C76931D890FD}" destId="{4A432EB8-DCCD-4094-A7FA-FB1D5499A486}" srcOrd="1" destOrd="0" parTransId="{05F0F414-3823-4AEE-A6AF-7E716E708861}" sibTransId="{8FC96389-43B4-473D-82FE-15CC5F3BB067}"/>
     <dgm:cxn modelId="{8D64B041-543C-45D4-ABE3-709295A1F9E4}" type="presOf" srcId="{52D92493-5A66-4227-B6EC-C76931D890FD}" destId="{BA98CE0A-E0FC-4F0E-94C6-C0E7A63A76B2}" srcOrd="0" destOrd="0" presId="urn:microsoft.com/office/officeart/2005/8/layout/process1"/>
     <dgm:cxn modelId="{C448D34F-D1F3-4998-A3AF-A2477962F5F8}" type="presOf" srcId="{C60B017A-F24C-4A36-BCE8-F36D98010CBA}" destId="{70D5B9AA-1EE5-4D74-AA06-48BAEEFB03DC}" srcOrd="0" destOrd="0" presId="urn:microsoft.com/office/officeart/2005/8/layout/process1"/>
     <dgm:cxn modelId="{4A93B376-A34B-43F1-A2B4-4AC152DC97D7}" type="presOf" srcId="{EC31D9B2-8E0A-410C-AFDB-E9F01A1DA2DE}" destId="{E3D3031B-BA2F-4403-A01C-2F7584D32950}" srcOrd="0" destOrd="0" presId="urn:microsoft.com/office/officeart/2005/8/layout/process1"/>
     <dgm:cxn modelId="{72D9C591-2496-435D-84E2-ECB088E30B20}" type="presOf" srcId="{E59373FE-770F-4983-9D98-53E2FD307585}" destId="{5D6EBE89-F19D-4086-9F78-26AE80CFE80C}" srcOrd="0" destOrd="0" presId="urn:microsoft.com/office/officeart/2005/8/layout/process1"/>
-    <dgm:cxn modelId="{445AA8B7-62DA-4BCF-9530-7DE4881B6616}" srcId="{52D92493-5A66-4227-B6EC-C76931D890FD}" destId="{EC31D9B2-8E0A-410C-AFDB-E9F01A1DA2DE}" srcOrd="1" destOrd="0" parTransId="{A632A5A8-140A-4669-B14D-662BD025AC45}" sibTransId="{E59373FE-770F-4983-9D98-53E2FD307585}"/>
-    <dgm:cxn modelId="{B4C35FC0-2408-4CCB-8E19-7A2223D0D022}" srcId="{52D92493-5A66-4227-B6EC-C76931D890FD}" destId="{C60B017A-F24C-4A36-BCE8-F36D98010CBA}" srcOrd="2" destOrd="0" parTransId="{A2EB5D60-1AF1-44B2-8038-4E14218B8D77}" sibTransId="{589600B0-38FC-4272-8571-DAFC87F366C7}"/>
+    <dgm:cxn modelId="{445AA8B7-62DA-4BCF-9530-7DE4881B6616}" srcId="{52D92493-5A66-4227-B6EC-C76931D890FD}" destId="{EC31D9B2-8E0A-410C-AFDB-E9F01A1DA2DE}" srcOrd="2" destOrd="0" parTransId="{A632A5A8-140A-4669-B14D-662BD025AC45}" sibTransId="{E59373FE-770F-4983-9D98-53E2FD307585}"/>
+    <dgm:cxn modelId="{B4C35FC0-2408-4CCB-8E19-7A2223D0D022}" srcId="{52D92493-5A66-4227-B6EC-C76931D890FD}" destId="{C60B017A-F24C-4A36-BCE8-F36D98010CBA}" srcOrd="3" destOrd="0" parTransId="{A2EB5D60-1AF1-44B2-8038-4E14218B8D77}" sibTransId="{589600B0-38FC-4272-8571-DAFC87F366C7}"/>
     <dgm:cxn modelId="{3F0E7BC5-BFB4-4EA9-9CB8-65D40E2A112D}" type="presOf" srcId="{F929B12D-B7C8-4123-A7A6-4FA1F3B778B2}" destId="{881EF8A6-37A1-4A95-97D8-EC58536FFB09}" srcOrd="0" destOrd="0" presId="urn:microsoft.com/office/officeart/2005/8/layout/process1"/>
     <dgm:cxn modelId="{E255A5EB-3557-4682-8A71-6F08235DE8D2}" srcId="{52D92493-5A66-4227-B6EC-C76931D890FD}" destId="{C43C3E06-DD5A-40E2-97C7-51F64A4431E1}" srcOrd="0" destOrd="0" parTransId="{D1ABB28B-4D53-4C24-8FF6-E044B6176678}" sibTransId="{F929B12D-B7C8-4123-A7A6-4FA1F3B778B2}"/>
     <dgm:cxn modelId="{A4F115F2-1858-4122-8ED8-3289C320008C}" type="presOf" srcId="{F929B12D-B7C8-4123-A7A6-4FA1F3B778B2}" destId="{40C1FDB6-C8A1-42CB-9CE5-94D270BE3575}" srcOrd="1" destOrd="0" presId="urn:microsoft.com/office/officeart/2005/8/layout/process1"/>
@@ -1077,10 +2333,13 @@
     <dgm:cxn modelId="{AD0A193F-5DFD-4B2B-A210-03720625D23D}" type="presParOf" srcId="{BA98CE0A-E0FC-4F0E-94C6-C0E7A63A76B2}" destId="{B8C07A98-8AA7-4EDA-94CB-5DBA86BC3982}" srcOrd="0" destOrd="0" presId="urn:microsoft.com/office/officeart/2005/8/layout/process1"/>
     <dgm:cxn modelId="{C98FA53A-7FF3-4D8E-8351-5A58DD99B652}" type="presParOf" srcId="{BA98CE0A-E0FC-4F0E-94C6-C0E7A63A76B2}" destId="{881EF8A6-37A1-4A95-97D8-EC58536FFB09}" srcOrd="1" destOrd="0" presId="urn:microsoft.com/office/officeart/2005/8/layout/process1"/>
     <dgm:cxn modelId="{E6E3BD05-0CB5-4601-80AA-E40997712479}" type="presParOf" srcId="{881EF8A6-37A1-4A95-97D8-EC58536FFB09}" destId="{40C1FDB6-C8A1-42CB-9CE5-94D270BE3575}" srcOrd="0" destOrd="0" presId="urn:microsoft.com/office/officeart/2005/8/layout/process1"/>
-    <dgm:cxn modelId="{A65A3342-28A3-4A23-A8A9-6AC8A65CA237}" type="presParOf" srcId="{BA98CE0A-E0FC-4F0E-94C6-C0E7A63A76B2}" destId="{E3D3031B-BA2F-4403-A01C-2F7584D32950}" srcOrd="2" destOrd="0" presId="urn:microsoft.com/office/officeart/2005/8/layout/process1"/>
-    <dgm:cxn modelId="{7F0B1AA8-B5D1-4622-B822-3807C7A340F3}" type="presParOf" srcId="{BA98CE0A-E0FC-4F0E-94C6-C0E7A63A76B2}" destId="{5D6EBE89-F19D-4086-9F78-26AE80CFE80C}" srcOrd="3" destOrd="0" presId="urn:microsoft.com/office/officeart/2005/8/layout/process1"/>
+    <dgm:cxn modelId="{CAC9A5C7-9BFE-45DE-96BF-A89E765C3FA2}" type="presParOf" srcId="{BA98CE0A-E0FC-4F0E-94C6-C0E7A63A76B2}" destId="{5CD4EDD7-BFC5-464E-9DDB-C2116C78300F}" srcOrd="2" destOrd="0" presId="urn:microsoft.com/office/officeart/2005/8/layout/process1"/>
+    <dgm:cxn modelId="{F191E904-CD8B-4380-AF13-8F6F52D19DDE}" type="presParOf" srcId="{BA98CE0A-E0FC-4F0E-94C6-C0E7A63A76B2}" destId="{3BF82D0F-3F2D-4985-8C5E-9151EA7983B3}" srcOrd="3" destOrd="0" presId="urn:microsoft.com/office/officeart/2005/8/layout/process1"/>
+    <dgm:cxn modelId="{E3B937E3-FC27-4B41-8F77-BEB0154C0EA0}" type="presParOf" srcId="{3BF82D0F-3F2D-4985-8C5E-9151EA7983B3}" destId="{35F5A997-8090-4159-9763-6D40BAE44856}" srcOrd="0" destOrd="0" presId="urn:microsoft.com/office/officeart/2005/8/layout/process1"/>
+    <dgm:cxn modelId="{A65A3342-28A3-4A23-A8A9-6AC8A65CA237}" type="presParOf" srcId="{BA98CE0A-E0FC-4F0E-94C6-C0E7A63A76B2}" destId="{E3D3031B-BA2F-4403-A01C-2F7584D32950}" srcOrd="4" destOrd="0" presId="urn:microsoft.com/office/officeart/2005/8/layout/process1"/>
+    <dgm:cxn modelId="{7F0B1AA8-B5D1-4622-B822-3807C7A340F3}" type="presParOf" srcId="{BA98CE0A-E0FC-4F0E-94C6-C0E7A63A76B2}" destId="{5D6EBE89-F19D-4086-9F78-26AE80CFE80C}" srcOrd="5" destOrd="0" presId="urn:microsoft.com/office/officeart/2005/8/layout/process1"/>
     <dgm:cxn modelId="{02C37448-6F6B-4E2C-A225-4064E616E97A}" type="presParOf" srcId="{5D6EBE89-F19D-4086-9F78-26AE80CFE80C}" destId="{F787F62C-B245-4B9E-BC9B-74F25987B35E}" srcOrd="0" destOrd="0" presId="urn:microsoft.com/office/officeart/2005/8/layout/process1"/>
-    <dgm:cxn modelId="{9AD227A9-B393-4F9D-90E2-A5F25E3ED2FC}" type="presParOf" srcId="{BA98CE0A-E0FC-4F0E-94C6-C0E7A63A76B2}" destId="{70D5B9AA-1EE5-4D74-AA06-48BAEEFB03DC}" srcOrd="4" destOrd="0" presId="urn:microsoft.com/office/officeart/2005/8/layout/process1"/>
+    <dgm:cxn modelId="{9AD227A9-B393-4F9D-90E2-A5F25E3ED2FC}" type="presParOf" srcId="{BA98CE0A-E0FC-4F0E-94C6-C0E7A63A76B2}" destId="{70D5B9AA-1EE5-4D74-AA06-48BAEEFB03DC}" srcOrd="6" destOrd="0" presId="urn:microsoft.com/office/officeart/2005/8/layout/process1"/>
   </dgm:cxnLst>
   <dgm:bg>
     <a:noFill/>
@@ -1102,6 +2361,340 @@
       <dsp:cNvGrpSpPr/>
     </dsp:nvGrpSpPr>
     <dsp:grpSpPr/>
+    <dsp:sp modelId="{A8F31C2E-8B0E-43AF-8980-0585AF7C0BBA}">
+      <dsp:nvSpPr>
+        <dsp:cNvPr id="0" name=""/>
+        <dsp:cNvSpPr/>
+      </dsp:nvSpPr>
+      <dsp:spPr>
+        <a:xfrm>
+          <a:off x="282221" y="1410409"/>
+          <a:ext cx="1371985" cy="1371985"/>
+        </a:xfrm>
+        <a:prstGeom prst="ellipse">
+          <a:avLst/>
+        </a:prstGeom>
+        <a:solidFill>
+          <a:srgbClr val="A5A5A5">
+            <a:hueOff val="0"/>
+            <a:satOff val="0"/>
+            <a:lumOff val="0"/>
+            <a:alphaOff val="0"/>
+          </a:srgbClr>
+        </a:solidFill>
+        <a:ln>
+          <a:noFill/>
+        </a:ln>
+        <a:effectLst/>
+      </dsp:spPr>
+      <dsp:style>
+        <a:lnRef idx="0">
+          <a:scrgbClr r="0" g="0" b="0"/>
+        </a:lnRef>
+        <a:fillRef idx="1">
+          <a:scrgbClr r="0" g="0" b="0"/>
+        </a:fillRef>
+        <a:effectRef idx="0">
+          <a:scrgbClr r="0" g="0" b="0"/>
+        </a:effectRef>
+        <a:fontRef idx="minor"/>
+      </dsp:style>
+    </dsp:sp>
+    <dsp:sp modelId="{802E20DD-BC7E-4C47-A1D6-21603B373B91}">
+      <dsp:nvSpPr>
+        <dsp:cNvPr id="0" name=""/>
+        <dsp:cNvSpPr/>
+      </dsp:nvSpPr>
+      <dsp:spPr>
+        <a:xfrm>
+          <a:off x="570337" y="1698526"/>
+          <a:ext cx="795751" cy="795751"/>
+        </a:xfrm>
+        <a:prstGeom prst="rect">
+          <a:avLst/>
+        </a:prstGeom>
+        <a:blipFill>
+          <a:blip xmlns:r="http://schemas.openxmlformats.org/officeDocument/2006/relationships" r:embed="rId1">
+            <a:extLst>
+              <a:ext uri="{28A0092B-C50C-407E-A947-70E740481C1C}">
+                <a14:useLocalDpi xmlns:a14="http://schemas.microsoft.com/office/drawing/2010/main" val="0"/>
+              </a:ext>
+              <a:ext uri="{96DAC541-7B7A-43D3-8B79-37D633B846F1}">
+                <asvg:svgBlip xmlns:asvg="http://schemas.microsoft.com/office/drawing/2016/SVG/main" r:embed="rId2"/>
+              </a:ext>
+            </a:extLst>
+          </a:blip>
+          <a:stretch>
+            <a:fillRect/>
+          </a:stretch>
+        </a:blipFill>
+        <a:ln w="12700" cap="flat" cmpd="sng" algn="ctr">
+          <a:noFill/>
+          <a:prstDash val="solid"/>
+          <a:miter lim="800000"/>
+        </a:ln>
+        <a:effectLst/>
+      </dsp:spPr>
+      <dsp:style>
+        <a:lnRef idx="2">
+          <a:scrgbClr r="0" g="0" b="0"/>
+        </a:lnRef>
+        <a:fillRef idx="1">
+          <a:scrgbClr r="0" g="0" b="0"/>
+        </a:fillRef>
+        <a:effectRef idx="0">
+          <a:scrgbClr r="0" g="0" b="0"/>
+        </a:effectRef>
+        <a:fontRef idx="minor">
+          <a:schemeClr val="lt1"/>
+        </a:fontRef>
+      </dsp:style>
+    </dsp:sp>
+    <dsp:sp modelId="{55D9948E-B73F-4934-91EE-6FB0AB69135F}">
+      <dsp:nvSpPr>
+        <dsp:cNvPr id="0" name=""/>
+        <dsp:cNvSpPr/>
+      </dsp:nvSpPr>
+      <dsp:spPr>
+        <a:xfrm>
+          <a:off x="1948202" y="1410409"/>
+          <a:ext cx="3233964" cy="1371985"/>
+        </a:xfrm>
+        <a:prstGeom prst="rect">
+          <a:avLst/>
+        </a:prstGeom>
+        <a:noFill/>
+        <a:ln>
+          <a:noFill/>
+        </a:ln>
+        <a:effectLst/>
+      </dsp:spPr>
+      <dsp:style>
+        <a:lnRef idx="0">
+          <a:scrgbClr r="0" g="0" b="0"/>
+        </a:lnRef>
+        <a:fillRef idx="0">
+          <a:scrgbClr r="0" g="0" b="0"/>
+        </a:fillRef>
+        <a:effectRef idx="0">
+          <a:scrgbClr r="0" g="0" b="0"/>
+        </a:effectRef>
+        <a:fontRef idx="minor"/>
+      </dsp:style>
+      <dsp:txBody>
+        <a:bodyPr spcFirstLastPara="0" vert="horz" wrap="square" lIns="0" tIns="0" rIns="0" bIns="0" numCol="1" spcCol="1270" anchor="ctr" anchorCtr="0">
+          <a:noAutofit/>
+        </a:bodyPr>
+        <a:lstStyle/>
+        <a:p>
+          <a:pPr marL="0" lvl="0" indent="0" algn="l" defTabSz="711200">
+            <a:lnSpc>
+              <a:spcPct val="90000"/>
+            </a:lnSpc>
+            <a:spcBef>
+              <a:spcPct val="0"/>
+            </a:spcBef>
+            <a:spcAft>
+              <a:spcPct val="35000"/>
+            </a:spcAft>
+            <a:buNone/>
+          </a:pPr>
+          <a:r>
+            <a:rPr lang="en-US" sz="1600" b="0" i="0" kern="1200" dirty="0">
+              <a:solidFill>
+                <a:srgbClr val="A5A5A5">
+                  <a:hueOff val="0"/>
+                  <a:satOff val="0"/>
+                  <a:lumOff val="0"/>
+                  <a:alphaOff val="0"/>
+                </a:srgbClr>
+              </a:solidFill>
+              <a:latin typeface="Calibri" panose="020F0502020204030204"/>
+              <a:ea typeface="+mn-ea"/>
+              <a:cs typeface="+mn-cs"/>
+            </a:rPr>
+            <a:t>The dataset is partially preprocessed (noise filters, fixed windows of 2.56 seconds (128 data points) with 50% overlap, splitting of accelerometer data into gravitational (total) and body motion components)</a:t>
+          </a:r>
+        </a:p>
+      </dsp:txBody>
+      <dsp:txXfrm>
+        <a:off x="1948202" y="1410409"/>
+        <a:ext cx="3233964" cy="1371985"/>
+      </dsp:txXfrm>
+    </dsp:sp>
+    <dsp:sp modelId="{264B9D38-D16F-447A-8CCD-45DBF71FB25D}">
+      <dsp:nvSpPr>
+        <dsp:cNvPr id="0" name=""/>
+        <dsp:cNvSpPr/>
+      </dsp:nvSpPr>
+      <dsp:spPr>
+        <a:xfrm>
+          <a:off x="5745661" y="1410409"/>
+          <a:ext cx="1371985" cy="1371985"/>
+        </a:xfrm>
+        <a:prstGeom prst="ellipse">
+          <a:avLst/>
+        </a:prstGeom>
+        <a:solidFill>
+          <a:schemeClr val="accent3">
+            <a:hueOff val="0"/>
+            <a:satOff val="0"/>
+            <a:lumOff val="0"/>
+            <a:alphaOff val="0"/>
+          </a:schemeClr>
+        </a:solidFill>
+        <a:ln>
+          <a:noFill/>
+        </a:ln>
+        <a:effectLst/>
+      </dsp:spPr>
+      <dsp:style>
+        <a:lnRef idx="0">
+          <a:scrgbClr r="0" g="0" b="0"/>
+        </a:lnRef>
+        <a:fillRef idx="1">
+          <a:scrgbClr r="0" g="0" b="0"/>
+        </a:fillRef>
+        <a:effectRef idx="0">
+          <a:scrgbClr r="0" g="0" b="0"/>
+        </a:effectRef>
+        <a:fontRef idx="minor"/>
+      </dsp:style>
+    </dsp:sp>
+    <dsp:sp modelId="{CF66061F-3BD5-40B7-BA55-3470C67C9F57}">
+      <dsp:nvSpPr>
+        <dsp:cNvPr id="0" name=""/>
+        <dsp:cNvSpPr/>
+      </dsp:nvSpPr>
+      <dsp:spPr>
+        <a:xfrm>
+          <a:off x="6033778" y="1698526"/>
+          <a:ext cx="795751" cy="795751"/>
+        </a:xfrm>
+        <a:prstGeom prst="rect">
+          <a:avLst/>
+        </a:prstGeom>
+        <a:blipFill>
+          <a:blip xmlns:r="http://schemas.openxmlformats.org/officeDocument/2006/relationships" r:embed="rId3">
+            <a:extLst>
+              <a:ext uri="{28A0092B-C50C-407E-A947-70E740481C1C}">
+                <a14:useLocalDpi xmlns:a14="http://schemas.microsoft.com/office/drawing/2010/main" val="0"/>
+              </a:ext>
+              <a:ext uri="{96DAC541-7B7A-43D3-8B79-37D633B846F1}">
+                <asvg:svgBlip xmlns:asvg="http://schemas.microsoft.com/office/drawing/2016/SVG/main" r:embed="rId4"/>
+              </a:ext>
+            </a:extLst>
+          </a:blip>
+          <a:srcRect/>
+          <a:stretch>
+            <a:fillRect/>
+          </a:stretch>
+        </a:blipFill>
+        <a:ln w="12700" cap="flat" cmpd="sng" algn="ctr">
+          <a:noFill/>
+          <a:prstDash val="solid"/>
+          <a:miter lim="800000"/>
+        </a:ln>
+        <a:effectLst/>
+      </dsp:spPr>
+      <dsp:style>
+        <a:lnRef idx="2">
+          <a:scrgbClr r="0" g="0" b="0"/>
+        </a:lnRef>
+        <a:fillRef idx="1">
+          <a:scrgbClr r="0" g="0" b="0"/>
+        </a:fillRef>
+        <a:effectRef idx="0">
+          <a:scrgbClr r="0" g="0" b="0"/>
+        </a:effectRef>
+        <a:fontRef idx="minor">
+          <a:schemeClr val="lt1"/>
+        </a:fontRef>
+      </dsp:style>
+    </dsp:sp>
+    <dsp:sp modelId="{96F83A32-C0D8-4E51-A505-5BF230F23A01}">
+      <dsp:nvSpPr>
+        <dsp:cNvPr id="0" name=""/>
+        <dsp:cNvSpPr/>
+      </dsp:nvSpPr>
+      <dsp:spPr>
+        <a:xfrm>
+          <a:off x="7411643" y="1410409"/>
+          <a:ext cx="3233964" cy="1371985"/>
+        </a:xfrm>
+        <a:prstGeom prst="rect">
+          <a:avLst/>
+        </a:prstGeom>
+        <a:noFill/>
+        <a:ln>
+          <a:noFill/>
+        </a:ln>
+        <a:effectLst/>
+      </dsp:spPr>
+      <dsp:style>
+        <a:lnRef idx="0">
+          <a:scrgbClr r="0" g="0" b="0"/>
+        </a:lnRef>
+        <a:fillRef idx="0">
+          <a:scrgbClr r="0" g="0" b="0"/>
+        </a:fillRef>
+        <a:effectRef idx="0">
+          <a:scrgbClr r="0" g="0" b="0"/>
+        </a:effectRef>
+        <a:fontRef idx="minor"/>
+      </dsp:style>
+      <dsp:txBody>
+        <a:bodyPr spcFirstLastPara="0" vert="horz" wrap="square" lIns="0" tIns="0" rIns="0" bIns="0" numCol="1" spcCol="1270" anchor="ctr" anchorCtr="0">
+          <a:noAutofit/>
+        </a:bodyPr>
+        <a:lstStyle/>
+        <a:p>
+          <a:pPr marL="0" lvl="0" indent="0" algn="l" defTabSz="1066800">
+            <a:lnSpc>
+              <a:spcPct val="90000"/>
+            </a:lnSpc>
+            <a:spcBef>
+              <a:spcPct val="0"/>
+            </a:spcBef>
+            <a:spcAft>
+              <a:spcPct val="35000"/>
+            </a:spcAft>
+            <a:buNone/>
+          </a:pPr>
+          <a:r>
+            <a:rPr lang="en-US" sz="2400" b="0" i="0" kern="1200" dirty="0"/>
+            <a:t>Split into train (70%) and test (30%) </a:t>
+          </a:r>
+          <a:r>
+            <a:rPr lang="en-US" sz="2400" b="0" i="0" kern="1200" dirty="0">
+              <a:sym typeface="Wingdings" panose="05000000000000000000" pitchFamily="2" charset="2"/>
+            </a:rPr>
+            <a:t></a:t>
+          </a:r>
+          <a:r>
+            <a:rPr lang="en-US" sz="2400" b="0" i="0" kern="1200" dirty="0"/>
+            <a:t> 21 subjects for train and nine for test.</a:t>
+          </a:r>
+          <a:endParaRPr lang="en-US" sz="2400" kern="1200" dirty="0"/>
+        </a:p>
+      </dsp:txBody>
+      <dsp:txXfrm>
+        <a:off x="7411643" y="1410409"/>
+        <a:ext cx="3233964" cy="1371985"/>
+      </dsp:txXfrm>
+    </dsp:sp>
+  </dsp:spTree>
+</dsp:drawing>
+</file>
+
+<file path=ppt/diagrams/drawing2.xml><?xml version="1.0" encoding="utf-8"?>
+<dsp:drawing xmlns:dgm="http://schemas.openxmlformats.org/drawingml/2006/diagram" xmlns:dsp="http://schemas.microsoft.com/office/drawing/2008/diagram" xmlns:a="http://schemas.openxmlformats.org/drawingml/2006/main">
+  <dsp:spTree>
+    <dsp:nvGrpSpPr>
+      <dsp:cNvPr id="0" name=""/>
+      <dsp:cNvGrpSpPr/>
+    </dsp:nvGrpSpPr>
+    <dsp:grpSpPr/>
     <dsp:sp modelId="{B8C07A98-8AA7-4EDA-94CB-5DBA86BC3982}">
       <dsp:nvSpPr>
         <dsp:cNvPr id="0" name=""/>
@@ -1109,8 +2702,8 @@
       </dsp:nvSpPr>
       <dsp:spPr>
         <a:xfrm>
-          <a:off x="7143" y="2068777"/>
-          <a:ext cx="2135187" cy="1281112"/>
+          <a:off x="3571" y="2240822"/>
+          <a:ext cx="1561703" cy="937021"/>
         </a:xfrm>
         <a:prstGeom prst="roundRect">
           <a:avLst>
@@ -1154,12 +2747,12 @@
         </a:fontRef>
       </dsp:style>
       <dsp:txBody>
-        <a:bodyPr spcFirstLastPara="0" vert="horz" wrap="square" lIns="91440" tIns="91440" rIns="91440" bIns="91440" numCol="1" spcCol="1270" anchor="ctr" anchorCtr="0">
+        <a:bodyPr spcFirstLastPara="0" vert="horz" wrap="square" lIns="72390" tIns="72390" rIns="72390" bIns="72390" numCol="1" spcCol="1270" anchor="ctr" anchorCtr="0">
           <a:noAutofit/>
         </a:bodyPr>
         <a:lstStyle/>
         <a:p>
-          <a:pPr marL="0" lvl="0" indent="0" algn="ctr" defTabSz="1066800">
+          <a:pPr marL="0" lvl="0" indent="0" algn="ctr" defTabSz="844550">
             <a:lnSpc>
               <a:spcPct val="90000"/>
             </a:lnSpc>
@@ -1172,31 +2765,19 @@
             <a:buNone/>
           </a:pPr>
           <a:r>
-            <a:rPr lang="de-DE" sz="2400" kern="1200" dirty="0"/>
+            <a:rPr lang="de-DE" sz="1900" kern="1200" dirty="0"/>
             <a:t>Data </a:t>
           </a:r>
           <a:r>
-            <a:rPr lang="de-DE" sz="2400" kern="1200" dirty="0" err="1"/>
+            <a:rPr lang="de-DE" sz="1900" kern="1200" dirty="0" err="1"/>
             <a:t>Loading</a:t>
           </a:r>
-          <a:r>
-            <a:rPr lang="de-DE" sz="2400" kern="1200" dirty="0"/>
-            <a:t> and </a:t>
-          </a:r>
-          <a:r>
-            <a:rPr lang="de-DE" sz="2400" kern="1200" dirty="0" err="1"/>
-            <a:t>further</a:t>
-          </a:r>
-          <a:r>
-            <a:rPr lang="de-DE" sz="2400" kern="1200" dirty="0"/>
-            <a:t> Processing</a:t>
-          </a:r>
-          <a:endParaRPr lang="en-DE" sz="2400" kern="1200" dirty="0"/>
+          <a:endParaRPr lang="en-DE" sz="1900" kern="1200" dirty="0"/>
         </a:p>
       </dsp:txBody>
       <dsp:txXfrm>
-        <a:off x="44665" y="2106299"/>
-        <a:ext cx="2060143" cy="1206068"/>
+        <a:off x="31015" y="2268266"/>
+        <a:ext cx="1506815" cy="882133"/>
       </dsp:txXfrm>
     </dsp:sp>
     <dsp:sp modelId="{881EF8A6-37A1-4A95-97D8-EC58536FFB09}">
@@ -1206,8 +2787,8 @@
       </dsp:nvSpPr>
       <dsp:spPr>
         <a:xfrm>
-          <a:off x="2355850" y="2444570"/>
-          <a:ext cx="452659" cy="529526"/>
+          <a:off x="1721445" y="2515682"/>
+          <a:ext cx="331081" cy="387302"/>
         </a:xfrm>
         <a:prstGeom prst="rightArrow">
           <a:avLst>
@@ -1249,7 +2830,7 @@
         </a:bodyPr>
         <a:lstStyle/>
         <a:p>
-          <a:pPr marL="0" lvl="0" indent="0" algn="ctr" defTabSz="844550">
+          <a:pPr marL="0" lvl="0" indent="0" algn="ctr" defTabSz="711200">
             <a:lnSpc>
               <a:spcPct val="90000"/>
             </a:lnSpc>
@@ -1261,23 +2842,23 @@
             </a:spcAft>
             <a:buNone/>
           </a:pPr>
-          <a:endParaRPr lang="en-DE" sz="1900" kern="1200"/>
+          <a:endParaRPr lang="en-DE" sz="1600" kern="1200"/>
         </a:p>
       </dsp:txBody>
       <dsp:txXfrm>
-        <a:off x="2355850" y="2550475"/>
-        <a:ext cx="316861" cy="317716"/>
+        <a:off x="1721445" y="2593142"/>
+        <a:ext cx="231757" cy="232382"/>
       </dsp:txXfrm>
     </dsp:sp>
-    <dsp:sp modelId="{E3D3031B-BA2F-4403-A01C-2F7584D32950}">
+    <dsp:sp modelId="{5CD4EDD7-BFC5-464E-9DDB-C2116C78300F}">
       <dsp:nvSpPr>
         <dsp:cNvPr id="0" name=""/>
         <dsp:cNvSpPr/>
       </dsp:nvSpPr>
       <dsp:spPr>
         <a:xfrm>
-          <a:off x="2996406" y="2068777"/>
-          <a:ext cx="2135187" cy="1281112"/>
+          <a:off x="2189956" y="2240822"/>
+          <a:ext cx="1561703" cy="937021"/>
         </a:xfrm>
         <a:prstGeom prst="roundRect">
           <a:avLst>
@@ -1321,12 +2902,12 @@
         </a:fontRef>
       </dsp:style>
       <dsp:txBody>
-        <a:bodyPr spcFirstLastPara="0" vert="horz" wrap="square" lIns="91440" tIns="91440" rIns="91440" bIns="91440" numCol="1" spcCol="1270" anchor="ctr" anchorCtr="0">
+        <a:bodyPr spcFirstLastPara="0" vert="horz" wrap="square" lIns="72390" tIns="72390" rIns="72390" bIns="72390" numCol="1" spcCol="1270" anchor="ctr" anchorCtr="0">
           <a:noAutofit/>
         </a:bodyPr>
         <a:lstStyle/>
         <a:p>
-          <a:pPr marL="0" lvl="0" indent="0" algn="ctr" defTabSz="1066800">
+          <a:pPr marL="0" lvl="0" indent="0" algn="ctr" defTabSz="844550">
             <a:lnSpc>
               <a:spcPct val="90000"/>
             </a:lnSpc>
@@ -1339,26 +2920,26 @@
             <a:buNone/>
           </a:pPr>
           <a:r>
-            <a:rPr lang="de-DE" sz="2400" kern="1200" dirty="0"/>
-            <a:t>Model Building</a:t>
+            <a:rPr lang="de-DE" sz="1900" kern="1200" dirty="0"/>
+            <a:t>Further Processing</a:t>
           </a:r>
-          <a:endParaRPr lang="en-DE" sz="2400" kern="1200" dirty="0"/>
+          <a:endParaRPr lang="en-DE" sz="1900" kern="1200" dirty="0"/>
         </a:p>
       </dsp:txBody>
       <dsp:txXfrm>
-        <a:off x="3033928" y="2106299"/>
-        <a:ext cx="2060143" cy="1206068"/>
+        <a:off x="2217400" y="2268266"/>
+        <a:ext cx="1506815" cy="882133"/>
       </dsp:txXfrm>
     </dsp:sp>
-    <dsp:sp modelId="{5D6EBE89-F19D-4086-9F78-26AE80CFE80C}">
+    <dsp:sp modelId="{3BF82D0F-3F2D-4985-8C5E-9151EA7983B3}">
       <dsp:nvSpPr>
         <dsp:cNvPr id="0" name=""/>
         <dsp:cNvSpPr/>
       </dsp:nvSpPr>
       <dsp:spPr>
         <a:xfrm>
-          <a:off x="5345112" y="2444570"/>
-          <a:ext cx="452659" cy="529526"/>
+          <a:off x="3907829" y="2515682"/>
+          <a:ext cx="331081" cy="387302"/>
         </a:xfrm>
         <a:prstGeom prst="rightArrow">
           <a:avLst>
@@ -1400,7 +2981,7 @@
         </a:bodyPr>
         <a:lstStyle/>
         <a:p>
-          <a:pPr marL="0" lvl="0" indent="0" algn="ctr" defTabSz="844550">
+          <a:pPr marL="0" lvl="0" indent="0" algn="ctr" defTabSz="711200">
             <a:lnSpc>
               <a:spcPct val="90000"/>
             </a:lnSpc>
@@ -1412,23 +2993,23 @@
             </a:spcAft>
             <a:buNone/>
           </a:pPr>
-          <a:endParaRPr lang="en-DE" sz="1900" kern="1200"/>
+          <a:endParaRPr lang="de-DE" sz="1600" kern="1200"/>
         </a:p>
       </dsp:txBody>
       <dsp:txXfrm>
-        <a:off x="5345112" y="2550475"/>
-        <a:ext cx="316861" cy="317716"/>
+        <a:off x="3907829" y="2593142"/>
+        <a:ext cx="231757" cy="232382"/>
       </dsp:txXfrm>
     </dsp:sp>
-    <dsp:sp modelId="{70D5B9AA-1EE5-4D74-AA06-48BAEEFB03DC}">
+    <dsp:sp modelId="{E3D3031B-BA2F-4403-A01C-2F7584D32950}">
       <dsp:nvSpPr>
         <dsp:cNvPr id="0" name=""/>
         <dsp:cNvSpPr/>
       </dsp:nvSpPr>
       <dsp:spPr>
         <a:xfrm>
-          <a:off x="5985668" y="2068777"/>
-          <a:ext cx="2135187" cy="1281112"/>
+          <a:off x="4376340" y="2240822"/>
+          <a:ext cx="1561703" cy="937021"/>
         </a:xfrm>
         <a:prstGeom prst="roundRect">
           <a:avLst>
@@ -1472,12 +3053,12 @@
         </a:fontRef>
       </dsp:style>
       <dsp:txBody>
-        <a:bodyPr spcFirstLastPara="0" vert="horz" wrap="square" lIns="91440" tIns="91440" rIns="91440" bIns="91440" numCol="1" spcCol="1270" anchor="ctr" anchorCtr="0">
+        <a:bodyPr spcFirstLastPara="0" vert="horz" wrap="square" lIns="72390" tIns="72390" rIns="72390" bIns="72390" numCol="1" spcCol="1270" anchor="ctr" anchorCtr="0">
           <a:noAutofit/>
         </a:bodyPr>
         <a:lstStyle/>
         <a:p>
-          <a:pPr marL="0" lvl="0" indent="0" algn="ctr" defTabSz="1066800">
+          <a:pPr marL="0" lvl="0" indent="0" algn="ctr" defTabSz="844550">
             <a:lnSpc>
               <a:spcPct val="90000"/>
             </a:lnSpc>
@@ -1490,19 +3071,170 @@
             <a:buNone/>
           </a:pPr>
           <a:r>
-            <a:rPr lang="de-DE" sz="2400" kern="1200" dirty="0"/>
+            <a:rPr lang="de-DE" sz="1900" kern="1200" dirty="0"/>
+            <a:t>Model Building</a:t>
+          </a:r>
+          <a:endParaRPr lang="en-DE" sz="1900" kern="1200" dirty="0"/>
+        </a:p>
+      </dsp:txBody>
+      <dsp:txXfrm>
+        <a:off x="4403784" y="2268266"/>
+        <a:ext cx="1506815" cy="882133"/>
+      </dsp:txXfrm>
+    </dsp:sp>
+    <dsp:sp modelId="{5D6EBE89-F19D-4086-9F78-26AE80CFE80C}">
+      <dsp:nvSpPr>
+        <dsp:cNvPr id="0" name=""/>
+        <dsp:cNvSpPr/>
+      </dsp:nvSpPr>
+      <dsp:spPr>
+        <a:xfrm>
+          <a:off x="6094214" y="2515682"/>
+          <a:ext cx="331081" cy="387302"/>
+        </a:xfrm>
+        <a:prstGeom prst="rightArrow">
+          <a:avLst>
+            <a:gd name="adj1" fmla="val 60000"/>
+            <a:gd name="adj2" fmla="val 50000"/>
+          </a:avLst>
+        </a:prstGeom>
+        <a:solidFill>
+          <a:schemeClr val="accent1">
+            <a:tint val="60000"/>
+            <a:hueOff val="0"/>
+            <a:satOff val="0"/>
+            <a:lumOff val="0"/>
+            <a:alphaOff val="0"/>
+          </a:schemeClr>
+        </a:solidFill>
+        <a:ln>
+          <a:noFill/>
+        </a:ln>
+        <a:effectLst/>
+      </dsp:spPr>
+      <dsp:style>
+        <a:lnRef idx="0">
+          <a:scrgbClr r="0" g="0" b="0"/>
+        </a:lnRef>
+        <a:fillRef idx="1">
+          <a:scrgbClr r="0" g="0" b="0"/>
+        </a:fillRef>
+        <a:effectRef idx="0">
+          <a:scrgbClr r="0" g="0" b="0"/>
+        </a:effectRef>
+        <a:fontRef idx="minor">
+          <a:schemeClr val="lt1"/>
+        </a:fontRef>
+      </dsp:style>
+      <dsp:txBody>
+        <a:bodyPr spcFirstLastPara="0" vert="horz" wrap="square" lIns="0" tIns="0" rIns="0" bIns="0" numCol="1" spcCol="1270" anchor="ctr" anchorCtr="0">
+          <a:noAutofit/>
+        </a:bodyPr>
+        <a:lstStyle/>
+        <a:p>
+          <a:pPr marL="0" lvl="0" indent="0" algn="ctr" defTabSz="711200">
+            <a:lnSpc>
+              <a:spcPct val="90000"/>
+            </a:lnSpc>
+            <a:spcBef>
+              <a:spcPct val="0"/>
+            </a:spcBef>
+            <a:spcAft>
+              <a:spcPct val="35000"/>
+            </a:spcAft>
+            <a:buNone/>
+          </a:pPr>
+          <a:endParaRPr lang="en-DE" sz="1600" kern="1200"/>
+        </a:p>
+      </dsp:txBody>
+      <dsp:txXfrm>
+        <a:off x="6094214" y="2593142"/>
+        <a:ext cx="231757" cy="232382"/>
+      </dsp:txXfrm>
+    </dsp:sp>
+    <dsp:sp modelId="{70D5B9AA-1EE5-4D74-AA06-48BAEEFB03DC}">
+      <dsp:nvSpPr>
+        <dsp:cNvPr id="0" name=""/>
+        <dsp:cNvSpPr/>
+      </dsp:nvSpPr>
+      <dsp:spPr>
+        <a:xfrm>
+          <a:off x="6562724" y="2240822"/>
+          <a:ext cx="1561703" cy="937021"/>
+        </a:xfrm>
+        <a:prstGeom prst="roundRect">
+          <a:avLst>
+            <a:gd name="adj" fmla="val 10000"/>
+          </a:avLst>
+        </a:prstGeom>
+        <a:solidFill>
+          <a:schemeClr val="accent1">
+            <a:hueOff val="0"/>
+            <a:satOff val="0"/>
+            <a:lumOff val="0"/>
+            <a:alphaOff val="0"/>
+          </a:schemeClr>
+        </a:solidFill>
+        <a:ln w="12700" cap="flat" cmpd="sng" algn="ctr">
+          <a:solidFill>
+            <a:schemeClr val="lt1">
+              <a:hueOff val="0"/>
+              <a:satOff val="0"/>
+              <a:lumOff val="0"/>
+              <a:alphaOff val="0"/>
+            </a:schemeClr>
+          </a:solidFill>
+          <a:prstDash val="solid"/>
+          <a:miter lim="800000"/>
+        </a:ln>
+        <a:effectLst/>
+      </dsp:spPr>
+      <dsp:style>
+        <a:lnRef idx="2">
+          <a:scrgbClr r="0" g="0" b="0"/>
+        </a:lnRef>
+        <a:fillRef idx="1">
+          <a:scrgbClr r="0" g="0" b="0"/>
+        </a:fillRef>
+        <a:effectRef idx="0">
+          <a:scrgbClr r="0" g="0" b="0"/>
+        </a:effectRef>
+        <a:fontRef idx="minor">
+          <a:schemeClr val="lt1"/>
+        </a:fontRef>
+      </dsp:style>
+      <dsp:txBody>
+        <a:bodyPr spcFirstLastPara="0" vert="horz" wrap="square" lIns="72390" tIns="72390" rIns="72390" bIns="72390" numCol="1" spcCol="1270" anchor="ctr" anchorCtr="0">
+          <a:noAutofit/>
+        </a:bodyPr>
+        <a:lstStyle/>
+        <a:p>
+          <a:pPr marL="0" lvl="0" indent="0" algn="ctr" defTabSz="844550">
+            <a:lnSpc>
+              <a:spcPct val="90000"/>
+            </a:lnSpc>
+            <a:spcBef>
+              <a:spcPct val="0"/>
+            </a:spcBef>
+            <a:spcAft>
+              <a:spcPct val="35000"/>
+            </a:spcAft>
+            <a:buNone/>
+          </a:pPr>
+          <a:r>
+            <a:rPr lang="de-DE" sz="1900" kern="1200" dirty="0"/>
             <a:t>Assessment and </a:t>
           </a:r>
           <a:r>
-            <a:rPr lang="de-DE" sz="2400" kern="1200" dirty="0" err="1"/>
+            <a:rPr lang="de-DE" sz="1900" kern="1200" dirty="0" err="1"/>
             <a:t>Selection</a:t>
           </a:r>
-          <a:endParaRPr lang="en-DE" sz="2400" kern="1200" dirty="0"/>
+          <a:endParaRPr lang="en-DE" sz="1900" kern="1200" dirty="0"/>
         </a:p>
       </dsp:txBody>
       <dsp:txXfrm>
-        <a:off x="6023190" y="2106299"/>
-        <a:ext cx="2060143" cy="1206068"/>
+        <a:off x="6590168" y="2268266"/>
+        <a:ext cx="1506815" cy="882133"/>
       </dsp:txXfrm>
     </dsp:sp>
   </dsp:spTree>
@@ -1510,6 +3242,218 @@
 </file>
 
 <file path=ppt/diagrams/layout1.xml><?xml version="1.0" encoding="utf-8"?>
+<dgm:layoutDef xmlns:dgm="http://schemas.openxmlformats.org/drawingml/2006/diagram" xmlns:a="http://schemas.openxmlformats.org/drawingml/2006/main" uniqueId="urn:microsoft.com/office/officeart/2018/2/layout/IconCircleList">
+  <dgm:title val="Icon Circle List"/>
+  <dgm:desc val="Use to show non-sequential or grouped chunks of information accompanied by related visuals. Circular shapes can hold an icon or small picture and corresponding text box shows Level 1 text. Works best for icons or small pictures with medium-length descriptions."/>
+  <dgm:catLst>
+    <dgm:cat type="icon" pri="500"/>
+  </dgm:catLst>
+  <dgm:sampData useDef="1">
+    <dgm:dataModel>
+      <dgm:ptLst/>
+      <dgm:bg/>
+      <dgm:whole/>
+    </dgm:dataModel>
+  </dgm:sampData>
+  <dgm:styleData useDef="1">
+    <dgm:dataModel>
+      <dgm:ptLst/>
+      <dgm:bg/>
+      <dgm:whole/>
+    </dgm:dataModel>
+  </dgm:styleData>
+  <dgm:clrData useDef="1">
+    <dgm:dataModel>
+      <dgm:ptLst/>
+      <dgm:bg/>
+      <dgm:whole/>
+    </dgm:dataModel>
+  </dgm:clrData>
+  <dgm:layoutNode name="root">
+    <dgm:varLst>
+      <dgm:dir/>
+      <dgm:resizeHandles val="exact"/>
+    </dgm:varLst>
+    <dgm:alg type="sp"/>
+    <dgm:shape xmlns:r="http://schemas.openxmlformats.org/officeDocument/2006/relationships" r:blip="">
+      <dgm:adjLst/>
+    </dgm:shape>
+    <dgm:presOf/>
+    <dgm:choose name="Name0">
+      <dgm:if name="Name1" axis="ch" ptType="node" func="cnt" op="lte" val="3">
+        <dgm:constrLst>
+          <dgm:constr type="w" for="ch" forName="container" refType="w"/>
+          <dgm:constr type="h" for="ch" forName="container" refType="h" fact="0.4"/>
+        </dgm:constrLst>
+      </dgm:if>
+      <dgm:else name="Name2">
+        <dgm:constrLst>
+          <dgm:constr type="w" for="ch" forName="container" refType="w"/>
+          <dgm:constr type="h" for="ch" forName="container" refType="h"/>
+        </dgm:constrLst>
+      </dgm:else>
+    </dgm:choose>
+    <dgm:ruleLst>
+      <dgm:rule type="h" for="ch" forName="container" val="INF" fact="NaN" max="NaN"/>
+    </dgm:ruleLst>
+    <dgm:layoutNode name="container">
+      <dgm:varLst>
+        <dgm:dir/>
+        <dgm:resizeHandles val="exact"/>
+      </dgm:varLst>
+      <dgm:choose name="Name3">
+        <dgm:if name="Name4" axis="self" func="var" arg="dir" op="equ" val="norm">
+          <dgm:alg type="snake">
+            <dgm:param type="grDir" val="tL"/>
+            <dgm:param type="flowDir" val="row"/>
+            <dgm:param type="contDir" val="sameDir"/>
+          </dgm:alg>
+        </dgm:if>
+        <dgm:else name="Name5">
+          <dgm:alg type="snake">
+            <dgm:param type="grDir" val="tR"/>
+            <dgm:param type="flowDir" val="row"/>
+            <dgm:param type="contDir" val="sameDir"/>
+          </dgm:alg>
+        </dgm:else>
+      </dgm:choose>
+      <dgm:shape xmlns:r="http://schemas.openxmlformats.org/officeDocument/2006/relationships" r:blip="">
+        <dgm:adjLst/>
+      </dgm:shape>
+      <dgm:presOf/>
+      <dgm:constrLst>
+        <dgm:constr type="w" for="ch" forName="compNode" refType="w"/>
+        <dgm:constr type="h" for="ch" forName="compNode" refType="w" fact="0.28"/>
+        <dgm:constr type="w" for="ch" forName="sibTrans" refType="w" refFor="ch" refForName="compNode" fact="0.115"/>
+        <dgm:constr type="sp" refType="h" op="equ" fact="0.17"/>
+        <dgm:constr type="primFontSz" for="des" ptType="node" op="equ" val="24"/>
+        <dgm:constr type="h" for="des" forName="compNode" op="equ"/>
+        <dgm:constr type="h" for="des" forName="iconBgRect" op="equ"/>
+      </dgm:constrLst>
+      <dgm:ruleLst>
+        <dgm:rule type="w" for="ch" forName="compNode" val="60" fact="NaN" max="NaN"/>
+      </dgm:ruleLst>
+      <dgm:forEach name="Name6" axis="ch" ptType="node">
+        <dgm:layoutNode name="compNode">
+          <dgm:alg type="composite"/>
+          <dgm:shape xmlns:r="http://schemas.openxmlformats.org/officeDocument/2006/relationships" r:blip="">
+            <dgm:adjLst/>
+          </dgm:shape>
+          <dgm:presOf axis="self"/>
+          <dgm:constrLst>
+            <dgm:constr type="w" for="ch" forName="iconBgRect" refType="w" fact="0.28"/>
+            <dgm:constr type="h" for="ch" forName="iconBgRect" refType="w" refFor="ch" refForName="iconBgRect"/>
+            <dgm:constr type="t" for="ch" forName="iconBgRect"/>
+            <dgm:constr type="l" for="ch" forName="iconBgRect"/>
+            <dgm:constr type="w" for="ch" forName="iconRect" refType="w" refFor="ch" refForName="iconBgRect" fact="0.58"/>
+            <dgm:constr type="h" for="ch" forName="iconRect" refType="w" refFor="ch" refForName="iconRect"/>
+            <dgm:constr type="ctrX" for="ch" forName="iconRect" refType="ctrX" refFor="ch" refForName="iconBgRect"/>
+            <dgm:constr type="ctrY" for="ch" forName="iconRect" refType="ctrY" refFor="ch" refForName="iconBgRect"/>
+            <dgm:constr type="w" for="ch" forName="spaceRect" refType="w" fact="0.06"/>
+            <dgm:constr type="h" for="ch" forName="spaceRect" refType="h" refFor="ch" refForName="iconBgRect"/>
+            <dgm:constr type="t" for="ch" forName="spaceRect" refType="t" refFor="ch" refForName="iconBgRect"/>
+            <dgm:constr type="l" for="ch" forName="spaceRect" refType="r" refFor="ch" refForName="iconBgRect"/>
+            <dgm:constr type="h" for="ch" forName="textRect" refType="h" refFor="ch" refForName="iconBgRect"/>
+            <dgm:constr type="t" for="ch" forName="textRect" refType="t" refFor="ch" refForName="iconBgRect"/>
+            <dgm:constr type="l" for="ch" forName="textRect" refType="r" refFor="ch" refForName="spaceRect"/>
+          </dgm:constrLst>
+          <dgm:ruleLst/>
+          <dgm:layoutNode name="iconBgRect" styleLbl="bgShp">
+            <dgm:alg type="sp"/>
+            <dgm:shape xmlns:r="http://schemas.openxmlformats.org/officeDocument/2006/relationships" type="ellipse" r:blip="">
+              <dgm:adjLst/>
+            </dgm:shape>
+            <dgm:presOf/>
+            <dgm:constrLst/>
+            <dgm:ruleLst/>
+          </dgm:layoutNode>
+          <dgm:layoutNode name="iconRect" styleLbl="node1">
+            <dgm:alg type="sp"/>
+            <dgm:shape xmlns:r="http://schemas.openxmlformats.org/officeDocument/2006/relationships" type="rect" r:blip="" blipPhldr="1">
+              <dgm:adjLst/>
+            </dgm:shape>
+            <dgm:presOf/>
+            <dgm:constrLst/>
+            <dgm:ruleLst/>
+          </dgm:layoutNode>
+          <dgm:layoutNode name="spaceRect">
+            <dgm:alg type="sp"/>
+            <dgm:shape xmlns:r="http://schemas.openxmlformats.org/officeDocument/2006/relationships" r:blip="">
+              <dgm:adjLst/>
+            </dgm:shape>
+            <dgm:presOf/>
+            <dgm:constrLst/>
+            <dgm:ruleLst/>
+          </dgm:layoutNode>
+          <dgm:layoutNode name="textRect" styleLbl="revTx">
+            <dgm:varLst>
+              <dgm:chMax val="1"/>
+              <dgm:chPref val="1"/>
+            </dgm:varLst>
+            <dgm:choose name="Name7">
+              <dgm:if name="Name8" func="var" arg="dir" op="equ" val="norm">
+                <dgm:alg type="tx">
+                  <dgm:param type="txAnchorVert" val="mid"/>
+                  <dgm:param type="parTxLTRAlign" val="l"/>
+                  <dgm:param type="shpTxLTRAlignCh" val="l"/>
+                  <dgm:param type="parTxRTLAlign" val="l"/>
+                  <dgm:param type="shpTxRTLAlignCh" val="l"/>
+                </dgm:alg>
+              </dgm:if>
+              <dgm:else name="Name9">
+                <dgm:alg type="tx">
+                  <dgm:param type="txAnchorVert" val="mid"/>
+                  <dgm:param type="parTxLTRAlign" val="r"/>
+                  <dgm:param type="shpTxLTRAlignCh" val="r"/>
+                  <dgm:param type="parTxRTLAlign" val="r"/>
+                  <dgm:param type="shpTxRTLAlignCh" val="r"/>
+                </dgm:alg>
+              </dgm:else>
+            </dgm:choose>
+            <dgm:shape xmlns:r="http://schemas.openxmlformats.org/officeDocument/2006/relationships" type="rect" r:blip="">
+              <dgm:adjLst/>
+            </dgm:shape>
+            <dgm:presOf axis="self" ptType="node"/>
+            <dgm:constrLst>
+              <dgm:constr type="lMarg"/>
+              <dgm:constr type="rMarg"/>
+              <dgm:constr type="tMarg"/>
+              <dgm:constr type="bMarg"/>
+            </dgm:constrLst>
+            <dgm:ruleLst>
+              <dgm:rule type="primFontSz" val="11" fact="NaN" max="NaN"/>
+            </dgm:ruleLst>
+          </dgm:layoutNode>
+        </dgm:layoutNode>
+        <dgm:forEach name="Name10" axis="followSib" ptType="sibTrans" cnt="1">
+          <dgm:layoutNode name="sibTrans">
+            <dgm:alg type="sp"/>
+            <dgm:shape xmlns:r="http://schemas.openxmlformats.org/officeDocument/2006/relationships" type="rect" r:blip="" hideGeom="1">
+              <dgm:adjLst/>
+            </dgm:shape>
+            <dgm:presOf axis="self"/>
+            <dgm:constrLst/>
+            <dgm:ruleLst/>
+          </dgm:layoutNode>
+        </dgm:forEach>
+      </dgm:forEach>
+    </dgm:layoutNode>
+  </dgm:layoutNode>
+  <dgm:extLst>
+    <a:ext uri="{68A01E43-0DF5-4B5B-8FA6-DAF915123BFB}">
+      <dgm1612:lstStyle xmlns:dgm1612="http://schemas.microsoft.com/office/drawing/2016/12/diagram">
+        <a:lvl1pPr>
+          <a:lnSpc>
+            <a:spcPct val="100000"/>
+          </a:lnSpc>
+        </a:lvl1pPr>
+      </dgm1612:lstStyle>
+    </a:ext>
+  </dgm:extLst>
+</dgm:layoutDef>
+</file>
+
+<file path=ppt/diagrams/layout2.xml><?xml version="1.0" encoding="utf-8"?>
 <dgm:layoutDef xmlns:dgm="http://schemas.openxmlformats.org/drawingml/2006/diagram" xmlns:a="http://schemas.openxmlformats.org/drawingml/2006/main" uniqueId="urn:microsoft.com/office/officeart/2005/8/layout/process1">
   <dgm:title val=""/>
   <dgm:desc val=""/>
@@ -2689,6 +4633,1040 @@
 </dgm:styleDef>
 </file>
 
+<file path=ppt/diagrams/quickStyle2.xml><?xml version="1.0" encoding="utf-8"?>
+<dgm:styleDef xmlns:dgm="http://schemas.openxmlformats.org/drawingml/2006/diagram" xmlns:a="http://schemas.openxmlformats.org/drawingml/2006/main" uniqueId="urn:microsoft.com/office/officeart/2005/8/quickstyle/simple1">
+  <dgm:title val=""/>
+  <dgm:desc val=""/>
+  <dgm:catLst>
+    <dgm:cat type="simple" pri="10100"/>
+  </dgm:catLst>
+  <dgm:scene3d>
+    <a:camera prst="orthographicFront"/>
+    <a:lightRig rig="threePt" dir="t"/>
+  </dgm:scene3d>
+  <dgm:styleLbl name="node0">
+    <dgm:scene3d>
+      <a:camera prst="orthographicFront"/>
+      <a:lightRig rig="threePt" dir="t"/>
+    </dgm:scene3d>
+    <dgm:sp3d/>
+    <dgm:txPr/>
+    <dgm:style>
+      <a:lnRef idx="2">
+        <a:scrgbClr r="0" g="0" b="0"/>
+      </a:lnRef>
+      <a:fillRef idx="1">
+        <a:scrgbClr r="0" g="0" b="0"/>
+      </a:fillRef>
+      <a:effectRef idx="0">
+        <a:scrgbClr r="0" g="0" b="0"/>
+      </a:effectRef>
+      <a:fontRef idx="minor">
+        <a:schemeClr val="lt1"/>
+      </a:fontRef>
+    </dgm:style>
+  </dgm:styleLbl>
+  <dgm:styleLbl name="lnNode1">
+    <dgm:scene3d>
+      <a:camera prst="orthographicFront"/>
+      <a:lightRig rig="threePt" dir="t"/>
+    </dgm:scene3d>
+    <dgm:sp3d/>
+    <dgm:txPr/>
+    <dgm:style>
+      <a:lnRef idx="2">
+        <a:scrgbClr r="0" g="0" b="0"/>
+      </a:lnRef>
+      <a:fillRef idx="1">
+        <a:scrgbClr r="0" g="0" b="0"/>
+      </a:fillRef>
+      <a:effectRef idx="0">
+        <a:scrgbClr r="0" g="0" b="0"/>
+      </a:effectRef>
+      <a:fontRef idx="minor">
+        <a:schemeClr val="lt1"/>
+      </a:fontRef>
+    </dgm:style>
+  </dgm:styleLbl>
+  <dgm:styleLbl name="vennNode1">
+    <dgm:scene3d>
+      <a:camera prst="orthographicFront"/>
+      <a:lightRig rig="threePt" dir="t"/>
+    </dgm:scene3d>
+    <dgm:sp3d/>
+    <dgm:txPr/>
+    <dgm:style>
+      <a:lnRef idx="2">
+        <a:scrgbClr r="0" g="0" b="0"/>
+      </a:lnRef>
+      <a:fillRef idx="1">
+        <a:scrgbClr r="0" g="0" b="0"/>
+      </a:fillRef>
+      <a:effectRef idx="0">
+        <a:scrgbClr r="0" g="0" b="0"/>
+      </a:effectRef>
+      <a:fontRef idx="minor">
+        <a:schemeClr val="tx1"/>
+      </a:fontRef>
+    </dgm:style>
+  </dgm:styleLbl>
+  <dgm:styleLbl name="alignNode1">
+    <dgm:scene3d>
+      <a:camera prst="orthographicFront"/>
+      <a:lightRig rig="threePt" dir="t"/>
+    </dgm:scene3d>
+    <dgm:sp3d/>
+    <dgm:txPr/>
+    <dgm:style>
+      <a:lnRef idx="2">
+        <a:scrgbClr r="0" g="0" b="0"/>
+      </a:lnRef>
+      <a:fillRef idx="1">
+        <a:scrgbClr r="0" g="0" b="0"/>
+      </a:fillRef>
+      <a:effectRef idx="0">
+        <a:scrgbClr r="0" g="0" b="0"/>
+      </a:effectRef>
+      <a:fontRef idx="minor">
+        <a:schemeClr val="lt1"/>
+      </a:fontRef>
+    </dgm:style>
+  </dgm:styleLbl>
+  <dgm:styleLbl name="node1">
+    <dgm:scene3d>
+      <a:camera prst="orthographicFront"/>
+      <a:lightRig rig="threePt" dir="t"/>
+    </dgm:scene3d>
+    <dgm:sp3d/>
+    <dgm:txPr/>
+    <dgm:style>
+      <a:lnRef idx="2">
+        <a:scrgbClr r="0" g="0" b="0"/>
+      </a:lnRef>
+      <a:fillRef idx="1">
+        <a:scrgbClr r="0" g="0" b="0"/>
+      </a:fillRef>
+      <a:effectRef idx="0">
+        <a:scrgbClr r="0" g="0" b="0"/>
+      </a:effectRef>
+      <a:fontRef idx="minor">
+        <a:schemeClr val="lt1"/>
+      </a:fontRef>
+    </dgm:style>
+  </dgm:styleLbl>
+  <dgm:styleLbl name="node2">
+    <dgm:scene3d>
+      <a:camera prst="orthographicFront"/>
+      <a:lightRig rig="threePt" dir="t"/>
+    </dgm:scene3d>
+    <dgm:sp3d/>
+    <dgm:txPr/>
+    <dgm:style>
+      <a:lnRef idx="2">
+        <a:scrgbClr r="0" g="0" b="0"/>
+      </a:lnRef>
+      <a:fillRef idx="1">
+        <a:scrgbClr r="0" g="0" b="0"/>
+      </a:fillRef>
+      <a:effectRef idx="0">
+        <a:scrgbClr r="0" g="0" b="0"/>
+      </a:effectRef>
+      <a:fontRef idx="minor">
+        <a:schemeClr val="lt1"/>
+      </a:fontRef>
+    </dgm:style>
+  </dgm:styleLbl>
+  <dgm:styleLbl name="node3">
+    <dgm:scene3d>
+      <a:camera prst="orthographicFront"/>
+      <a:lightRig rig="threePt" dir="t"/>
+    </dgm:scene3d>
+    <dgm:sp3d/>
+    <dgm:txPr/>
+    <dgm:style>
+      <a:lnRef idx="2">
+        <a:scrgbClr r="0" g="0" b="0"/>
+      </a:lnRef>
+      <a:fillRef idx="1">
+        <a:scrgbClr r="0" g="0" b="0"/>
+      </a:fillRef>
+      <a:effectRef idx="0">
+        <a:scrgbClr r="0" g="0" b="0"/>
+      </a:effectRef>
+      <a:fontRef idx="minor">
+        <a:schemeClr val="lt1"/>
+      </a:fontRef>
+    </dgm:style>
+  </dgm:styleLbl>
+  <dgm:styleLbl name="node4">
+    <dgm:scene3d>
+      <a:camera prst="orthographicFront"/>
+      <a:lightRig rig="threePt" dir="t"/>
+    </dgm:scene3d>
+    <dgm:sp3d/>
+    <dgm:txPr/>
+    <dgm:style>
+      <a:lnRef idx="2">
+        <a:scrgbClr r="0" g="0" b="0"/>
+      </a:lnRef>
+      <a:fillRef idx="1">
+        <a:scrgbClr r="0" g="0" b="0"/>
+      </a:fillRef>
+      <a:effectRef idx="0">
+        <a:scrgbClr r="0" g="0" b="0"/>
+      </a:effectRef>
+      <a:fontRef idx="minor">
+        <a:schemeClr val="lt1"/>
+      </a:fontRef>
+    </dgm:style>
+  </dgm:styleLbl>
+  <dgm:styleLbl name="fgImgPlace1">
+    <dgm:scene3d>
+      <a:camera prst="orthographicFront"/>
+      <a:lightRig rig="threePt" dir="t"/>
+    </dgm:scene3d>
+    <dgm:sp3d/>
+    <dgm:txPr/>
+    <dgm:style>
+      <a:lnRef idx="2">
+        <a:scrgbClr r="0" g="0" b="0"/>
+      </a:lnRef>
+      <a:fillRef idx="1">
+        <a:scrgbClr r="0" g="0" b="0"/>
+      </a:fillRef>
+      <a:effectRef idx="0">
+        <a:scrgbClr r="0" g="0" b="0"/>
+      </a:effectRef>
+      <a:fontRef idx="minor"/>
+    </dgm:style>
+  </dgm:styleLbl>
+  <dgm:styleLbl name="alignImgPlace1">
+    <dgm:scene3d>
+      <a:camera prst="orthographicFront"/>
+      <a:lightRig rig="threePt" dir="t"/>
+    </dgm:scene3d>
+    <dgm:sp3d/>
+    <dgm:txPr/>
+    <dgm:style>
+      <a:lnRef idx="2">
+        <a:scrgbClr r="0" g="0" b="0"/>
+      </a:lnRef>
+      <a:fillRef idx="1">
+        <a:scrgbClr r="0" g="0" b="0"/>
+      </a:fillRef>
+      <a:effectRef idx="0">
+        <a:scrgbClr r="0" g="0" b="0"/>
+      </a:effectRef>
+      <a:fontRef idx="minor"/>
+    </dgm:style>
+  </dgm:styleLbl>
+  <dgm:styleLbl name="bgImgPlace1">
+    <dgm:scene3d>
+      <a:camera prst="orthographicFront"/>
+      <a:lightRig rig="threePt" dir="t"/>
+    </dgm:scene3d>
+    <dgm:sp3d/>
+    <dgm:txPr/>
+    <dgm:style>
+      <a:lnRef idx="2">
+        <a:scrgbClr r="0" g="0" b="0"/>
+      </a:lnRef>
+      <a:fillRef idx="1">
+        <a:scrgbClr r="0" g="0" b="0"/>
+      </a:fillRef>
+      <a:effectRef idx="0">
+        <a:scrgbClr r="0" g="0" b="0"/>
+      </a:effectRef>
+      <a:fontRef idx="minor"/>
+    </dgm:style>
+  </dgm:styleLbl>
+  <dgm:styleLbl name="sibTrans2D1">
+    <dgm:scene3d>
+      <a:camera prst="orthographicFront"/>
+      <a:lightRig rig="threePt" dir="t"/>
+    </dgm:scene3d>
+    <dgm:sp3d/>
+    <dgm:txPr/>
+    <dgm:style>
+      <a:lnRef idx="0">
+        <a:scrgbClr r="0" g="0" b="0"/>
+      </a:lnRef>
+      <a:fillRef idx="1">
+        <a:scrgbClr r="0" g="0" b="0"/>
+      </a:fillRef>
+      <a:effectRef idx="0">
+        <a:scrgbClr r="0" g="0" b="0"/>
+      </a:effectRef>
+      <a:fontRef idx="minor">
+        <a:schemeClr val="lt1"/>
+      </a:fontRef>
+    </dgm:style>
+  </dgm:styleLbl>
+  <dgm:styleLbl name="fgSibTrans2D1">
+    <dgm:scene3d>
+      <a:camera prst="orthographicFront"/>
+      <a:lightRig rig="threePt" dir="t"/>
+    </dgm:scene3d>
+    <dgm:sp3d/>
+    <dgm:txPr/>
+    <dgm:style>
+      <a:lnRef idx="0">
+        <a:scrgbClr r="0" g="0" b="0"/>
+      </a:lnRef>
+      <a:fillRef idx="1">
+        <a:scrgbClr r="0" g="0" b="0"/>
+      </a:fillRef>
+      <a:effectRef idx="0">
+        <a:scrgbClr r="0" g="0" b="0"/>
+      </a:effectRef>
+      <a:fontRef idx="minor">
+        <a:schemeClr val="lt1"/>
+      </a:fontRef>
+    </dgm:style>
+  </dgm:styleLbl>
+  <dgm:styleLbl name="bgSibTrans2D1">
+    <dgm:scene3d>
+      <a:camera prst="orthographicFront"/>
+      <a:lightRig rig="threePt" dir="t"/>
+    </dgm:scene3d>
+    <dgm:sp3d/>
+    <dgm:txPr/>
+    <dgm:style>
+      <a:lnRef idx="0">
+        <a:scrgbClr r="0" g="0" b="0"/>
+      </a:lnRef>
+      <a:fillRef idx="1">
+        <a:scrgbClr r="0" g="0" b="0"/>
+      </a:fillRef>
+      <a:effectRef idx="0">
+        <a:scrgbClr r="0" g="0" b="0"/>
+      </a:effectRef>
+      <a:fontRef idx="minor">
+        <a:schemeClr val="lt1"/>
+      </a:fontRef>
+    </dgm:style>
+  </dgm:styleLbl>
+  <dgm:styleLbl name="sibTrans1D1">
+    <dgm:scene3d>
+      <a:camera prst="orthographicFront"/>
+      <a:lightRig rig="threePt" dir="t"/>
+    </dgm:scene3d>
+    <dgm:sp3d/>
+    <dgm:txPr/>
+    <dgm:style>
+      <a:lnRef idx="1">
+        <a:scrgbClr r="0" g="0" b="0"/>
+      </a:lnRef>
+      <a:fillRef idx="0">
+        <a:scrgbClr r="0" g="0" b="0"/>
+      </a:fillRef>
+      <a:effectRef idx="0">
+        <a:scrgbClr r="0" g="0" b="0"/>
+      </a:effectRef>
+      <a:fontRef idx="minor"/>
+    </dgm:style>
+  </dgm:styleLbl>
+  <dgm:styleLbl name="callout">
+    <dgm:scene3d>
+      <a:camera prst="orthographicFront"/>
+      <a:lightRig rig="threePt" dir="t"/>
+    </dgm:scene3d>
+    <dgm:sp3d/>
+    <dgm:txPr/>
+    <dgm:style>
+      <a:lnRef idx="2">
+        <a:scrgbClr r="0" g="0" b="0"/>
+      </a:lnRef>
+      <a:fillRef idx="1">
+        <a:scrgbClr r="0" g="0" b="0"/>
+      </a:fillRef>
+      <a:effectRef idx="0">
+        <a:scrgbClr r="0" g="0" b="0"/>
+      </a:effectRef>
+      <a:fontRef idx="minor"/>
+    </dgm:style>
+  </dgm:styleLbl>
+  <dgm:styleLbl name="asst0">
+    <dgm:scene3d>
+      <a:camera prst="orthographicFront"/>
+      <a:lightRig rig="threePt" dir="t"/>
+    </dgm:scene3d>
+    <dgm:sp3d/>
+    <dgm:txPr/>
+    <dgm:style>
+      <a:lnRef idx="2">
+        <a:scrgbClr r="0" g="0" b="0"/>
+      </a:lnRef>
+      <a:fillRef idx="1">
+        <a:scrgbClr r="0" g="0" b="0"/>
+      </a:fillRef>
+      <a:effectRef idx="0">
+        <a:scrgbClr r="0" g="0" b="0"/>
+      </a:effectRef>
+      <a:fontRef idx="minor">
+        <a:schemeClr val="lt1"/>
+      </a:fontRef>
+    </dgm:style>
+  </dgm:styleLbl>
+  <dgm:styleLbl name="asst1">
+    <dgm:scene3d>
+      <a:camera prst="orthographicFront"/>
+      <a:lightRig rig="threePt" dir="t"/>
+    </dgm:scene3d>
+    <dgm:sp3d/>
+    <dgm:txPr/>
+    <dgm:style>
+      <a:lnRef idx="2">
+        <a:scrgbClr r="0" g="0" b="0"/>
+      </a:lnRef>
+      <a:fillRef idx="1">
+        <a:scrgbClr r="0" g="0" b="0"/>
+      </a:fillRef>
+      <a:effectRef idx="0">
+        <a:scrgbClr r="0" g="0" b="0"/>
+      </a:effectRef>
+      <a:fontRef idx="minor">
+        <a:schemeClr val="lt1"/>
+      </a:fontRef>
+    </dgm:style>
+  </dgm:styleLbl>
+  <dgm:styleLbl name="asst2">
+    <dgm:scene3d>
+      <a:camera prst="orthographicFront"/>
+      <a:lightRig rig="threePt" dir="t"/>
+    </dgm:scene3d>
+    <dgm:sp3d/>
+    <dgm:txPr/>
+    <dgm:style>
+      <a:lnRef idx="2">
+        <a:scrgbClr r="0" g="0" b="0"/>
+      </a:lnRef>
+      <a:fillRef idx="1">
+        <a:scrgbClr r="0" g="0" b="0"/>
+      </a:fillRef>
+      <a:effectRef idx="0">
+        <a:scrgbClr r="0" g="0" b="0"/>
+      </a:effectRef>
+      <a:fontRef idx="minor">
+        <a:schemeClr val="lt1"/>
+      </a:fontRef>
+    </dgm:style>
+  </dgm:styleLbl>
+  <dgm:styleLbl name="asst3">
+    <dgm:scene3d>
+      <a:camera prst="orthographicFront"/>
+      <a:lightRig rig="threePt" dir="t"/>
+    </dgm:scene3d>
+    <dgm:sp3d/>
+    <dgm:txPr/>
+    <dgm:style>
+      <a:lnRef idx="2">
+        <a:scrgbClr r="0" g="0" b="0"/>
+      </a:lnRef>
+      <a:fillRef idx="1">
+        <a:scrgbClr r="0" g="0" b="0"/>
+      </a:fillRef>
+      <a:effectRef idx="0">
+        <a:scrgbClr r="0" g="0" b="0"/>
+      </a:effectRef>
+      <a:fontRef idx="minor">
+        <a:schemeClr val="lt1"/>
+      </a:fontRef>
+    </dgm:style>
+  </dgm:styleLbl>
+  <dgm:styleLbl name="asst4">
+    <dgm:scene3d>
+      <a:camera prst="orthographicFront"/>
+      <a:lightRig rig="threePt" dir="t"/>
+    </dgm:scene3d>
+    <dgm:sp3d/>
+    <dgm:txPr/>
+    <dgm:style>
+      <a:lnRef idx="2">
+        <a:scrgbClr r="0" g="0" b="0"/>
+      </a:lnRef>
+      <a:fillRef idx="1">
+        <a:scrgbClr r="0" g="0" b="0"/>
+      </a:fillRef>
+      <a:effectRef idx="0">
+        <a:scrgbClr r="0" g="0" b="0"/>
+      </a:effectRef>
+      <a:fontRef idx="minor">
+        <a:schemeClr val="lt1"/>
+      </a:fontRef>
+    </dgm:style>
+  </dgm:styleLbl>
+  <dgm:styleLbl name="parChTrans2D1">
+    <dgm:scene3d>
+      <a:camera prst="orthographicFront"/>
+      <a:lightRig rig="threePt" dir="t"/>
+    </dgm:scene3d>
+    <dgm:sp3d/>
+    <dgm:txPr/>
+    <dgm:style>
+      <a:lnRef idx="2">
+        <a:scrgbClr r="0" g="0" b="0"/>
+      </a:lnRef>
+      <a:fillRef idx="1">
+        <a:scrgbClr r="0" g="0" b="0"/>
+      </a:fillRef>
+      <a:effectRef idx="0">
+        <a:scrgbClr r="0" g="0" b="0"/>
+      </a:effectRef>
+      <a:fontRef idx="minor">
+        <a:schemeClr val="lt1"/>
+      </a:fontRef>
+    </dgm:style>
+  </dgm:styleLbl>
+  <dgm:styleLbl name="parChTrans2D2">
+    <dgm:scene3d>
+      <a:camera prst="orthographicFront"/>
+      <a:lightRig rig="threePt" dir="t"/>
+    </dgm:scene3d>
+    <dgm:sp3d/>
+    <dgm:txPr/>
+    <dgm:style>
+      <a:lnRef idx="2">
+        <a:scrgbClr r="0" g="0" b="0"/>
+      </a:lnRef>
+      <a:fillRef idx="1">
+        <a:scrgbClr r="0" g="0" b="0"/>
+      </a:fillRef>
+      <a:effectRef idx="0">
+        <a:scrgbClr r="0" g="0" b="0"/>
+      </a:effectRef>
+      <a:fontRef idx="minor">
+        <a:schemeClr val="lt1"/>
+      </a:fontRef>
+    </dgm:style>
+  </dgm:styleLbl>
+  <dgm:styleLbl name="parChTrans2D3">
+    <dgm:scene3d>
+      <a:camera prst="orthographicFront"/>
+      <a:lightRig rig="threePt" dir="t"/>
+    </dgm:scene3d>
+    <dgm:sp3d/>
+    <dgm:txPr/>
+    <dgm:style>
+      <a:lnRef idx="2">
+        <a:scrgbClr r="0" g="0" b="0"/>
+      </a:lnRef>
+      <a:fillRef idx="1">
+        <a:scrgbClr r="0" g="0" b="0"/>
+      </a:fillRef>
+      <a:effectRef idx="0">
+        <a:scrgbClr r="0" g="0" b="0"/>
+      </a:effectRef>
+      <a:fontRef idx="minor">
+        <a:schemeClr val="lt1"/>
+      </a:fontRef>
+    </dgm:style>
+  </dgm:styleLbl>
+  <dgm:styleLbl name="parChTrans2D4">
+    <dgm:scene3d>
+      <a:camera prst="orthographicFront"/>
+      <a:lightRig rig="threePt" dir="t"/>
+    </dgm:scene3d>
+    <dgm:sp3d/>
+    <dgm:txPr/>
+    <dgm:style>
+      <a:lnRef idx="2">
+        <a:scrgbClr r="0" g="0" b="0"/>
+      </a:lnRef>
+      <a:fillRef idx="1">
+        <a:scrgbClr r="0" g="0" b="0"/>
+      </a:fillRef>
+      <a:effectRef idx="0">
+        <a:scrgbClr r="0" g="0" b="0"/>
+      </a:effectRef>
+      <a:fontRef idx="minor">
+        <a:schemeClr val="lt1"/>
+      </a:fontRef>
+    </dgm:style>
+  </dgm:styleLbl>
+  <dgm:styleLbl name="parChTrans1D1">
+    <dgm:scene3d>
+      <a:camera prst="orthographicFront"/>
+      <a:lightRig rig="threePt" dir="t"/>
+    </dgm:scene3d>
+    <dgm:sp3d/>
+    <dgm:txPr/>
+    <dgm:style>
+      <a:lnRef idx="2">
+        <a:scrgbClr r="0" g="0" b="0"/>
+      </a:lnRef>
+      <a:fillRef idx="0">
+        <a:scrgbClr r="0" g="0" b="0"/>
+      </a:fillRef>
+      <a:effectRef idx="0">
+        <a:scrgbClr r="0" g="0" b="0"/>
+      </a:effectRef>
+      <a:fontRef idx="minor"/>
+    </dgm:style>
+  </dgm:styleLbl>
+  <dgm:styleLbl name="parChTrans1D2">
+    <dgm:scene3d>
+      <a:camera prst="orthographicFront"/>
+      <a:lightRig rig="threePt" dir="t"/>
+    </dgm:scene3d>
+    <dgm:sp3d/>
+    <dgm:txPr/>
+    <dgm:style>
+      <a:lnRef idx="2">
+        <a:scrgbClr r="0" g="0" b="0"/>
+      </a:lnRef>
+      <a:fillRef idx="0">
+        <a:scrgbClr r="0" g="0" b="0"/>
+      </a:fillRef>
+      <a:effectRef idx="0">
+        <a:scrgbClr r="0" g="0" b="0"/>
+      </a:effectRef>
+      <a:fontRef idx="minor"/>
+    </dgm:style>
+  </dgm:styleLbl>
+  <dgm:styleLbl name="parChTrans1D3">
+    <dgm:scene3d>
+      <a:camera prst="orthographicFront"/>
+      <a:lightRig rig="threePt" dir="t"/>
+    </dgm:scene3d>
+    <dgm:sp3d/>
+    <dgm:txPr/>
+    <dgm:style>
+      <a:lnRef idx="2">
+        <a:scrgbClr r="0" g="0" b="0"/>
+      </a:lnRef>
+      <a:fillRef idx="0">
+        <a:scrgbClr r="0" g="0" b="0"/>
+      </a:fillRef>
+      <a:effectRef idx="0">
+        <a:scrgbClr r="0" g="0" b="0"/>
+      </a:effectRef>
+      <a:fontRef idx="minor"/>
+    </dgm:style>
+  </dgm:styleLbl>
+  <dgm:styleLbl name="parChTrans1D4">
+    <dgm:scene3d>
+      <a:camera prst="orthographicFront"/>
+      <a:lightRig rig="threePt" dir="t"/>
+    </dgm:scene3d>
+    <dgm:sp3d/>
+    <dgm:txPr/>
+    <dgm:style>
+      <a:lnRef idx="2">
+        <a:scrgbClr r="0" g="0" b="0"/>
+      </a:lnRef>
+      <a:fillRef idx="0">
+        <a:scrgbClr r="0" g="0" b="0"/>
+      </a:fillRef>
+      <a:effectRef idx="0">
+        <a:scrgbClr r="0" g="0" b="0"/>
+      </a:effectRef>
+      <a:fontRef idx="minor"/>
+    </dgm:style>
+  </dgm:styleLbl>
+  <dgm:styleLbl name="fgAcc1">
+    <dgm:scene3d>
+      <a:camera prst="orthographicFront"/>
+      <a:lightRig rig="threePt" dir="t"/>
+    </dgm:scene3d>
+    <dgm:sp3d/>
+    <dgm:txPr/>
+    <dgm:style>
+      <a:lnRef idx="2">
+        <a:scrgbClr r="0" g="0" b="0"/>
+      </a:lnRef>
+      <a:fillRef idx="1">
+        <a:scrgbClr r="0" g="0" b="0"/>
+      </a:fillRef>
+      <a:effectRef idx="0">
+        <a:scrgbClr r="0" g="0" b="0"/>
+      </a:effectRef>
+      <a:fontRef idx="minor"/>
+    </dgm:style>
+  </dgm:styleLbl>
+  <dgm:styleLbl name="conFgAcc1">
+    <dgm:scene3d>
+      <a:camera prst="orthographicFront"/>
+      <a:lightRig rig="threePt" dir="t"/>
+    </dgm:scene3d>
+    <dgm:sp3d/>
+    <dgm:txPr/>
+    <dgm:style>
+      <a:lnRef idx="2">
+        <a:scrgbClr r="0" g="0" b="0"/>
+      </a:lnRef>
+      <a:fillRef idx="1">
+        <a:scrgbClr r="0" g="0" b="0"/>
+      </a:fillRef>
+      <a:effectRef idx="0">
+        <a:scrgbClr r="0" g="0" b="0"/>
+      </a:effectRef>
+      <a:fontRef idx="minor"/>
+    </dgm:style>
+  </dgm:styleLbl>
+  <dgm:styleLbl name="alignAcc1">
+    <dgm:scene3d>
+      <a:camera prst="orthographicFront"/>
+      <a:lightRig rig="threePt" dir="t"/>
+    </dgm:scene3d>
+    <dgm:sp3d/>
+    <dgm:txPr/>
+    <dgm:style>
+      <a:lnRef idx="2">
+        <a:scrgbClr r="0" g="0" b="0"/>
+      </a:lnRef>
+      <a:fillRef idx="1">
+        <a:scrgbClr r="0" g="0" b="0"/>
+      </a:fillRef>
+      <a:effectRef idx="0">
+        <a:scrgbClr r="0" g="0" b="0"/>
+      </a:effectRef>
+      <a:fontRef idx="minor"/>
+    </dgm:style>
+  </dgm:styleLbl>
+  <dgm:styleLbl name="trAlignAcc1">
+    <dgm:scene3d>
+      <a:camera prst="orthographicFront"/>
+      <a:lightRig rig="threePt" dir="t"/>
+    </dgm:scene3d>
+    <dgm:sp3d/>
+    <dgm:txPr/>
+    <dgm:style>
+      <a:lnRef idx="1">
+        <a:scrgbClr r="0" g="0" b="0"/>
+      </a:lnRef>
+      <a:fillRef idx="1">
+        <a:scrgbClr r="0" g="0" b="0"/>
+      </a:fillRef>
+      <a:effectRef idx="0">
+        <a:scrgbClr r="0" g="0" b="0"/>
+      </a:effectRef>
+      <a:fontRef idx="minor"/>
+    </dgm:style>
+  </dgm:styleLbl>
+  <dgm:styleLbl name="bgAcc1">
+    <dgm:scene3d>
+      <a:camera prst="orthographicFront"/>
+      <a:lightRig rig="threePt" dir="t"/>
+    </dgm:scene3d>
+    <dgm:sp3d/>
+    <dgm:txPr/>
+    <dgm:style>
+      <a:lnRef idx="2">
+        <a:scrgbClr r="0" g="0" b="0"/>
+      </a:lnRef>
+      <a:fillRef idx="1">
+        <a:scrgbClr r="0" g="0" b="0"/>
+      </a:fillRef>
+      <a:effectRef idx="0">
+        <a:scrgbClr r="0" g="0" b="0"/>
+      </a:effectRef>
+      <a:fontRef idx="minor"/>
+    </dgm:style>
+  </dgm:styleLbl>
+  <dgm:styleLbl name="solidFgAcc1">
+    <dgm:scene3d>
+      <a:camera prst="orthographicFront"/>
+      <a:lightRig rig="threePt" dir="t"/>
+    </dgm:scene3d>
+    <dgm:sp3d/>
+    <dgm:txPr/>
+    <dgm:style>
+      <a:lnRef idx="2">
+        <a:scrgbClr r="0" g="0" b="0"/>
+      </a:lnRef>
+      <a:fillRef idx="1">
+        <a:scrgbClr r="0" g="0" b="0"/>
+      </a:fillRef>
+      <a:effectRef idx="0">
+        <a:scrgbClr r="0" g="0" b="0"/>
+      </a:effectRef>
+      <a:fontRef idx="minor"/>
+    </dgm:style>
+  </dgm:styleLbl>
+  <dgm:styleLbl name="solidAlignAcc1">
+    <dgm:scene3d>
+      <a:camera prst="orthographicFront"/>
+      <a:lightRig rig="threePt" dir="t"/>
+    </dgm:scene3d>
+    <dgm:sp3d/>
+    <dgm:txPr/>
+    <dgm:style>
+      <a:lnRef idx="2">
+        <a:scrgbClr r="0" g="0" b="0"/>
+      </a:lnRef>
+      <a:fillRef idx="1">
+        <a:scrgbClr r="0" g="0" b="0"/>
+      </a:fillRef>
+      <a:effectRef idx="0">
+        <a:scrgbClr r="0" g="0" b="0"/>
+      </a:effectRef>
+      <a:fontRef idx="minor"/>
+    </dgm:style>
+  </dgm:styleLbl>
+  <dgm:styleLbl name="solidBgAcc1">
+    <dgm:scene3d>
+      <a:camera prst="orthographicFront"/>
+      <a:lightRig rig="threePt" dir="t"/>
+    </dgm:scene3d>
+    <dgm:sp3d/>
+    <dgm:txPr/>
+    <dgm:style>
+      <a:lnRef idx="2">
+        <a:scrgbClr r="0" g="0" b="0"/>
+      </a:lnRef>
+      <a:fillRef idx="1">
+        <a:scrgbClr r="0" g="0" b="0"/>
+      </a:fillRef>
+      <a:effectRef idx="0">
+        <a:scrgbClr r="0" g="0" b="0"/>
+      </a:effectRef>
+      <a:fontRef idx="minor"/>
+    </dgm:style>
+  </dgm:styleLbl>
+  <dgm:styleLbl name="fgAccFollowNode1">
+    <dgm:scene3d>
+      <a:camera prst="orthographicFront"/>
+      <a:lightRig rig="threePt" dir="t"/>
+    </dgm:scene3d>
+    <dgm:sp3d/>
+    <dgm:txPr/>
+    <dgm:style>
+      <a:lnRef idx="2">
+        <a:scrgbClr r="0" g="0" b="0"/>
+      </a:lnRef>
+      <a:fillRef idx="1">
+        <a:scrgbClr r="0" g="0" b="0"/>
+      </a:fillRef>
+      <a:effectRef idx="0">
+        <a:scrgbClr r="0" g="0" b="0"/>
+      </a:effectRef>
+      <a:fontRef idx="minor"/>
+    </dgm:style>
+  </dgm:styleLbl>
+  <dgm:styleLbl name="alignAccFollowNode1">
+    <dgm:scene3d>
+      <a:camera prst="orthographicFront"/>
+      <a:lightRig rig="threePt" dir="t"/>
+    </dgm:scene3d>
+    <dgm:sp3d/>
+    <dgm:txPr/>
+    <dgm:style>
+      <a:lnRef idx="2">
+        <a:scrgbClr r="0" g="0" b="0"/>
+      </a:lnRef>
+      <a:fillRef idx="1">
+        <a:scrgbClr r="0" g="0" b="0"/>
+      </a:fillRef>
+      <a:effectRef idx="0">
+        <a:scrgbClr r="0" g="0" b="0"/>
+      </a:effectRef>
+      <a:fontRef idx="minor"/>
+    </dgm:style>
+  </dgm:styleLbl>
+  <dgm:styleLbl name="bgAccFollowNode1">
+    <dgm:scene3d>
+      <a:camera prst="orthographicFront"/>
+      <a:lightRig rig="threePt" dir="t"/>
+    </dgm:scene3d>
+    <dgm:sp3d/>
+    <dgm:txPr/>
+    <dgm:style>
+      <a:lnRef idx="2">
+        <a:scrgbClr r="0" g="0" b="0"/>
+      </a:lnRef>
+      <a:fillRef idx="1">
+        <a:scrgbClr r="0" g="0" b="0"/>
+      </a:fillRef>
+      <a:effectRef idx="0">
+        <a:scrgbClr r="0" g="0" b="0"/>
+      </a:effectRef>
+      <a:fontRef idx="minor"/>
+    </dgm:style>
+  </dgm:styleLbl>
+  <dgm:styleLbl name="fgAcc0">
+    <dgm:scene3d>
+      <a:camera prst="orthographicFront"/>
+      <a:lightRig rig="threePt" dir="t"/>
+    </dgm:scene3d>
+    <dgm:sp3d/>
+    <dgm:txPr/>
+    <dgm:style>
+      <a:lnRef idx="2">
+        <a:scrgbClr r="0" g="0" b="0"/>
+      </a:lnRef>
+      <a:fillRef idx="1">
+        <a:scrgbClr r="0" g="0" b="0"/>
+      </a:fillRef>
+      <a:effectRef idx="0">
+        <a:scrgbClr r="0" g="0" b="0"/>
+      </a:effectRef>
+      <a:fontRef idx="minor"/>
+    </dgm:style>
+  </dgm:styleLbl>
+  <dgm:styleLbl name="fgAcc2">
+    <dgm:scene3d>
+      <a:camera prst="orthographicFront"/>
+      <a:lightRig rig="threePt" dir="t"/>
+    </dgm:scene3d>
+    <dgm:sp3d/>
+    <dgm:txPr/>
+    <dgm:style>
+      <a:lnRef idx="2">
+        <a:scrgbClr r="0" g="0" b="0"/>
+      </a:lnRef>
+      <a:fillRef idx="1">
+        <a:scrgbClr r="0" g="0" b="0"/>
+      </a:fillRef>
+      <a:effectRef idx="0">
+        <a:scrgbClr r="0" g="0" b="0"/>
+      </a:effectRef>
+      <a:fontRef idx="minor"/>
+    </dgm:style>
+  </dgm:styleLbl>
+  <dgm:styleLbl name="fgAcc3">
+    <dgm:scene3d>
+      <a:camera prst="orthographicFront"/>
+      <a:lightRig rig="threePt" dir="t"/>
+    </dgm:scene3d>
+    <dgm:sp3d/>
+    <dgm:txPr/>
+    <dgm:style>
+      <a:lnRef idx="2">
+        <a:scrgbClr r="0" g="0" b="0"/>
+      </a:lnRef>
+      <a:fillRef idx="1">
+        <a:scrgbClr r="0" g="0" b="0"/>
+      </a:fillRef>
+      <a:effectRef idx="0">
+        <a:scrgbClr r="0" g="0" b="0"/>
+      </a:effectRef>
+      <a:fontRef idx="minor"/>
+    </dgm:style>
+  </dgm:styleLbl>
+  <dgm:styleLbl name="fgAcc4">
+    <dgm:scene3d>
+      <a:camera prst="orthographicFront"/>
+      <a:lightRig rig="threePt" dir="t"/>
+    </dgm:scene3d>
+    <dgm:sp3d/>
+    <dgm:txPr/>
+    <dgm:style>
+      <a:lnRef idx="2">
+        <a:scrgbClr r="0" g="0" b="0"/>
+      </a:lnRef>
+      <a:fillRef idx="1">
+        <a:scrgbClr r="0" g="0" b="0"/>
+      </a:fillRef>
+      <a:effectRef idx="0">
+        <a:scrgbClr r="0" g="0" b="0"/>
+      </a:effectRef>
+      <a:fontRef idx="minor"/>
+    </dgm:style>
+  </dgm:styleLbl>
+  <dgm:styleLbl name="bgShp">
+    <dgm:scene3d>
+      <a:camera prst="orthographicFront"/>
+      <a:lightRig rig="threePt" dir="t"/>
+    </dgm:scene3d>
+    <dgm:sp3d/>
+    <dgm:txPr/>
+    <dgm:style>
+      <a:lnRef idx="0">
+        <a:scrgbClr r="0" g="0" b="0"/>
+      </a:lnRef>
+      <a:fillRef idx="1">
+        <a:scrgbClr r="0" g="0" b="0"/>
+      </a:fillRef>
+      <a:effectRef idx="0">
+        <a:scrgbClr r="0" g="0" b="0"/>
+      </a:effectRef>
+      <a:fontRef idx="minor"/>
+    </dgm:style>
+  </dgm:styleLbl>
+  <dgm:styleLbl name="dkBgShp">
+    <dgm:scene3d>
+      <a:camera prst="orthographicFront"/>
+      <a:lightRig rig="threePt" dir="t"/>
+    </dgm:scene3d>
+    <dgm:sp3d/>
+    <dgm:txPr/>
+    <dgm:style>
+      <a:lnRef idx="0">
+        <a:scrgbClr r="0" g="0" b="0"/>
+      </a:lnRef>
+      <a:fillRef idx="1">
+        <a:scrgbClr r="0" g="0" b="0"/>
+      </a:fillRef>
+      <a:effectRef idx="0">
+        <a:scrgbClr r="0" g="0" b="0"/>
+      </a:effectRef>
+      <a:fontRef idx="minor"/>
+    </dgm:style>
+  </dgm:styleLbl>
+  <dgm:styleLbl name="trBgShp">
+    <dgm:scene3d>
+      <a:camera prst="orthographicFront"/>
+      <a:lightRig rig="threePt" dir="t"/>
+    </dgm:scene3d>
+    <dgm:sp3d/>
+    <dgm:txPr/>
+    <dgm:style>
+      <a:lnRef idx="0">
+        <a:scrgbClr r="0" g="0" b="0"/>
+      </a:lnRef>
+      <a:fillRef idx="1">
+        <a:scrgbClr r="0" g="0" b="0"/>
+      </a:fillRef>
+      <a:effectRef idx="0">
+        <a:scrgbClr r="0" g="0" b="0"/>
+      </a:effectRef>
+      <a:fontRef idx="minor"/>
+    </dgm:style>
+  </dgm:styleLbl>
+  <dgm:styleLbl name="fgShp">
+    <dgm:scene3d>
+      <a:camera prst="orthographicFront"/>
+      <a:lightRig rig="threePt" dir="t"/>
+    </dgm:scene3d>
+    <dgm:sp3d/>
+    <dgm:txPr/>
+    <dgm:style>
+      <a:lnRef idx="2">
+        <a:scrgbClr r="0" g="0" b="0"/>
+      </a:lnRef>
+      <a:fillRef idx="1">
+        <a:scrgbClr r="0" g="0" b="0"/>
+      </a:fillRef>
+      <a:effectRef idx="0">
+        <a:scrgbClr r="0" g="0" b="0"/>
+      </a:effectRef>
+      <a:fontRef idx="minor"/>
+    </dgm:style>
+  </dgm:styleLbl>
+  <dgm:styleLbl name="revTx">
+    <dgm:scene3d>
+      <a:camera prst="orthographicFront"/>
+      <a:lightRig rig="threePt" dir="t"/>
+    </dgm:scene3d>
+    <dgm:sp3d/>
+    <dgm:txPr/>
+    <dgm:style>
+      <a:lnRef idx="0">
+        <a:scrgbClr r="0" g="0" b="0"/>
+      </a:lnRef>
+      <a:fillRef idx="0">
+        <a:scrgbClr r="0" g="0" b="0"/>
+      </a:fillRef>
+      <a:effectRef idx="0">
+        <a:scrgbClr r="0" g="0" b="0"/>
+      </a:effectRef>
+      <a:fontRef idx="minor"/>
+    </dgm:style>
+  </dgm:styleLbl>
+</dgm:styleDef>
+</file>
+
 <file path=ppt/slideLayouts/slideLayout1.xml><?xml version="1.0" encoding="utf-8"?>
 <p:sldLayout xmlns:a="http://schemas.openxmlformats.org/drawingml/2006/main" xmlns:r="http://schemas.openxmlformats.org/officeDocument/2006/relationships" xmlns:p="http://schemas.openxmlformats.org/presentationml/2006/main" type="title" preserve="1">
   <p:cSld name="Title Slide">
@@ -2838,7 +5816,7 @@
           <a:p>
             <a:fld id="{2395C5C9-164C-46B3-A87E-7660D39D3106}" type="datetime2">
               <a:rPr lang="en-US" smtClean="0"/>
-              <a:t>Tuesday, June 22, 2021</a:t>
+              <a:t>Thursday, June 24, 2021</a:t>
             </a:fld>
             <a:endParaRPr lang="en-US" dirty="0"/>
           </a:p>
@@ -2897,7 +5875,7 @@
           <a:p>
             <a:fld id="{1621B6DD-29C1-4FEA-923F-71EA1347694C}" type="slidenum">
               <a:rPr lang="en-US" smtClean="0"/>
-              <a:t>‹#›</a:t>
+              <a:t>‹Nr.›</a:t>
             </a:fld>
             <a:endParaRPr lang="en-US"/>
           </a:p>
@@ -3043,7 +6021,7 @@
           <a:p>
             <a:fld id="{5B75179A-1E2B-41AB-B400-4F1B4022FAEE}" type="datetime2">
               <a:rPr lang="en-US" smtClean="0"/>
-              <a:t>Tuesday, June 22, 2021</a:t>
+              <a:t>Thursday, June 24, 2021</a:t>
             </a:fld>
             <a:endParaRPr lang="en-US"/>
           </a:p>
@@ -3100,7 +6078,7 @@
           <a:p>
             <a:fld id="{1621B6DD-29C1-4FEA-923F-71EA1347694C}" type="slidenum">
               <a:rPr lang="en-US" smtClean="0"/>
-              <a:t>‹#›</a:t>
+              <a:t>‹Nr.›</a:t>
             </a:fld>
             <a:endParaRPr lang="en-US"/>
           </a:p>
@@ -3256,7 +6234,7 @@
           <a:p>
             <a:fld id="{05681D0F-6595-4F14-8EF3-954CD87C797B}" type="datetime2">
               <a:rPr lang="en-US" smtClean="0"/>
-              <a:t>Tuesday, June 22, 2021</a:t>
+              <a:t>Thursday, June 24, 2021</a:t>
             </a:fld>
             <a:endParaRPr lang="en-US"/>
           </a:p>
@@ -3313,7 +6291,7 @@
           <a:p>
             <a:fld id="{1621B6DD-29C1-4FEA-923F-71EA1347694C}" type="slidenum">
               <a:rPr lang="en-US" smtClean="0"/>
-              <a:t>‹#›</a:t>
+              <a:t>‹Nr.›</a:t>
             </a:fld>
             <a:endParaRPr lang="en-US"/>
           </a:p>
@@ -3459,7 +6437,7 @@
           <a:p>
             <a:fld id="{4DDCFF8A-AAF8-4A12-8A91-9CA0EAF6CBB9}" type="datetime2">
               <a:rPr lang="en-US" smtClean="0"/>
-              <a:t>Tuesday, June 22, 2021</a:t>
+              <a:t>Thursday, June 24, 2021</a:t>
             </a:fld>
             <a:endParaRPr lang="en-US" dirty="0"/>
           </a:p>
@@ -3518,7 +6496,7 @@
           <a:p>
             <a:fld id="{1621B6DD-29C1-4FEA-923F-71EA1347694C}" type="slidenum">
               <a:rPr lang="en-US" smtClean="0"/>
-              <a:t>‹#›</a:t>
+              <a:t>‹Nr.›</a:t>
             </a:fld>
             <a:endParaRPr lang="en-US"/>
           </a:p>
@@ -3740,7 +6718,7 @@
           <a:p>
             <a:fld id="{ABCC25C3-021A-4B0B-8F70-0C181FE1CF45}" type="datetime2">
               <a:rPr lang="en-US" smtClean="0"/>
-              <a:t>Tuesday, June 22, 2021</a:t>
+              <a:t>Thursday, June 24, 2021</a:t>
             </a:fld>
             <a:endParaRPr lang="en-US"/>
           </a:p>
@@ -3799,7 +6777,7 @@
           <a:p>
             <a:fld id="{1621B6DD-29C1-4FEA-923F-71EA1347694C}" type="slidenum">
               <a:rPr lang="en-US" smtClean="0"/>
-              <a:t>‹#›</a:t>
+              <a:t>‹Nr.›</a:t>
             </a:fld>
             <a:endParaRPr lang="en-US"/>
           </a:p>
@@ -4013,7 +6991,7 @@
           <a:p>
             <a:fld id="{0C23D88D-8CEC-4ED9-A53B-5596187D9A16}" type="datetime2">
               <a:rPr lang="en-US" smtClean="0"/>
-              <a:t>Tuesday, June 22, 2021</a:t>
+              <a:t>Thursday, June 24, 2021</a:t>
             </a:fld>
             <a:endParaRPr lang="en-US"/>
           </a:p>
@@ -4070,7 +7048,7 @@
           <a:p>
             <a:fld id="{1621B6DD-29C1-4FEA-923F-71EA1347694C}" type="slidenum">
               <a:rPr lang="en-US" smtClean="0"/>
-              <a:t>‹#›</a:t>
+              <a:t>‹Nr.›</a:t>
             </a:fld>
             <a:endParaRPr lang="en-US"/>
           </a:p>
@@ -4431,7 +7409,7 @@
           <a:p>
             <a:fld id="{D2CCD382-DFDA-4722-A27A-59C21AD112F2}" type="datetime2">
               <a:rPr lang="en-US" smtClean="0"/>
-              <a:t>Tuesday, June 22, 2021</a:t>
+              <a:t>Thursday, June 24, 2021</a:t>
             </a:fld>
             <a:endParaRPr lang="en-US"/>
           </a:p>
@@ -4488,7 +7466,7 @@
           <a:p>
             <a:fld id="{1621B6DD-29C1-4FEA-923F-71EA1347694C}" type="slidenum">
               <a:rPr lang="en-US" smtClean="0"/>
-              <a:t>‹#›</a:t>
+              <a:t>‹Nr.›</a:t>
             </a:fld>
             <a:endParaRPr lang="en-US"/>
           </a:p>
@@ -4576,7 +7554,7 @@
           <a:p>
             <a:fld id="{22F2A30D-1C09-413F-AAB1-38F366000715}" type="datetime2">
               <a:rPr lang="en-US" smtClean="0"/>
-              <a:t>Tuesday, June 22, 2021</a:t>
+              <a:t>Thursday, June 24, 2021</a:t>
             </a:fld>
             <a:endParaRPr lang="en-US"/>
           </a:p>
@@ -4633,7 +7611,7 @@
           <a:p>
             <a:fld id="{1621B6DD-29C1-4FEA-923F-71EA1347694C}" type="slidenum">
               <a:rPr lang="en-US" smtClean="0"/>
-              <a:t>‹#›</a:t>
+              <a:t>‹Nr.›</a:t>
             </a:fld>
             <a:endParaRPr lang="en-US"/>
           </a:p>
@@ -4692,7 +7670,7 @@
           <a:p>
             <a:fld id="{6DB82B9C-D65E-4F64-95C3-B10F3B00F0D9}" type="datetime2">
               <a:rPr lang="en-US" smtClean="0"/>
-              <a:t>Tuesday, June 22, 2021</a:t>
+              <a:t>Thursday, June 24, 2021</a:t>
             </a:fld>
             <a:endParaRPr lang="en-US"/>
           </a:p>
@@ -4749,7 +7727,7 @@
           <a:p>
             <a:fld id="{1621B6DD-29C1-4FEA-923F-71EA1347694C}" type="slidenum">
               <a:rPr lang="en-US" smtClean="0"/>
-              <a:t>‹#›</a:t>
+              <a:t>‹Nr.›</a:t>
             </a:fld>
             <a:endParaRPr lang="en-US"/>
           </a:p>
@@ -5008,7 +7986,7 @@
           <a:p>
             <a:fld id="{B7F5FDCC-6AAC-4A08-B9E0-3793AB5E64C3}" type="datetime2">
               <a:rPr lang="en-US" smtClean="0"/>
-              <a:t>Tuesday, June 22, 2021</a:t>
+              <a:t>Thursday, June 24, 2021</a:t>
             </a:fld>
             <a:endParaRPr lang="en-US"/>
           </a:p>
@@ -5065,7 +8043,7 @@
           <a:p>
             <a:fld id="{1621B6DD-29C1-4FEA-923F-71EA1347694C}" type="slidenum">
               <a:rPr lang="en-US" smtClean="0"/>
-              <a:t>‹#›</a:t>
+              <a:t>‹Nr.›</a:t>
             </a:fld>
             <a:endParaRPr lang="en-US"/>
           </a:p>
@@ -5300,7 +8278,7 @@
           <a:p>
             <a:fld id="{349FE94D-439C-40F1-900E-BC07940E3988}" type="datetime2">
               <a:rPr lang="en-US" smtClean="0"/>
-              <a:t>Tuesday, June 22, 2021</a:t>
+              <a:t>Thursday, June 24, 2021</a:t>
             </a:fld>
             <a:endParaRPr lang="en-US"/>
           </a:p>
@@ -5357,7 +8335,7 @@
           <a:p>
             <a:fld id="{1621B6DD-29C1-4FEA-923F-71EA1347694C}" type="slidenum">
               <a:rPr lang="en-US" smtClean="0"/>
-              <a:t>‹#›</a:t>
+              <a:t>‹Nr.›</a:t>
             </a:fld>
             <a:endParaRPr lang="en-US"/>
           </a:p>
@@ -5546,7 +8524,7 @@
           <a:p>
             <a:fld id="{8DEA2CF1-0EB2-4673-802D-3371233E4A77}" type="datetime2">
               <a:rPr lang="en-US" smtClean="0"/>
-              <a:t>Tuesday, June 22, 2021</a:t>
+              <a:t>Thursday, June 24, 2021</a:t>
             </a:fld>
             <a:endParaRPr lang="en-US" dirty="0"/>
           </a:p>
@@ -5642,7 +8620,7 @@
             <a:fld id="{1621B6DD-29C1-4FEA-923F-71EA1347694C}" type="slidenum">
               <a:rPr lang="en-US" smtClean="0"/>
               <a:pPr/>
-              <a:t>‹#›</a:t>
+              <a:t>‹Nr.›</a:t>
             </a:fld>
             <a:endParaRPr lang="en-US" dirty="0"/>
           </a:p>
@@ -6727,6 +9705,240 @@
           </a:p>
         </p:txBody>
       </p:sp>
+      <p:pic>
+        <p:nvPicPr>
+          <p:cNvPr id="5" name="Grafik 4" descr="Schlafen Silhouette">
+            <a:extLst>
+              <a:ext uri="{FF2B5EF4-FFF2-40B4-BE49-F238E27FC236}">
+                <a16:creationId xmlns:a16="http://schemas.microsoft.com/office/drawing/2014/main" id="{6D4AB9B0-D524-4982-A266-B2CD54ED2D2F}"/>
+              </a:ext>
+            </a:extLst>
+          </p:cNvPr>
+          <p:cNvPicPr>
+            <a:picLocks noChangeAspect="1"/>
+          </p:cNvPicPr>
+          <p:nvPr/>
+        </p:nvPicPr>
+        <p:blipFill>
+          <a:blip r:embed="rId3">
+            <a:extLst>
+              <a:ext uri="{28A0092B-C50C-407E-A947-70E740481C1C}">
+                <a14:useLocalDpi xmlns:a14="http://schemas.microsoft.com/office/drawing/2010/main" val="0"/>
+              </a:ext>
+              <a:ext uri="{96DAC541-7B7A-43D3-8B79-37D633B846F1}">
+                <asvg:svgBlip xmlns:asvg="http://schemas.microsoft.com/office/drawing/2016/SVG/main" r:embed="rId4"/>
+              </a:ext>
+            </a:extLst>
+          </a:blip>
+          <a:stretch>
+            <a:fillRect/>
+          </a:stretch>
+        </p:blipFill>
+        <p:spPr>
+          <a:xfrm>
+            <a:off x="9767943" y="5455527"/>
+            <a:ext cx="1255305" cy="1255305"/>
+          </a:xfrm>
+          <a:prstGeom prst="rect">
+            <a:avLst/>
+          </a:prstGeom>
+        </p:spPr>
+      </p:pic>
+      <p:pic>
+        <p:nvPicPr>
+          <p:cNvPr id="7" name="Grafik 6" descr="Erdgeschoss Silhouette">
+            <a:extLst>
+              <a:ext uri="{FF2B5EF4-FFF2-40B4-BE49-F238E27FC236}">
+                <a16:creationId xmlns:a16="http://schemas.microsoft.com/office/drawing/2014/main" id="{E2454244-2533-4065-90BB-9744088B188D}"/>
+              </a:ext>
+            </a:extLst>
+          </p:cNvPr>
+          <p:cNvPicPr>
+            <a:picLocks noChangeAspect="1"/>
+          </p:cNvPicPr>
+          <p:nvPr/>
+        </p:nvPicPr>
+        <p:blipFill>
+          <a:blip r:embed="rId5">
+            <a:extLst>
+              <a:ext uri="{28A0092B-C50C-407E-A947-70E740481C1C}">
+                <a14:useLocalDpi xmlns:a14="http://schemas.microsoft.com/office/drawing/2010/main" val="0"/>
+              </a:ext>
+              <a:ext uri="{96DAC541-7B7A-43D3-8B79-37D633B846F1}">
+                <asvg:svgBlip xmlns:asvg="http://schemas.microsoft.com/office/drawing/2016/SVG/main" r:embed="rId6"/>
+              </a:ext>
+            </a:extLst>
+          </a:blip>
+          <a:stretch>
+            <a:fillRect/>
+          </a:stretch>
+        </p:blipFill>
+        <p:spPr>
+          <a:xfrm>
+            <a:off x="4729328" y="5455527"/>
+            <a:ext cx="1255305" cy="1255305"/>
+          </a:xfrm>
+          <a:prstGeom prst="rect">
+            <a:avLst/>
+          </a:prstGeom>
+        </p:spPr>
+      </p:pic>
+      <p:pic>
+        <p:nvPicPr>
+          <p:cNvPr id="11" name="Grafik 10" descr="Oben Silhouette">
+            <a:extLst>
+              <a:ext uri="{FF2B5EF4-FFF2-40B4-BE49-F238E27FC236}">
+                <a16:creationId xmlns:a16="http://schemas.microsoft.com/office/drawing/2014/main" id="{D800BF92-186E-49A5-9156-8CCC68244BD9}"/>
+              </a:ext>
+            </a:extLst>
+          </p:cNvPr>
+          <p:cNvPicPr>
+            <a:picLocks noChangeAspect="1"/>
+          </p:cNvPicPr>
+          <p:nvPr/>
+        </p:nvPicPr>
+        <p:blipFill>
+          <a:blip r:embed="rId7">
+            <a:extLst>
+              <a:ext uri="{28A0092B-C50C-407E-A947-70E740481C1C}">
+                <a14:useLocalDpi xmlns:a14="http://schemas.microsoft.com/office/drawing/2010/main" val="0"/>
+              </a:ext>
+              <a:ext uri="{96DAC541-7B7A-43D3-8B79-37D633B846F1}">
+                <asvg:svgBlip xmlns:asvg="http://schemas.microsoft.com/office/drawing/2016/SVG/main" r:embed="rId8"/>
+              </a:ext>
+            </a:extLst>
+          </a:blip>
+          <a:stretch>
+            <a:fillRect/>
+          </a:stretch>
+        </p:blipFill>
+        <p:spPr>
+          <a:xfrm>
+            <a:off x="3049789" y="5455527"/>
+            <a:ext cx="1255305" cy="1255305"/>
+          </a:xfrm>
+          <a:prstGeom prst="rect">
+            <a:avLst/>
+          </a:prstGeom>
+        </p:spPr>
+      </p:pic>
+      <p:pic>
+        <p:nvPicPr>
+          <p:cNvPr id="15" name="Grafik 14" descr="Mann Silhouette">
+            <a:extLst>
+              <a:ext uri="{FF2B5EF4-FFF2-40B4-BE49-F238E27FC236}">
+                <a16:creationId xmlns:a16="http://schemas.microsoft.com/office/drawing/2014/main" id="{30A36F35-E47E-44B4-85C8-951ECBAD4BF9}"/>
+              </a:ext>
+            </a:extLst>
+          </p:cNvPr>
+          <p:cNvPicPr>
+            <a:picLocks noChangeAspect="1"/>
+          </p:cNvPicPr>
+          <p:nvPr/>
+        </p:nvPicPr>
+        <p:blipFill>
+          <a:blip r:embed="rId9">
+            <a:extLst>
+              <a:ext uri="{28A0092B-C50C-407E-A947-70E740481C1C}">
+                <a14:useLocalDpi xmlns:a14="http://schemas.microsoft.com/office/drawing/2010/main" val="0"/>
+              </a:ext>
+              <a:ext uri="{96DAC541-7B7A-43D3-8B79-37D633B846F1}">
+                <asvg:svgBlip xmlns:asvg="http://schemas.microsoft.com/office/drawing/2016/SVG/main" r:embed="rId10"/>
+              </a:ext>
+            </a:extLst>
+          </a:blip>
+          <a:stretch>
+            <a:fillRect/>
+          </a:stretch>
+        </p:blipFill>
+        <p:spPr>
+          <a:xfrm>
+            <a:off x="8088406" y="5455527"/>
+            <a:ext cx="1255305" cy="1255305"/>
+          </a:xfrm>
+          <a:prstGeom prst="rect">
+            <a:avLst/>
+          </a:prstGeom>
+        </p:spPr>
+      </p:pic>
+      <p:pic>
+        <p:nvPicPr>
+          <p:cNvPr id="18" name="Grafik 17" descr="Essende Person Silhouette">
+            <a:extLst>
+              <a:ext uri="{FF2B5EF4-FFF2-40B4-BE49-F238E27FC236}">
+                <a16:creationId xmlns:a16="http://schemas.microsoft.com/office/drawing/2014/main" id="{FBBC0AD5-C452-4131-B796-2D3596D6CE78}"/>
+              </a:ext>
+            </a:extLst>
+          </p:cNvPr>
+          <p:cNvPicPr>
+            <a:picLocks noChangeAspect="1"/>
+          </p:cNvPicPr>
+          <p:nvPr/>
+        </p:nvPicPr>
+        <p:blipFill>
+          <a:blip r:embed="rId11">
+            <a:extLst>
+              <a:ext uri="{28A0092B-C50C-407E-A947-70E740481C1C}">
+                <a14:useLocalDpi xmlns:a14="http://schemas.microsoft.com/office/drawing/2010/main" val="0"/>
+              </a:ext>
+              <a:ext uri="{96DAC541-7B7A-43D3-8B79-37D633B846F1}">
+                <asvg:svgBlip xmlns:asvg="http://schemas.microsoft.com/office/drawing/2016/SVG/main" r:embed="rId12"/>
+              </a:ext>
+            </a:extLst>
+          </a:blip>
+          <a:stretch>
+            <a:fillRect/>
+          </a:stretch>
+        </p:blipFill>
+        <p:spPr>
+          <a:xfrm>
+            <a:off x="6408867" y="5455527"/>
+            <a:ext cx="1255305" cy="1255305"/>
+          </a:xfrm>
+          <a:prstGeom prst="rect">
+            <a:avLst/>
+          </a:prstGeom>
+        </p:spPr>
+      </p:pic>
+      <p:pic>
+        <p:nvPicPr>
+          <p:cNvPr id="20" name="Grafik 19" descr="Gehen Silhouette">
+            <a:extLst>
+              <a:ext uri="{FF2B5EF4-FFF2-40B4-BE49-F238E27FC236}">
+                <a16:creationId xmlns:a16="http://schemas.microsoft.com/office/drawing/2014/main" id="{28DC30A2-4F04-4DB3-A163-6C6AD04D81B6}"/>
+              </a:ext>
+            </a:extLst>
+          </p:cNvPr>
+          <p:cNvPicPr>
+            <a:picLocks noChangeAspect="1"/>
+          </p:cNvPicPr>
+          <p:nvPr/>
+        </p:nvPicPr>
+        <p:blipFill>
+          <a:blip r:embed="rId13">
+            <a:extLst>
+              <a:ext uri="{28A0092B-C50C-407E-A947-70E740481C1C}">
+                <a14:useLocalDpi xmlns:a14="http://schemas.microsoft.com/office/drawing/2010/main" val="0"/>
+              </a:ext>
+              <a:ext uri="{96DAC541-7B7A-43D3-8B79-37D633B846F1}">
+                <asvg:svgBlip xmlns:asvg="http://schemas.microsoft.com/office/drawing/2016/SVG/main" r:embed="rId14"/>
+              </a:ext>
+            </a:extLst>
+          </a:blip>
+          <a:stretch>
+            <a:fillRect/>
+          </a:stretch>
+        </p:blipFill>
+        <p:spPr>
+          <a:xfrm>
+            <a:off x="1370250" y="5455527"/>
+            <a:ext cx="1255305" cy="1255305"/>
+          </a:xfrm>
+          <a:prstGeom prst="rect">
+            <a:avLst/>
+          </a:prstGeom>
+        </p:spPr>
+      </p:pic>
     </p:spTree>
     <p:extLst>
       <p:ext uri="{BB962C8B-B14F-4D97-AF65-F5344CB8AC3E}">
@@ -6767,10 +9979,10 @@
       </p:grpSpPr>
       <p:sp useBgFill="1">
         <p:nvSpPr>
-          <p:cNvPr id="8" name="Rectangle 7">
+          <p:cNvPr id="22" name="Rectangle 21">
             <a:extLst>
               <a:ext uri="{FF2B5EF4-FFF2-40B4-BE49-F238E27FC236}">
-                <a16:creationId xmlns:a16="http://schemas.microsoft.com/office/drawing/2014/main" id="{1B15ED52-F352-441B-82BF-E0EA34836D08}"/>
+                <a16:creationId xmlns:a16="http://schemas.microsoft.com/office/drawing/2014/main" id="{BACC6370-2D7E-4714-9D71-7542949D7D5D}"/>
               </a:ext>
               <a:ext uri="{C183D7F6-B498-43B3-948B-1728B52AA6E4}">
                 <adec:decorative xmlns:adec="http://schemas.microsoft.com/office/drawing/2017/decorative" val="1"/>
@@ -6843,6 +10055,421 @@
       </p:sp>
       <p:sp>
         <p:nvSpPr>
+          <p:cNvPr id="24" name="Rectangle 23">
+            <a:extLst>
+              <a:ext uri="{FF2B5EF4-FFF2-40B4-BE49-F238E27FC236}">
+                <a16:creationId xmlns:a16="http://schemas.microsoft.com/office/drawing/2014/main" id="{F68B3F68-107C-434F-AA38-110D5EA91B85}"/>
+              </a:ext>
+              <a:ext uri="{C183D7F6-B498-43B3-948B-1728B52AA6E4}">
+                <adec:decorative xmlns:adec="http://schemas.microsoft.com/office/drawing/2017/decorative" val="1"/>
+              </a:ext>
+            </a:extLst>
+          </p:cNvPr>
+          <p:cNvSpPr>
+            <a:spLocks noGrp="1" noRot="1" noChangeAspect="1" noMove="1" noResize="1" noEditPoints="1" noAdjustHandles="1" noChangeArrowheads="1" noChangeShapeType="1" noTextEdit="1"/>
+          </p:cNvSpPr>
+          <p:nvPr>
+            <p:extLst>
+              <p:ext uri="{386F3935-93C4-4BCD-93E2-E3B085C9AB24}">
+                <p16:designElem xmlns:p16="http://schemas.microsoft.com/office/powerpoint/2015/main" val="1"/>
+              </p:ext>
+            </p:extLst>
+          </p:nvPr>
+        </p:nvSpPr>
+        <p:spPr>
+          <a:xfrm flipH="1">
+            <a:off x="2" y="0"/>
+            <a:ext cx="12191998" cy="1575955"/>
+          </a:xfrm>
+          <a:prstGeom prst="rect">
+            <a:avLst/>
+          </a:prstGeom>
+          <a:gradFill>
+            <a:gsLst>
+              <a:gs pos="0">
+                <a:srgbClr val="000000">
+                  <a:alpha val="96000"/>
+                </a:srgbClr>
+              </a:gs>
+              <a:gs pos="100000">
+                <a:schemeClr val="accent1">
+                  <a:lumMod val="75000"/>
+                </a:schemeClr>
+              </a:gs>
+            </a:gsLst>
+            <a:lin ang="8400000" scaled="0"/>
+          </a:gradFill>
+          <a:ln>
+            <a:noFill/>
+          </a:ln>
+        </p:spPr>
+        <p:style>
+          <a:lnRef idx="2">
+            <a:schemeClr val="accent1">
+              <a:shade val="50000"/>
+            </a:schemeClr>
+          </a:lnRef>
+          <a:fillRef idx="1">
+            <a:schemeClr val="accent1"/>
+          </a:fillRef>
+          <a:effectRef idx="0">
+            <a:schemeClr val="accent1"/>
+          </a:effectRef>
+          <a:fontRef idx="minor">
+            <a:schemeClr val="lt1"/>
+          </a:fontRef>
+        </p:style>
+        <p:txBody>
+          <a:bodyPr rtlCol="0" anchor="ctr"/>
+          <a:lstStyle/>
+          <a:p>
+            <a:pPr algn="ctr"/>
+            <a:endParaRPr lang="en-US"/>
+          </a:p>
+        </p:txBody>
+      </p:sp>
+      <p:sp>
+        <p:nvSpPr>
+          <p:cNvPr id="26" name="Rectangle 25">
+            <a:extLst>
+              <a:ext uri="{FF2B5EF4-FFF2-40B4-BE49-F238E27FC236}">
+                <a16:creationId xmlns:a16="http://schemas.microsoft.com/office/drawing/2014/main" id="{AAD0DBB9-1A4B-4391-81D4-CB19F9AB918A}"/>
+              </a:ext>
+              <a:ext uri="{C183D7F6-B498-43B3-948B-1728B52AA6E4}">
+                <adec:decorative xmlns:adec="http://schemas.microsoft.com/office/drawing/2017/decorative" val="1"/>
+              </a:ext>
+            </a:extLst>
+          </p:cNvPr>
+          <p:cNvSpPr>
+            <a:spLocks noGrp="1" noRot="1" noChangeAspect="1" noMove="1" noResize="1" noEditPoints="1" noAdjustHandles="1" noChangeArrowheads="1" noChangeShapeType="1" noTextEdit="1"/>
+          </p:cNvSpPr>
+          <p:nvPr>
+            <p:extLst>
+              <p:ext uri="{386F3935-93C4-4BCD-93E2-E3B085C9AB24}">
+                <p16:designElem xmlns:p16="http://schemas.microsoft.com/office/powerpoint/2015/main" val="1"/>
+              </p:ext>
+            </p:extLst>
+          </p:nvPr>
+        </p:nvSpPr>
+        <p:spPr>
+          <a:xfrm rot="10800000" flipH="1">
+            <a:off x="8128857" y="0"/>
+            <a:ext cx="4063143" cy="1576412"/>
+          </a:xfrm>
+          <a:prstGeom prst="rect">
+            <a:avLst/>
+          </a:prstGeom>
+          <a:gradFill>
+            <a:gsLst>
+              <a:gs pos="19000">
+                <a:schemeClr val="accent1">
+                  <a:lumMod val="50000"/>
+                  <a:alpha val="68000"/>
+                </a:schemeClr>
+              </a:gs>
+              <a:gs pos="100000">
+                <a:schemeClr val="accent1">
+                  <a:alpha val="79000"/>
+                </a:schemeClr>
+              </a:gs>
+            </a:gsLst>
+            <a:lin ang="19200000" scaled="0"/>
+          </a:gradFill>
+          <a:ln>
+            <a:noFill/>
+          </a:ln>
+        </p:spPr>
+        <p:style>
+          <a:lnRef idx="2">
+            <a:schemeClr val="accent1">
+              <a:shade val="50000"/>
+            </a:schemeClr>
+          </a:lnRef>
+          <a:fillRef idx="1">
+            <a:schemeClr val="accent1"/>
+          </a:fillRef>
+          <a:effectRef idx="0">
+            <a:schemeClr val="accent1"/>
+          </a:effectRef>
+          <a:fontRef idx="minor">
+            <a:schemeClr val="lt1"/>
+          </a:fontRef>
+        </p:style>
+        <p:txBody>
+          <a:bodyPr rtlCol="0" anchor="ctr"/>
+          <a:lstStyle/>
+          <a:p>
+            <a:pPr algn="ctr"/>
+            <a:endParaRPr lang="en-US"/>
+          </a:p>
+        </p:txBody>
+      </p:sp>
+      <p:sp>
+        <p:nvSpPr>
+          <p:cNvPr id="28" name="Rectangle 27">
+            <a:extLst>
+              <a:ext uri="{FF2B5EF4-FFF2-40B4-BE49-F238E27FC236}">
+                <a16:creationId xmlns:a16="http://schemas.microsoft.com/office/drawing/2014/main" id="{063BBA22-50EA-4C4D-BE05-F1CE4E63AA56}"/>
+              </a:ext>
+              <a:ext uri="{C183D7F6-B498-43B3-948B-1728B52AA6E4}">
+                <adec:decorative xmlns:adec="http://schemas.microsoft.com/office/drawing/2017/decorative" val="1"/>
+              </a:ext>
+            </a:extLst>
+          </p:cNvPr>
+          <p:cNvSpPr>
+            <a:spLocks noGrp="1" noRot="1" noChangeAspect="1" noMove="1" noResize="1" noEditPoints="1" noAdjustHandles="1" noChangeArrowheads="1" noChangeShapeType="1" noTextEdit="1"/>
+          </p:cNvSpPr>
+          <p:nvPr>
+            <p:extLst>
+              <p:ext uri="{386F3935-93C4-4BCD-93E2-E3B085C9AB24}">
+                <p16:designElem xmlns:p16="http://schemas.microsoft.com/office/powerpoint/2015/main" val="1"/>
+              </p:ext>
+            </p:extLst>
+          </p:nvPr>
+        </p:nvSpPr>
+        <p:spPr>
+          <a:xfrm rot="5400000">
+            <a:off x="5307777" y="-5307778"/>
+            <a:ext cx="1576446" cy="12192002"/>
+          </a:xfrm>
+          <a:prstGeom prst="rect">
+            <a:avLst/>
+          </a:prstGeom>
+          <a:gradFill>
+            <a:gsLst>
+              <a:gs pos="23000">
+                <a:schemeClr val="accent1">
+                  <a:alpha val="0"/>
+                </a:schemeClr>
+              </a:gs>
+              <a:gs pos="99000">
+                <a:srgbClr val="000000">
+                  <a:alpha val="74000"/>
+                </a:srgbClr>
+              </a:gs>
+            </a:gsLst>
+            <a:lin ang="20400000" scaled="0"/>
+          </a:gradFill>
+          <a:ln>
+            <a:noFill/>
+          </a:ln>
+        </p:spPr>
+        <p:style>
+          <a:lnRef idx="2">
+            <a:schemeClr val="accent1">
+              <a:shade val="50000"/>
+            </a:schemeClr>
+          </a:lnRef>
+          <a:fillRef idx="1">
+            <a:schemeClr val="accent1"/>
+          </a:fillRef>
+          <a:effectRef idx="0">
+            <a:schemeClr val="accent1"/>
+          </a:effectRef>
+          <a:fontRef idx="minor">
+            <a:schemeClr val="lt1"/>
+          </a:fontRef>
+        </p:style>
+        <p:txBody>
+          <a:bodyPr rtlCol="0" anchor="ctr"/>
+          <a:lstStyle/>
+          <a:p>
+            <a:pPr algn="ctr"/>
+            <a:endParaRPr lang="en-US" dirty="0"/>
+          </a:p>
+        </p:txBody>
+      </p:sp>
+      <p:sp>
+        <p:nvSpPr>
+          <p:cNvPr id="2" name="Title 1">
+            <a:extLst>
+              <a:ext uri="{FF2B5EF4-FFF2-40B4-BE49-F238E27FC236}">
+                <a16:creationId xmlns:a16="http://schemas.microsoft.com/office/drawing/2014/main" id="{838F91F8-DFEB-477A-B81B-B3CD1E16A94C}"/>
+              </a:ext>
+            </a:extLst>
+          </p:cNvPr>
+          <p:cNvSpPr>
+            <a:spLocks noGrp="1"/>
+          </p:cNvSpPr>
+          <p:nvPr>
+            <p:ph type="title"/>
+          </p:nvPr>
+        </p:nvSpPr>
+        <p:spPr>
+          <a:xfrm>
+            <a:off x="1371597" y="348865"/>
+            <a:ext cx="10044023" cy="877729"/>
+          </a:xfrm>
+        </p:spPr>
+        <p:txBody>
+          <a:bodyPr anchor="ctr">
+            <a:normAutofit/>
+          </a:bodyPr>
+          <a:lstStyle/>
+          <a:p>
+            <a:r>
+              <a:rPr lang="de-DE" sz="4000">
+                <a:solidFill>
+                  <a:srgbClr val="FFFFFF"/>
+                </a:solidFill>
+              </a:rPr>
+              <a:t>Data Summary </a:t>
+            </a:r>
+            <a:endParaRPr lang="en-DE" sz="4000">
+              <a:solidFill>
+                <a:srgbClr val="FFFFFF"/>
+              </a:solidFill>
+            </a:endParaRPr>
+          </a:p>
+        </p:txBody>
+      </p:sp>
+      <p:graphicFrame>
+        <p:nvGraphicFramePr>
+          <p:cNvPr id="18" name="Content Placeholder 2">
+            <a:extLst>
+              <a:ext uri="{FF2B5EF4-FFF2-40B4-BE49-F238E27FC236}">
+                <a16:creationId xmlns:a16="http://schemas.microsoft.com/office/drawing/2014/main" id="{29B9B10A-B10F-4F9D-A79C-2E04238094D9}"/>
+              </a:ext>
+            </a:extLst>
+          </p:cNvPr>
+          <p:cNvGraphicFramePr>
+            <a:graphicFrameLocks noGrp="1"/>
+          </p:cNvGraphicFramePr>
+          <p:nvPr>
+            <p:ph idx="1"/>
+            <p:extLst>
+              <p:ext uri="{D42A27DB-BD31-4B8C-83A1-F6EECF244321}">
+                <p14:modId xmlns:p14="http://schemas.microsoft.com/office/powerpoint/2010/main" val="2307037576"/>
+              </p:ext>
+            </p:extLst>
+          </p:nvPr>
+        </p:nvGraphicFramePr>
+        <p:xfrm>
+          <a:off x="644056" y="2112579"/>
+          <a:ext cx="10927829" cy="4192805"/>
+        </p:xfrm>
+        <a:graphic>
+          <a:graphicData uri="http://schemas.openxmlformats.org/drawingml/2006/diagram">
+            <dgm:relIds xmlns:dgm="http://schemas.openxmlformats.org/drawingml/2006/diagram" xmlns:r="http://schemas.openxmlformats.org/officeDocument/2006/relationships" r:dm="rId2" r:lo="rId3" r:qs="rId4" r:cs="rId5"/>
+          </a:graphicData>
+        </a:graphic>
+      </p:graphicFrame>
+    </p:spTree>
+    <p:extLst>
+      <p:ext uri="{BB962C8B-B14F-4D97-AF65-F5344CB8AC3E}">
+        <p14:creationId xmlns:p14="http://schemas.microsoft.com/office/powerpoint/2010/main" val="201088923"/>
+      </p:ext>
+    </p:extLst>
+  </p:cSld>
+  <p:clrMapOvr>
+    <a:masterClrMapping/>
+  </p:clrMapOvr>
+</p:sld>
+</file>
+
+<file path=ppt/slides/slide4.xml><?xml version="1.0" encoding="utf-8"?>
+<p:sld xmlns:a="http://schemas.openxmlformats.org/drawingml/2006/main" xmlns:r="http://schemas.openxmlformats.org/officeDocument/2006/relationships" xmlns:p="http://schemas.openxmlformats.org/presentationml/2006/main">
+  <p:cSld>
+    <p:bg>
+      <p:bgPr>
+        <a:solidFill>
+          <a:schemeClr val="bg1"/>
+        </a:solidFill>
+        <a:effectLst/>
+      </p:bgPr>
+    </p:bg>
+    <p:spTree>
+      <p:nvGrpSpPr>
+        <p:cNvPr id="1" name=""/>
+        <p:cNvGrpSpPr/>
+        <p:nvPr/>
+      </p:nvGrpSpPr>
+      <p:grpSpPr>
+        <a:xfrm>
+          <a:off x="0" y="0"/>
+          <a:ext cx="0" cy="0"/>
+          <a:chOff x="0" y="0"/>
+          <a:chExt cx="0" cy="0"/>
+        </a:xfrm>
+      </p:grpSpPr>
+      <p:sp useBgFill="1">
+        <p:nvSpPr>
+          <p:cNvPr id="8" name="Rectangle 7">
+            <a:extLst>
+              <a:ext uri="{FF2B5EF4-FFF2-40B4-BE49-F238E27FC236}">
+                <a16:creationId xmlns:a16="http://schemas.microsoft.com/office/drawing/2014/main" id="{1B15ED52-F352-441B-82BF-E0EA34836D08}"/>
+              </a:ext>
+              <a:ext uri="{C183D7F6-B498-43B3-948B-1728B52AA6E4}">
+                <adec:decorative xmlns:adec="http://schemas.microsoft.com/office/drawing/2017/decorative" val="1"/>
+              </a:ext>
+            </a:extLst>
+          </p:cNvPr>
+          <p:cNvSpPr>
+            <a:spLocks noGrp="1" noRot="1" noChangeAspect="1" noMove="1" noResize="1" noEditPoints="1" noAdjustHandles="1" noChangeArrowheads="1" noChangeShapeType="1" noTextEdit="1"/>
+          </p:cNvSpPr>
+          <p:nvPr>
+            <p:extLst>
+              <p:ext uri="{386F3935-93C4-4BCD-93E2-E3B085C9AB24}">
+                <p16:designElem xmlns:p16="http://schemas.microsoft.com/office/powerpoint/2015/main" val="1"/>
+              </p:ext>
+            </p:extLst>
+          </p:nvPr>
+        </p:nvSpPr>
+        <p:spPr>
+          <a:xfrm>
+            <a:off x="0" y="0"/>
+            <a:ext cx="12192000" cy="6858000"/>
+          </a:xfrm>
+          <a:prstGeom prst="rect">
+            <a:avLst/>
+          </a:prstGeom>
+          <a:ln w="12700" cap="flat" cmpd="sng" algn="ctr">
+            <a:noFill/>
+            <a:prstDash val="solid"/>
+            <a:miter lim="800000"/>
+          </a:ln>
+          <a:effectLst/>
+          <a:extLst>
+            <a:ext uri="{91240B29-F687-4F45-9708-019B960494DF}">
+              <a14:hiddenLine xmlns:a14="http://schemas.microsoft.com/office/drawing/2010/main" w="12700" cap="flat" cmpd="sng" algn="ctr">
+                <a:solidFill>
+                  <a:schemeClr val="accent1">
+                    <a:shade val="50000"/>
+                  </a:schemeClr>
+                </a:solidFill>
+                <a:prstDash val="solid"/>
+                <a:miter lim="800000"/>
+              </a14:hiddenLine>
+            </a:ext>
+          </a:extLst>
+        </p:spPr>
+        <p:style>
+          <a:lnRef idx="2">
+            <a:schemeClr val="accent1">
+              <a:shade val="50000"/>
+            </a:schemeClr>
+          </a:lnRef>
+          <a:fillRef idx="1">
+            <a:schemeClr val="accent1"/>
+          </a:fillRef>
+          <a:effectRef idx="0">
+            <a:schemeClr val="accent1"/>
+          </a:effectRef>
+          <a:fontRef idx="minor">
+            <a:schemeClr val="lt1"/>
+          </a:fontRef>
+        </p:style>
+        <p:txBody>
+          <a:bodyPr rtlCol="0" anchor="ctr"/>
+          <a:lstStyle/>
+          <a:p>
+            <a:pPr algn="ctr"/>
+            <a:endParaRPr lang="en-US"/>
+          </a:p>
+        </p:txBody>
+      </p:sp>
+      <p:sp>
+        <p:nvSpPr>
           <p:cNvPr id="10" name="Rectangle 9">
             <a:extLst>
               <a:ext uri="{FF2B5EF4-FFF2-40B4-BE49-F238E27FC236}">
@@ -7170,14 +10797,14 @@
           <a:lstStyle/>
           <a:p>
             <a:r>
-              <a:rPr lang="de-DE" sz="4000">
+              <a:rPr lang="de-DE" sz="4000" dirty="0" err="1">
                 <a:solidFill>
                   <a:srgbClr val="FFFFFF"/>
                 </a:solidFill>
               </a:rPr>
-              <a:t>Data Summary </a:t>
-            </a:r>
-            <a:endParaRPr lang="en-DE" sz="4000">
+              <a:t>Literature</a:t>
+            </a:r>
+            <a:endParaRPr lang="en-DE" sz="4000" dirty="0">
               <a:solidFill>
                 <a:srgbClr val="FFFFFF"/>
               </a:solidFill>
@@ -7185,158 +10812,485 @@
           </a:p>
         </p:txBody>
       </p:sp>
+      <p:pic>
+        <p:nvPicPr>
+          <p:cNvPr id="11" name="Grafik 1">
+            <a:extLst>
+              <a:ext uri="{FF2B5EF4-FFF2-40B4-BE49-F238E27FC236}">
+                <a16:creationId xmlns:a16="http://schemas.microsoft.com/office/drawing/2014/main" id="{FA2471FA-39D4-4201-80BB-C92C51ABBF91}"/>
+              </a:ext>
+            </a:extLst>
+          </p:cNvPr>
+          <p:cNvPicPr/>
+          <p:nvPr/>
+        </p:nvPicPr>
+        <p:blipFill>
+          <a:blip r:embed="rId2" cstate="print">
+            <a:extLst>
+              <a:ext uri="{28A0092B-C50C-407E-A947-70E740481C1C}">
+                <a14:useLocalDpi xmlns:a14="http://schemas.microsoft.com/office/drawing/2010/main" val="0"/>
+              </a:ext>
+            </a:extLst>
+          </a:blip>
+          <a:stretch>
+            <a:fillRect/>
+          </a:stretch>
+        </p:blipFill>
+        <p:spPr>
+          <a:xfrm>
+            <a:off x="1183306" y="1757966"/>
+            <a:ext cx="3078574" cy="2937088"/>
+          </a:xfrm>
+          <a:prstGeom prst="rect">
+            <a:avLst/>
+          </a:prstGeom>
+        </p:spPr>
+      </p:pic>
+      <p:pic>
+        <p:nvPicPr>
+          <p:cNvPr id="5" name="Grafik 4">
+            <a:extLst>
+              <a:ext uri="{FF2B5EF4-FFF2-40B4-BE49-F238E27FC236}">
+                <a16:creationId xmlns:a16="http://schemas.microsoft.com/office/drawing/2014/main" id="{35C8D109-6E3F-4F11-A141-F94E574C54F0}"/>
+              </a:ext>
+            </a:extLst>
+          </p:cNvPr>
+          <p:cNvPicPr>
+            <a:picLocks noChangeAspect="1"/>
+          </p:cNvPicPr>
+          <p:nvPr/>
+        </p:nvPicPr>
+        <p:blipFill>
+          <a:blip r:embed="rId3"/>
+          <a:stretch>
+            <a:fillRect/>
+          </a:stretch>
+        </p:blipFill>
+        <p:spPr>
+          <a:xfrm>
+            <a:off x="5575177" y="1647579"/>
+            <a:ext cx="5629775" cy="3157861"/>
+          </a:xfrm>
+          <a:prstGeom prst="rect">
+            <a:avLst/>
+          </a:prstGeom>
+        </p:spPr>
+      </p:pic>
       <p:sp>
         <p:nvSpPr>
-          <p:cNvPr id="3" name="Content Placeholder 2">
+          <p:cNvPr id="6" name="Textfeld 5">
             <a:extLst>
               <a:ext uri="{FF2B5EF4-FFF2-40B4-BE49-F238E27FC236}">
-                <a16:creationId xmlns:a16="http://schemas.microsoft.com/office/drawing/2014/main" id="{8DB309F2-3838-480D-9D5B-09568DD1FC51}"/>
+                <a16:creationId xmlns:a16="http://schemas.microsoft.com/office/drawing/2014/main" id="{C900A738-C37D-49F0-912A-EBC1F1815949}"/>
               </a:ext>
             </a:extLst>
           </p:cNvPr>
-          <p:cNvSpPr>
-            <a:spLocks noGrp="1"/>
-          </p:cNvSpPr>
-          <p:nvPr>
-            <p:ph idx="1"/>
-          </p:nvPr>
+          <p:cNvSpPr txBox="1"/>
+          <p:nvPr/>
         </p:nvSpPr>
         <p:spPr>
           <a:xfrm>
-            <a:off x="1371599" y="2318197"/>
-            <a:ext cx="9724031" cy="3683358"/>
+            <a:off x="730045" y="4825282"/>
+            <a:ext cx="10537505" cy="461665"/>
           </a:xfrm>
+          <a:prstGeom prst="rect">
+            <a:avLst/>
+          </a:prstGeom>
+          <a:noFill/>
         </p:spPr>
         <p:txBody>
-          <a:bodyPr anchor="ctr">
-            <a:normAutofit/>
+          <a:bodyPr wrap="square" rtlCol="0">
+            <a:spAutoFit/>
           </a:bodyPr>
           <a:lstStyle/>
           <a:p>
-            <a:pPr algn="l" fontAlgn="base">
+            <a:r>
+              <a:rPr lang="de-DE" sz="1200" i="1" dirty="0"/>
+              <a:t>Source: Chen, </a:t>
+            </a:r>
+            <a:r>
+              <a:rPr lang="de-DE" sz="1200" i="1" dirty="0" err="1"/>
+              <a:t>Zhenghua</a:t>
+            </a:r>
+            <a:r>
+              <a:rPr lang="de-DE" sz="1200" i="1" dirty="0"/>
+              <a:t> &amp; Jiang, Chaoyang &amp; Xiang, </a:t>
+            </a:r>
+            <a:r>
+              <a:rPr lang="de-DE" sz="1200" i="1" dirty="0" err="1"/>
+              <a:t>Shili</a:t>
+            </a:r>
+            <a:r>
+              <a:rPr lang="de-DE" sz="1200" i="1" dirty="0"/>
+              <a:t> &amp; Ding, Jie &amp; Wu, Min &amp; li, </a:t>
+            </a:r>
+            <a:r>
+              <a:rPr lang="de-DE" sz="1200" i="1" dirty="0" err="1"/>
+              <a:t>Xiaoli</a:t>
+            </a:r>
+            <a:r>
+              <a:rPr lang="de-DE" sz="1200" i="1" dirty="0"/>
+              <a:t>. (2019). Smartphone Sensor </a:t>
+            </a:r>
+            <a:r>
+              <a:rPr lang="de-DE" sz="1200" i="1" dirty="0" err="1"/>
+              <a:t>Based</a:t>
+            </a:r>
+            <a:r>
+              <a:rPr lang="de-DE" sz="1200" i="1" dirty="0"/>
+              <a:t> Human </a:t>
+            </a:r>
+            <a:r>
+              <a:rPr lang="de-DE" sz="1200" i="1" dirty="0" err="1"/>
+              <a:t>Activity</a:t>
+            </a:r>
+            <a:r>
+              <a:rPr lang="de-DE" sz="1200" i="1" dirty="0"/>
+              <a:t> Recognition </a:t>
+            </a:r>
+            <a:r>
+              <a:rPr lang="de-DE" sz="1200" i="1" dirty="0" err="1"/>
+              <a:t>Using</a:t>
+            </a:r>
+            <a:r>
+              <a:rPr lang="de-DE" sz="1200" i="1" dirty="0"/>
+              <a:t> Feature Fusion and Maximum </a:t>
+            </a:r>
+            <a:r>
+              <a:rPr lang="de-DE" sz="1200" i="1" dirty="0" err="1"/>
+              <a:t>Full</a:t>
+            </a:r>
+            <a:r>
+              <a:rPr lang="de-DE" sz="1200" i="1" dirty="0"/>
+              <a:t> A Posteriori. IEEE Transactions on Instrumentation and Measurement. PP. 1-1. 10.1109/TIM.2019.2945467.</a:t>
+            </a:r>
+          </a:p>
+        </p:txBody>
+      </p:sp>
+      <p:sp>
+        <p:nvSpPr>
+          <p:cNvPr id="7" name="Textfeld 6">
+            <a:extLst>
+              <a:ext uri="{FF2B5EF4-FFF2-40B4-BE49-F238E27FC236}">
+                <a16:creationId xmlns:a16="http://schemas.microsoft.com/office/drawing/2014/main" id="{C1A641A9-33F8-45A4-8986-1AF103B04677}"/>
+              </a:ext>
+            </a:extLst>
+          </p:cNvPr>
+          <p:cNvSpPr txBox="1"/>
+          <p:nvPr/>
+        </p:nvSpPr>
+        <p:spPr>
+          <a:xfrm>
+            <a:off x="730045" y="5361344"/>
+            <a:ext cx="9825388" cy="1384995"/>
+          </a:xfrm>
+          <a:prstGeom prst="rect">
+            <a:avLst/>
+          </a:prstGeom>
+          <a:noFill/>
+        </p:spPr>
+        <p:txBody>
+          <a:bodyPr wrap="square" rtlCol="0">
+            <a:spAutoFit/>
+          </a:bodyPr>
+          <a:lstStyle/>
+          <a:p>
+            <a:pPr marL="285750" indent="-285750">
               <a:buFont typeface="Arial" panose="020B0604020202020204" pitchFamily="34" charset="0"/>
               <a:buChar char="•"/>
             </a:pPr>
             <a:r>
-              <a:rPr lang="en-US" sz="1600" dirty="0">
-                <a:solidFill>
-                  <a:srgbClr val="555555"/>
-                </a:solidFill>
-                <a:latin typeface="Helvetica Neue"/>
+              <a:rPr lang="de-DE" dirty="0"/>
+              <a:t>Other </a:t>
+            </a:r>
+            <a:r>
+              <a:rPr lang="de-DE" dirty="0" err="1"/>
+              <a:t>papers</a:t>
+            </a:r>
+            <a:r>
+              <a:rPr lang="de-DE" dirty="0"/>
+              <a:t> also </a:t>
+            </a:r>
+            <a:r>
+              <a:rPr lang="de-DE" dirty="0" err="1"/>
+              <a:t>show</a:t>
+            </a:r>
+            <a:r>
+              <a:rPr lang="de-DE" dirty="0"/>
+              <a:t> </a:t>
+            </a:r>
+            <a:r>
+              <a:rPr lang="de-DE" dirty="0" err="1"/>
+              <a:t>good</a:t>
+            </a:r>
+            <a:r>
+              <a:rPr lang="de-DE" dirty="0"/>
+              <a:t> </a:t>
+            </a:r>
+            <a:r>
+              <a:rPr lang="de-DE" dirty="0" err="1"/>
+              <a:t>results</a:t>
+            </a:r>
+            <a:r>
+              <a:rPr lang="de-DE" dirty="0"/>
+              <a:t> (Precision 89%) </a:t>
+            </a:r>
+            <a:r>
+              <a:rPr lang="de-DE" dirty="0" err="1"/>
+              <a:t>by</a:t>
+            </a:r>
+            <a:r>
+              <a:rPr lang="de-DE" dirty="0"/>
+              <a:t> </a:t>
+            </a:r>
+            <a:r>
+              <a:rPr lang="de-DE" dirty="0" err="1"/>
+              <a:t>applying</a:t>
+            </a:r>
+            <a:r>
+              <a:rPr lang="de-DE" dirty="0"/>
+              <a:t> </a:t>
+            </a:r>
+            <a:r>
+              <a:rPr lang="de-DE" sz="1800" dirty="0">
+                <a:effectLst/>
+                <a:latin typeface="Calibri" panose="020F0502020204030204" pitchFamily="34" charset="0"/>
+                <a:ea typeface="Calibri" panose="020F0502020204030204" pitchFamily="34" charset="0"/>
               </a:rPr>
-              <a:t>The dataset is partially preprocessed (noise filters, </a:t>
-            </a:r>
-            <a:r>
-              <a:rPr lang="en-US" sz="1600" b="0" i="0" dirty="0">
-                <a:solidFill>
-                  <a:srgbClr val="555555"/>
-                </a:solidFill>
+              <a:t>Support Vector </a:t>
+            </a:r>
+            <a:r>
+              <a:rPr lang="de-DE" sz="1800" dirty="0" err="1">
                 <a:effectLst/>
-                <a:latin typeface="Helvetica Neue"/>
+                <a:latin typeface="Calibri" panose="020F0502020204030204" pitchFamily="34" charset="0"/>
+                <a:ea typeface="Calibri" panose="020F0502020204030204" pitchFamily="34" charset="0"/>
               </a:rPr>
-              <a:t>fixed windows of 2.56 seconds (128 data points) with 50% overlap, splitting of accelerometer data into gravitational (total) and body motion components)</a:t>
-            </a:r>
-          </a:p>
-          <a:p>
-            <a:pPr algn="l" fontAlgn="base">
-              <a:buFont typeface="Arial" panose="020B0604020202020204" pitchFamily="34" charset="0"/>
-              <a:buChar char="•"/>
-            </a:pPr>
-            <a:r>
-              <a:rPr lang="en-US" sz="1600" b="0" i="0" dirty="0">
-                <a:solidFill>
-                  <a:srgbClr val="555555"/>
-                </a:solidFill>
+              <a:t>Machine</a:t>
+            </a:r>
+            <a:r>
+              <a:rPr lang="de-DE" sz="1800" dirty="0">
                 <a:effectLst/>
-                <a:latin typeface="Helvetica Neue"/>
+                <a:latin typeface="Calibri" panose="020F0502020204030204" pitchFamily="34" charset="0"/>
+                <a:ea typeface="Calibri" panose="020F0502020204030204" pitchFamily="34" charset="0"/>
               </a:rPr>
-              <a:t>Split into train (70%) and test (30%) </a:t>
-            </a:r>
-            <a:r>
-              <a:rPr lang="en-US" sz="1600" b="0" i="0" dirty="0">
-                <a:solidFill>
-                  <a:srgbClr val="555555"/>
-                </a:solidFill>
+              <a:t> (SVM) </a:t>
+            </a:r>
+            <a:r>
+              <a:rPr lang="de-DE" sz="1800" dirty="0" err="1">
                 <a:effectLst/>
-                <a:latin typeface="Helvetica Neue"/>
-                <a:sym typeface="Wingdings" panose="05000000000000000000" pitchFamily="2" charset="2"/>
+                <a:latin typeface="Calibri" panose="020F0502020204030204" pitchFamily="34" charset="0"/>
+                <a:ea typeface="Calibri" panose="020F0502020204030204" pitchFamily="34" charset="0"/>
               </a:rPr>
-              <a:t> </a:t>
-            </a:r>
-            <a:r>
-              <a:rPr lang="en-US" sz="1600" b="0" i="0" dirty="0">
-                <a:solidFill>
-                  <a:srgbClr val="555555"/>
-                </a:solidFill>
+              <a:t>learning</a:t>
+            </a:r>
+            <a:r>
+              <a:rPr lang="de-DE" sz="1800" dirty="0">
                 <a:effectLst/>
-                <a:latin typeface="Helvetica Neue"/>
+                <a:latin typeface="Calibri" panose="020F0502020204030204" pitchFamily="34" charset="0"/>
+                <a:ea typeface="Calibri" panose="020F0502020204030204" pitchFamily="34" charset="0"/>
               </a:rPr>
-              <a:t>21 subjects for train and nine for test.</a:t>
-            </a:r>
-          </a:p>
-          <a:p>
-            <a:pPr algn="l" fontAlgn="base">
-              <a:buFont typeface="Arial" panose="020B0604020202020204" pitchFamily="34" charset="0"/>
-              <a:buChar char="•"/>
-            </a:pPr>
-            <a:r>
-              <a:rPr lang="en-US" sz="1600" dirty="0">
-                <a:solidFill>
-                  <a:srgbClr val="555555"/>
-                </a:solidFill>
-                <a:latin typeface="Helvetica Neue"/>
+              <a:t> </a:t>
+            </a:r>
+            <a:r>
+              <a:rPr lang="de-DE" sz="1800" dirty="0" err="1">
+                <a:effectLst/>
+                <a:latin typeface="Calibri" panose="020F0502020204030204" pitchFamily="34" charset="0"/>
+                <a:ea typeface="Calibri" panose="020F0502020204030204" pitchFamily="34" charset="0"/>
               </a:rPr>
-              <a:t>3 x 3 </a:t>
-            </a:r>
-            <a:r>
-              <a:rPr lang="en-US" sz="1600" dirty="0">
-                <a:solidFill>
-                  <a:srgbClr val="555555"/>
-                </a:solidFill>
-                <a:latin typeface="Helvetica Neue"/>
-                <a:sym typeface="Wingdings" panose="05000000000000000000" pitchFamily="2" charset="2"/>
+              <a:t>algorithms</a:t>
+            </a:r>
+            <a:endParaRPr lang="de-DE" dirty="0">
+              <a:latin typeface="Calibri" panose="020F0502020204030204" pitchFamily="34" charset="0"/>
+              <a:ea typeface="Calibri" panose="020F0502020204030204" pitchFamily="34" charset="0"/>
+            </a:endParaRPr>
+          </a:p>
+          <a:p>
+            <a:r>
+              <a:rPr lang="de-DE" sz="1200" i="1" dirty="0">
+                <a:effectLst/>
+                <a:ea typeface="Calibri" panose="020F0502020204030204" pitchFamily="34" charset="0"/>
               </a:rPr>
-              <a:t> </a:t>
-            </a:r>
-            <a:r>
-              <a:rPr lang="en-US" sz="1600" dirty="0">
-                <a:solidFill>
-                  <a:srgbClr val="555555"/>
-                </a:solidFill>
-                <a:latin typeface="Helvetica Neue"/>
+              <a:t>(</a:t>
+            </a:r>
+            <a:r>
+              <a:rPr lang="de-DE" sz="1200" b="0" i="1" dirty="0">
+                <a:effectLst/>
               </a:rPr>
-              <a:t>9 dimensions? [to be figured out guys]</a:t>
-            </a:r>
-            <a:endParaRPr lang="en-US" sz="1600" b="0" i="0" dirty="0">
-              <a:solidFill>
-                <a:srgbClr val="555555"/>
-              </a:solidFill>
-              <a:effectLst/>
-              <a:latin typeface="Helvetica Neue"/>
-            </a:endParaRPr>
-          </a:p>
-          <a:p>
-            <a:pPr algn="l" fontAlgn="base">
-              <a:buFont typeface="Arial" panose="020B0604020202020204" pitchFamily="34" charset="0"/>
-              <a:buChar char="•"/>
-            </a:pPr>
-            <a:endParaRPr lang="en-US" sz="1600" b="0" i="0" dirty="0">
-              <a:solidFill>
-                <a:srgbClr val="555555"/>
-              </a:solidFill>
-              <a:effectLst/>
-              <a:latin typeface="Helvetica Neue"/>
-            </a:endParaRPr>
-          </a:p>
-          <a:p>
-            <a:endParaRPr lang="en-DE" sz="2000" dirty="0"/>
+              <a:t>Anguita, D., </a:t>
+            </a:r>
+            <a:r>
+              <a:rPr lang="de-DE" sz="1200" b="0" i="1" dirty="0" err="1">
+                <a:effectLst/>
+              </a:rPr>
+              <a:t>Ghio</a:t>
+            </a:r>
+            <a:r>
+              <a:rPr lang="de-DE" sz="1200" b="0" i="1" dirty="0">
+                <a:effectLst/>
+              </a:rPr>
+              <a:t>, A., </a:t>
+            </a:r>
+            <a:r>
+              <a:rPr lang="de-DE" sz="1200" b="0" i="1" dirty="0" err="1">
+                <a:effectLst/>
+              </a:rPr>
+              <a:t>Oneto</a:t>
+            </a:r>
+            <a:r>
+              <a:rPr lang="de-DE" sz="1200" b="0" i="1" dirty="0">
+                <a:effectLst/>
+              </a:rPr>
+              <a:t>, L., Parra, X., &amp; Reyes-Ortiz, J.L. (2013). Energy </a:t>
+            </a:r>
+            <a:r>
+              <a:rPr lang="de-DE" sz="1200" b="0" i="1" dirty="0" err="1">
+                <a:effectLst/>
+              </a:rPr>
+              <a:t>Efficient</a:t>
+            </a:r>
+            <a:r>
+              <a:rPr lang="de-DE" sz="1200" b="0" i="1" dirty="0">
+                <a:effectLst/>
+              </a:rPr>
+              <a:t> Smartphone-</a:t>
+            </a:r>
+            <a:r>
+              <a:rPr lang="de-DE" sz="1200" b="0" i="1" dirty="0" err="1">
+                <a:effectLst/>
+              </a:rPr>
+              <a:t>Based</a:t>
+            </a:r>
+            <a:r>
+              <a:rPr lang="de-DE" sz="1200" b="0" i="1" dirty="0">
+                <a:effectLst/>
+              </a:rPr>
+              <a:t> </a:t>
+            </a:r>
+            <a:r>
+              <a:rPr lang="de-DE" sz="1200" b="0" i="1" dirty="0" err="1">
+                <a:effectLst/>
+              </a:rPr>
+              <a:t>Activity</a:t>
+            </a:r>
+            <a:r>
+              <a:rPr lang="de-DE" sz="1200" b="0" i="1" dirty="0">
+                <a:effectLst/>
+              </a:rPr>
+              <a:t> Recognition </a:t>
+            </a:r>
+            <a:r>
+              <a:rPr lang="de-DE" sz="1200" b="0" i="1" dirty="0" err="1">
+                <a:effectLst/>
+              </a:rPr>
+              <a:t>using</a:t>
+            </a:r>
+            <a:r>
+              <a:rPr lang="de-DE" sz="1200" b="0" i="1" dirty="0">
+                <a:effectLst/>
+              </a:rPr>
+              <a:t> Fixed-Point </a:t>
+            </a:r>
+            <a:r>
+              <a:rPr lang="de-DE" sz="1200" b="0" i="1" dirty="0" err="1">
+                <a:effectLst/>
+              </a:rPr>
+              <a:t>Arithmetic</a:t>
+            </a:r>
+            <a:r>
+              <a:rPr lang="de-DE" sz="1200" b="0" i="1" dirty="0">
+                <a:effectLst/>
+              </a:rPr>
+              <a:t>. J. </a:t>
+            </a:r>
+            <a:r>
+              <a:rPr lang="de-DE" sz="1200" b="0" i="1" dirty="0" err="1">
+                <a:effectLst/>
+              </a:rPr>
+              <a:t>Univers</a:t>
+            </a:r>
+            <a:r>
+              <a:rPr lang="de-DE" sz="1200" b="0" i="1" dirty="0">
+                <a:effectLst/>
+              </a:rPr>
+              <a:t>. </a:t>
+            </a:r>
+            <a:r>
+              <a:rPr lang="de-DE" sz="1200" b="0" i="1" dirty="0" err="1">
+                <a:effectLst/>
+              </a:rPr>
+              <a:t>Comput</a:t>
+            </a:r>
+            <a:r>
+              <a:rPr lang="de-DE" sz="1200" b="0" i="1" dirty="0">
+                <a:effectLst/>
+              </a:rPr>
+              <a:t>. </a:t>
+            </a:r>
+            <a:r>
+              <a:rPr lang="de-DE" sz="1200" b="0" i="1" dirty="0" err="1">
+                <a:effectLst/>
+              </a:rPr>
+              <a:t>Sci</a:t>
+            </a:r>
+            <a:r>
+              <a:rPr lang="de-DE" sz="1200" b="0" i="1" dirty="0">
+                <a:effectLst/>
+              </a:rPr>
+              <a:t>., 19, 1295-1314. </a:t>
+            </a:r>
+          </a:p>
+          <a:p>
+            <a:r>
+              <a:rPr lang="de-DE" sz="1200" i="1" dirty="0"/>
+              <a:t>Anguita, Davide &amp; </a:t>
+            </a:r>
+            <a:r>
+              <a:rPr lang="de-DE" sz="1200" i="1" dirty="0" err="1"/>
+              <a:t>Ghio</a:t>
+            </a:r>
+            <a:r>
+              <a:rPr lang="de-DE" sz="1200" i="1" dirty="0"/>
+              <a:t>, Alessandro &amp; </a:t>
+            </a:r>
+            <a:r>
+              <a:rPr lang="de-DE" sz="1200" i="1" dirty="0" err="1"/>
+              <a:t>Oneto</a:t>
+            </a:r>
+            <a:r>
+              <a:rPr lang="de-DE" sz="1200" i="1" dirty="0"/>
+              <a:t>, Luca &amp; Parra, Xavier &amp; Reyes-Ortiz, J. (2012). Human </a:t>
+            </a:r>
+            <a:r>
+              <a:rPr lang="de-DE" sz="1200" i="1" dirty="0" err="1"/>
+              <a:t>Activity</a:t>
+            </a:r>
+            <a:r>
+              <a:rPr lang="de-DE" sz="1200" i="1" dirty="0"/>
+              <a:t> Recognition on Smartphones </a:t>
+            </a:r>
+            <a:r>
+              <a:rPr lang="de-DE" sz="1200" i="1" dirty="0" err="1"/>
+              <a:t>for</a:t>
+            </a:r>
+            <a:r>
+              <a:rPr lang="de-DE" sz="1200" i="1" dirty="0"/>
+              <a:t> Mobile </a:t>
+            </a:r>
+            <a:r>
+              <a:rPr lang="de-DE" sz="1200" i="1" dirty="0" err="1"/>
+              <a:t>Context</a:t>
+            </a:r>
+            <a:r>
+              <a:rPr lang="de-DE" sz="1200" i="1" dirty="0"/>
+              <a:t> Awareness. )</a:t>
+            </a:r>
           </a:p>
         </p:txBody>
       </p:sp>
     </p:spTree>
     <p:extLst>
       <p:ext uri="{BB962C8B-B14F-4D97-AF65-F5344CB8AC3E}">
-        <p14:creationId xmlns:p14="http://schemas.microsoft.com/office/powerpoint/2010/main" val="201088923"/>
+        <p14:creationId xmlns:p14="http://schemas.microsoft.com/office/powerpoint/2010/main" val="813399893"/>
       </p:ext>
     </p:extLst>
   </p:cSld>
@@ -7346,7 +11300,7 @@
 </p:sld>
 </file>
 
-<file path=ppt/slides/slide4.xml><?xml version="1.0" encoding="utf-8"?>
+<file path=ppt/slides/slide5.xml><?xml version="1.0" encoding="utf-8"?>
 <p:sld xmlns:a="http://schemas.openxmlformats.org/drawingml/2006/main" xmlns:r="http://schemas.openxmlformats.org/officeDocument/2006/relationships" xmlns:p="http://schemas.openxmlformats.org/presentationml/2006/main">
   <p:cSld>
     <p:bg>
@@ -7804,13 +11758,13 @@
           <p:nvPr>
             <p:extLst>
               <p:ext uri="{D42A27DB-BD31-4B8C-83A1-F6EECF244321}">
-                <p14:modId xmlns:p14="http://schemas.microsoft.com/office/powerpoint/2010/main" val="1883677995"/>
+                <p14:modId xmlns:p14="http://schemas.microsoft.com/office/powerpoint/2010/main" val="118231022"/>
               </p:ext>
             </p:extLst>
           </p:nvPr>
         </p:nvGraphicFramePr>
         <p:xfrm>
-          <a:off x="155074" y="1328207"/>
+          <a:off x="2032000" y="1439333"/>
           <a:ext cx="8128000" cy="5418667"/>
         </p:xfrm>
         <a:graphic>
@@ -7821,21 +11775,26 @@
       </p:graphicFrame>
       <p:pic>
         <p:nvPicPr>
-          <p:cNvPr id="11" name="Grafik 1">
+          <p:cNvPr id="6" name="Grafik 5" descr="Abzeichen Tick1 mit einfarbiger Füllung">
             <a:extLst>
               <a:ext uri="{FF2B5EF4-FFF2-40B4-BE49-F238E27FC236}">
-                <a16:creationId xmlns:a16="http://schemas.microsoft.com/office/drawing/2014/main" id="{FA2471FA-39D4-4201-80BB-C92C51ABBF91}"/>
+                <a16:creationId xmlns:a16="http://schemas.microsoft.com/office/drawing/2014/main" id="{80923EC1-0AB8-4CFE-8AA1-03B98712151B}"/>
               </a:ext>
             </a:extLst>
           </p:cNvPr>
-          <p:cNvPicPr/>
+          <p:cNvPicPr>
+            <a:picLocks noChangeAspect="1"/>
+          </p:cNvPicPr>
           <p:nvPr/>
         </p:nvPicPr>
         <p:blipFill>
-          <a:blip r:embed="rId7" cstate="print">
+          <a:blip r:embed="rId7">
             <a:extLst>
               <a:ext uri="{28A0092B-C50C-407E-A947-70E740481C1C}">
                 <a14:useLocalDpi xmlns:a14="http://schemas.microsoft.com/office/drawing/2010/main" val="0"/>
+              </a:ext>
+              <a:ext uri="{96DAC541-7B7A-43D3-8B79-37D633B846F1}">
+                <asvg:svgBlip xmlns:asvg="http://schemas.microsoft.com/office/drawing/2016/SVG/main" r:embed="rId8"/>
               </a:ext>
             </a:extLst>
           </a:blip>
@@ -7845,58 +11804,14 @@
         </p:blipFill>
         <p:spPr>
           <a:xfrm>
-            <a:off x="8731549" y="2708338"/>
-            <a:ext cx="3078574" cy="2937088"/>
+            <a:off x="3270199" y="3429000"/>
+            <a:ext cx="526002" cy="526002"/>
           </a:xfrm>
           <a:prstGeom prst="rect">
             <a:avLst/>
           </a:prstGeom>
         </p:spPr>
       </p:pic>
-      <p:sp>
-        <p:nvSpPr>
-          <p:cNvPr id="5" name="TextBox 4">
-            <a:extLst>
-              <a:ext uri="{FF2B5EF4-FFF2-40B4-BE49-F238E27FC236}">
-                <a16:creationId xmlns:a16="http://schemas.microsoft.com/office/drawing/2014/main" id="{9A260C02-4FE8-4C2A-A3E4-C72D5B004612}"/>
-              </a:ext>
-            </a:extLst>
-          </p:cNvPr>
-          <p:cNvSpPr txBox="1"/>
-          <p:nvPr/>
-        </p:nvSpPr>
-        <p:spPr>
-          <a:xfrm>
-            <a:off x="9114183" y="6018143"/>
-            <a:ext cx="1681742" cy="369332"/>
-          </a:xfrm>
-          <a:prstGeom prst="rect">
-            <a:avLst/>
-          </a:prstGeom>
-          <a:noFill/>
-        </p:spPr>
-        <p:txBody>
-          <a:bodyPr wrap="none" rtlCol="0">
-            <a:spAutoFit/>
-          </a:bodyPr>
-          <a:lstStyle/>
-          <a:p>
-            <a:r>
-              <a:rPr lang="de-DE" dirty="0" err="1"/>
-              <a:t>Citation</a:t>
-            </a:r>
-            <a:r>
-              <a:rPr lang="de-DE" dirty="0"/>
-              <a:t> </a:t>
-            </a:r>
-            <a:r>
-              <a:rPr lang="de-DE" dirty="0" err="1"/>
-              <a:t>needed</a:t>
-            </a:r>
-            <a:endParaRPr lang="en-DE" dirty="0"/>
-          </a:p>
-        </p:txBody>
-      </p:sp>
     </p:spTree>
     <p:extLst>
       <p:ext uri="{BB962C8B-B14F-4D97-AF65-F5344CB8AC3E}">
@@ -7910,7 +11825,7 @@
 </p:sld>
 </file>
 
-<file path=ppt/slides/slide5.xml><?xml version="1.0" encoding="utf-8"?>
+<file path=ppt/slides/slide6.xml><?xml version="1.0" encoding="utf-8"?>
 <p:sld xmlns:a="http://schemas.openxmlformats.org/drawingml/2006/main" xmlns:r="http://schemas.openxmlformats.org/officeDocument/2006/relationships" xmlns:p="http://schemas.openxmlformats.org/presentationml/2006/main">
   <p:cSld>
     <p:bg>
@@ -7937,10 +11852,10 @@
       </p:grpSpPr>
       <p:sp useBgFill="1">
         <p:nvSpPr>
-          <p:cNvPr id="22" name="Rectangle 21">
+          <p:cNvPr id="31" name="Rectangle 30">
             <a:extLst>
               <a:ext uri="{FF2B5EF4-FFF2-40B4-BE49-F238E27FC236}">
-                <a16:creationId xmlns:a16="http://schemas.microsoft.com/office/drawing/2014/main" id="{4D1248EE-67D1-4BDE-AB0E-01D7CD8DD7ED}"/>
+                <a16:creationId xmlns:a16="http://schemas.microsoft.com/office/drawing/2014/main" id="{C681C32C-7AFC-4BB3-9088-65CBDFC5D1C2}"/>
               </a:ext>
               <a:ext uri="{C183D7F6-B498-43B3-948B-1728B52AA6E4}">
                 <adec:decorative xmlns:adec="http://schemas.microsoft.com/office/drawing/2017/decorative" val="1"/>
@@ -8013,8 +11928,8 @@
         </p:nvSpPr>
         <p:spPr>
           <a:xfrm>
-            <a:off x="914402" y="4996329"/>
-            <a:ext cx="10943421" cy="1035982"/>
+            <a:off x="917275" y="4583953"/>
+            <a:ext cx="4685857" cy="1465973"/>
           </a:xfrm>
         </p:spPr>
         <p:txBody>
@@ -8023,15 +11938,43 @@
           </a:bodyPr>
           <a:lstStyle/>
           <a:p>
-            <a:pPr algn="r"/>
             <a:r>
               <a:rPr lang="de-DE" sz="4000" b="1" dirty="0"/>
               <a:t>Tools</a:t>
             </a:r>
-            <a:endParaRPr lang="en-DE" sz="4000" b="1" dirty="0"/>
+            <a:endParaRPr lang="en-DE" sz="4000" b="1"/>
           </a:p>
         </p:txBody>
       </p:sp>
+      <p:pic>
+        <p:nvPicPr>
+          <p:cNvPr id="18" name="Picture 17" descr="Ein Bild, das Werkzeug, drinnen, Schere, Paar enthält.&#10;&#10;Automatisch generierte Beschreibung">
+            <a:extLst>
+              <a:ext uri="{FF2B5EF4-FFF2-40B4-BE49-F238E27FC236}">
+                <a16:creationId xmlns:a16="http://schemas.microsoft.com/office/drawing/2014/main" id="{A1E01337-2966-4776-9EB0-46DFF4CBE29E}"/>
+              </a:ext>
+            </a:extLst>
+          </p:cNvPr>
+          <p:cNvPicPr>
+            <a:picLocks noChangeAspect="1"/>
+          </p:cNvPicPr>
+          <p:nvPr/>
+        </p:nvPicPr>
+        <p:blipFill rotWithShape="1">
+          <a:blip r:embed="rId2"/>
+          <a:srcRect t="47841"/>
+          <a:stretch/>
+        </p:blipFill>
+        <p:spPr>
+          <a:xfrm>
+            <a:off x="20" y="432"/>
+            <a:ext cx="12191980" cy="4244759"/>
+          </a:xfrm>
+          <a:prstGeom prst="rect">
+            <a:avLst/>
+          </a:prstGeom>
+        </p:spPr>
+      </p:pic>
       <p:sp>
         <p:nvSpPr>
           <p:cNvPr id="3" name="Content Placeholder 2">
@@ -8050,26 +11993,25 @@
         </p:nvSpPr>
         <p:spPr>
           <a:xfrm>
-            <a:off x="914402" y="457199"/>
-            <a:ext cx="2777381" cy="4170641"/>
+            <a:off x="6096000" y="4583953"/>
+            <a:ext cx="5638800" cy="1465973"/>
           </a:xfrm>
         </p:spPr>
         <p:txBody>
-          <a:bodyPr anchor="b">
+          <a:bodyPr>
             <a:normAutofit/>
           </a:bodyPr>
           <a:lstStyle/>
           <a:p>
-            <a:pPr algn="r"/>
             <a:r>
               <a:rPr lang="de-DE" sz="2000" dirty="0"/>
               <a:t>GitHub</a:t>
             </a:r>
-          </a:p>
-          <a:p>
-            <a:pPr algn="r"/>
-            <a:r>
-              <a:rPr lang="de-DE" sz="2000" dirty="0" err="1"/>
+            <a:endParaRPr lang="de-DE" sz="2000"/>
+          </a:p>
+          <a:p>
+            <a:r>
+              <a:rPr lang="de-DE" sz="2000"/>
               <a:t>DeepNote</a:t>
             </a:r>
             <a:r>
@@ -8077,7 +12019,7 @@
               <a:t> </a:t>
             </a:r>
             <a:r>
-              <a:rPr lang="de-DE" sz="2000" dirty="0" err="1"/>
+              <a:rPr lang="de-DE" sz="2000"/>
               <a:t>vs</a:t>
             </a:r>
             <a:r>
@@ -8085,18 +12027,18 @@
               <a:t> Google </a:t>
             </a:r>
             <a:r>
-              <a:rPr lang="de-DE" sz="2000" dirty="0" err="1"/>
+              <a:rPr lang="de-DE" sz="2000"/>
               <a:t>Colab</a:t>
             </a:r>
             <a:r>
               <a:rPr lang="de-DE" sz="2000" dirty="0"/>
               <a:t> </a:t>
             </a:r>
-          </a:p>
-          <a:p>
-            <a:pPr algn="r"/>
-            <a:r>
-              <a:rPr lang="de-DE" sz="2000" dirty="0" err="1"/>
+            <a:endParaRPr lang="de-DE" sz="2000"/>
+          </a:p>
+          <a:p>
+            <a:r>
+              <a:rPr lang="de-DE" sz="2000"/>
               <a:t>Should</a:t>
             </a:r>
             <a:r>
@@ -8104,7 +12046,7 @@
               <a:t> </a:t>
             </a:r>
             <a:r>
-              <a:rPr lang="de-DE" sz="2000" dirty="0" err="1"/>
+              <a:rPr lang="de-DE" sz="2000"/>
               <a:t>we</a:t>
             </a:r>
             <a:r>
@@ -8112,7 +12054,7 @@
               <a:t> stick </a:t>
             </a:r>
             <a:r>
-              <a:rPr lang="de-DE" sz="2000" dirty="0" err="1"/>
+              <a:rPr lang="de-DE" sz="2000"/>
               <a:t>to</a:t>
             </a:r>
             <a:r>
@@ -8120,55 +12062,26 @@
               <a:t> </a:t>
             </a:r>
             <a:r>
-              <a:rPr lang="de-DE" sz="2000" dirty="0" err="1"/>
+              <a:rPr lang="de-DE" sz="2000"/>
               <a:t>Pytorch</a:t>
             </a:r>
             <a:r>
               <a:rPr lang="de-DE" sz="2000" dirty="0"/>
               <a:t>?</a:t>
             </a:r>
-          </a:p>
-          <a:p>
-            <a:pPr algn="r"/>
-            <a:endParaRPr lang="en-DE" sz="2000" dirty="0"/>
+            <a:endParaRPr lang="de-DE" sz="2000"/>
+          </a:p>
+          <a:p>
+            <a:endParaRPr lang="en-DE" sz="2000"/>
           </a:p>
         </p:txBody>
       </p:sp>
-      <p:pic>
-        <p:nvPicPr>
-          <p:cNvPr id="18" name="Picture 17">
+      <p:sp>
+        <p:nvSpPr>
+          <p:cNvPr id="33" name="Rectangle 32">
             <a:extLst>
               <a:ext uri="{FF2B5EF4-FFF2-40B4-BE49-F238E27FC236}">
-                <a16:creationId xmlns:a16="http://schemas.microsoft.com/office/drawing/2014/main" id="{A1E01337-2966-4776-9EB0-46DFF4CBE29E}"/>
-              </a:ext>
-            </a:extLst>
-          </p:cNvPr>
-          <p:cNvPicPr>
-            <a:picLocks noChangeAspect="1"/>
-          </p:cNvPicPr>
-          <p:nvPr/>
-        </p:nvPicPr>
-        <p:blipFill rotWithShape="1">
-          <a:blip r:embed="rId2"/>
-          <a:srcRect t="9907" r="3" b="3"/>
-          <a:stretch/>
-        </p:blipFill>
-        <p:spPr>
-          <a:xfrm>
-            <a:off x="4038600" y="-431"/>
-            <a:ext cx="7696201" cy="4628272"/>
-          </a:xfrm>
-          <a:prstGeom prst="rect">
-            <a:avLst/>
-          </a:prstGeom>
-        </p:spPr>
-      </p:pic>
-      <p:sp>
-        <p:nvSpPr>
-          <p:cNvPr id="24" name="Rectangle 23">
-            <a:extLst>
-              <a:ext uri="{FF2B5EF4-FFF2-40B4-BE49-F238E27FC236}">
-                <a16:creationId xmlns:a16="http://schemas.microsoft.com/office/drawing/2014/main" id="{A344AAA5-41F4-4862-97EF-688D31DC7567}"/>
+                <a16:creationId xmlns:a16="http://schemas.microsoft.com/office/drawing/2014/main" id="{199C0ED0-69DE-4C31-A5CF-E2A46FD30226}"/>
               </a:ext>
               <a:ext uri="{C183D7F6-B498-43B3-948B-1728B52AA6E4}">
                 <adec:decorative xmlns:adec="http://schemas.microsoft.com/office/drawing/2017/decorative" val="1"/>
@@ -8236,10 +12149,10 @@
       </p:sp>
       <p:sp>
         <p:nvSpPr>
-          <p:cNvPr id="26" name="Rectangle 25">
+          <p:cNvPr id="35" name="Rectangle 34">
             <a:extLst>
               <a:ext uri="{FF2B5EF4-FFF2-40B4-BE49-F238E27FC236}">
-                <a16:creationId xmlns:a16="http://schemas.microsoft.com/office/drawing/2014/main" id="{69E1A62C-2AAF-4B3E-8CDB-65E237080997}"/>
+                <a16:creationId xmlns:a16="http://schemas.microsoft.com/office/drawing/2014/main" id="{8D42B8BD-40AF-488E-8A79-D7256C917229}"/>
               </a:ext>
               <a:ext uri="{C183D7F6-B498-43B3-948B-1728B52AA6E4}">
                 <adec:decorative xmlns:adec="http://schemas.microsoft.com/office/drawing/2017/decorative" val="1"/>
